--- a/docs/09_machine_learning/003_confusion_matrix/assets/drawings.pptx
+++ b/docs/09_machine_learning/003_confusion_matrix/assets/drawings.pptx
@@ -5,7 +5,7 @@
     <p:sldMasterId id="2147483648" r:id="rId1"/>
   </p:sldMasterIdLst>
   <p:notesMasterIdLst>
-    <p:notesMasterId r:id="rId8"/>
+    <p:notesMasterId r:id="rId9"/>
   </p:notesMasterIdLst>
   <p:sldIdLst>
     <p:sldId id="341" r:id="rId2"/>
@@ -14,6 +14,7 @@
     <p:sldId id="339" r:id="rId5"/>
     <p:sldId id="344" r:id="rId6"/>
     <p:sldId id="340" r:id="rId7"/>
+    <p:sldId id="345" r:id="rId8"/>
   </p:sldIdLst>
   <p:sldSz cx="12192000" cy="6858000"/>
   <p:notesSz cx="6858000" cy="9144000"/>
@@ -124,6 +125,7 @@
 <p1510:revInfo xmlns:a="http://schemas.openxmlformats.org/drawingml/2006/main" xmlns:r="http://schemas.openxmlformats.org/officeDocument/2006/relationships" xmlns:p1510="http://schemas.microsoft.com/office/powerpoint/2015/10/main">
   <p1510:revLst>
     <p1510:client id="{4C324128-1C43-49EB-8676-5A956DBDA641}" v="444" dt="2025-12-14T13:25:50.090"/>
+    <p1510:client id="{76A78AF1-43FB-43C9-91F9-9695004BC752}" v="24" dt="2025-12-14T18:06:38.356"/>
   </p1510:revLst>
 </p1510:revInfo>
 </file>
@@ -133,7 +135,7 @@
   <pc:docChgLst>
     <pc:chgData name="Philippe Baucour" userId="5102170ae7533958" providerId="LiveId" clId="{C4634EC1-E8DC-4FAE-B843-C9AE3C4956A0}"/>
     <pc:docChg chg="undo custSel addSld delSld modSld sldOrd">
-      <pc:chgData name="Philippe Baucour" userId="5102170ae7533958" providerId="LiveId" clId="{C4634EC1-E8DC-4FAE-B843-C9AE3C4956A0}" dt="2025-12-14T14:10:35.172" v="4740" actId="1038"/>
+      <pc:chgData name="Philippe Baucour" userId="5102170ae7533958" providerId="LiveId" clId="{C4634EC1-E8DC-4FAE-B843-C9AE3C4956A0}" dt="2025-12-14T18:13:10.450" v="5998" actId="478"/>
       <pc:docMkLst>
         <pc:docMk/>
       </pc:docMkLst>
@@ -1382,6 +1384,269 @@
           </ac:spMkLst>
         </pc:spChg>
       </pc:sldChg>
+      <pc:sldChg chg="addSp delSp modSp new mod ord modClrScheme chgLayout">
+        <pc:chgData name="Philippe Baucour" userId="5102170ae7533958" providerId="LiveId" clId="{C4634EC1-E8DC-4FAE-B843-C9AE3C4956A0}" dt="2025-12-14T18:13:10.450" v="5998" actId="478"/>
+        <pc:sldMkLst>
+          <pc:docMk/>
+          <pc:sldMk cId="1801289739" sldId="345"/>
+        </pc:sldMkLst>
+        <pc:spChg chg="del">
+          <ac:chgData name="Philippe Baucour" userId="5102170ae7533958" providerId="LiveId" clId="{C4634EC1-E8DC-4FAE-B843-C9AE3C4956A0}" dt="2025-12-14T17:33:24.458" v="4744" actId="700"/>
+          <ac:spMkLst>
+            <pc:docMk/>
+            <pc:sldMk cId="1801289739" sldId="345"/>
+            <ac:spMk id="2" creationId="{514A56B4-3966-3854-EEC3-F403FF80439E}"/>
+          </ac:spMkLst>
+        </pc:spChg>
+        <pc:spChg chg="del">
+          <ac:chgData name="Philippe Baucour" userId="5102170ae7533958" providerId="LiveId" clId="{C4634EC1-E8DC-4FAE-B843-C9AE3C4956A0}" dt="2025-12-14T17:33:24.458" v="4744" actId="700"/>
+          <ac:spMkLst>
+            <pc:docMk/>
+            <pc:sldMk cId="1801289739" sldId="345"/>
+            <ac:spMk id="3" creationId="{69FAD502-B722-1DB6-D003-E1471C8CD85F}"/>
+          </ac:spMkLst>
+        </pc:spChg>
+        <pc:spChg chg="add mod">
+          <ac:chgData name="Philippe Baucour" userId="5102170ae7533958" providerId="LiveId" clId="{C4634EC1-E8DC-4FAE-B843-C9AE3C4956A0}" dt="2025-12-14T18:09:00.298" v="5722" actId="1036"/>
+          <ac:spMkLst>
+            <pc:docMk/>
+            <pc:sldMk cId="1801289739" sldId="345"/>
+            <ac:spMk id="4" creationId="{28799353-42B3-8F74-C97B-66FB54F5C47A}"/>
+          </ac:spMkLst>
+        </pc:spChg>
+        <pc:spChg chg="add mod">
+          <ac:chgData name="Philippe Baucour" userId="5102170ae7533958" providerId="LiveId" clId="{C4634EC1-E8DC-4FAE-B843-C9AE3C4956A0}" dt="2025-12-14T18:08:41.898" v="5708" actId="688"/>
+          <ac:spMkLst>
+            <pc:docMk/>
+            <pc:sldMk cId="1801289739" sldId="345"/>
+            <ac:spMk id="5" creationId="{C5D912BA-2EE1-946F-377F-9060678B8746}"/>
+          </ac:spMkLst>
+        </pc:spChg>
+        <pc:spChg chg="add mod">
+          <ac:chgData name="Philippe Baucour" userId="5102170ae7533958" providerId="LiveId" clId="{C4634EC1-E8DC-4FAE-B843-C9AE3C4956A0}" dt="2025-12-14T17:51:59.591" v="5318" actId="1037"/>
+          <ac:spMkLst>
+            <pc:docMk/>
+            <pc:sldMk cId="1801289739" sldId="345"/>
+            <ac:spMk id="8" creationId="{50FC805C-0F28-E05D-CD4C-63AB090D7FA3}"/>
+          </ac:spMkLst>
+        </pc:spChg>
+        <pc:spChg chg="add del mod">
+          <ac:chgData name="Philippe Baucour" userId="5102170ae7533958" providerId="LiveId" clId="{C4634EC1-E8DC-4FAE-B843-C9AE3C4956A0}" dt="2025-12-14T17:39:03.217" v="4827" actId="478"/>
+          <ac:spMkLst>
+            <pc:docMk/>
+            <pc:sldMk cId="1801289739" sldId="345"/>
+            <ac:spMk id="9" creationId="{5E3F20CB-229A-2D47-CBDF-8DB798492AE0}"/>
+          </ac:spMkLst>
+        </pc:spChg>
+        <pc:spChg chg="add del mod">
+          <ac:chgData name="Philippe Baucour" userId="5102170ae7533958" providerId="LiveId" clId="{C4634EC1-E8DC-4FAE-B843-C9AE3C4956A0}" dt="2025-12-14T17:39:04.557" v="4828" actId="478"/>
+          <ac:spMkLst>
+            <pc:docMk/>
+            <pc:sldMk cId="1801289739" sldId="345"/>
+            <ac:spMk id="10" creationId="{E72DC953-6C27-2351-0032-900F6D073580}"/>
+          </ac:spMkLst>
+        </pc:spChg>
+        <pc:spChg chg="add mod">
+          <ac:chgData name="Philippe Baucour" userId="5102170ae7533958" providerId="LiveId" clId="{C4634EC1-E8DC-4FAE-B843-C9AE3C4956A0}" dt="2025-12-14T18:00:06.806" v="5598" actId="207"/>
+          <ac:spMkLst>
+            <pc:docMk/>
+            <pc:sldMk cId="1801289739" sldId="345"/>
+            <ac:spMk id="11" creationId="{46FD3970-E612-6766-68E0-910C741F6C00}"/>
+          </ac:spMkLst>
+        </pc:spChg>
+        <pc:spChg chg="add mod">
+          <ac:chgData name="Philippe Baucour" userId="5102170ae7533958" providerId="LiveId" clId="{C4634EC1-E8DC-4FAE-B843-C9AE3C4956A0}" dt="2025-12-14T18:10:44.142" v="5760" actId="12789"/>
+          <ac:spMkLst>
+            <pc:docMk/>
+            <pc:sldMk cId="1801289739" sldId="345"/>
+            <ac:spMk id="12" creationId="{2AF3DC78-B17C-FAE2-F4AC-9B7AB2220DC4}"/>
+          </ac:spMkLst>
+        </pc:spChg>
+        <pc:spChg chg="add mod">
+          <ac:chgData name="Philippe Baucour" userId="5102170ae7533958" providerId="LiveId" clId="{C4634EC1-E8DC-4FAE-B843-C9AE3C4956A0}" dt="2025-12-14T18:10:49.338" v="5761" actId="12789"/>
+          <ac:spMkLst>
+            <pc:docMk/>
+            <pc:sldMk cId="1801289739" sldId="345"/>
+            <ac:spMk id="13" creationId="{FADE2A3E-8BEE-220B-DB34-47AC5E963BAE}"/>
+          </ac:spMkLst>
+        </pc:spChg>
+        <pc:spChg chg="add mod">
+          <ac:chgData name="Philippe Baucour" userId="5102170ae7533958" providerId="LiveId" clId="{C4634EC1-E8DC-4FAE-B843-C9AE3C4956A0}" dt="2025-12-14T18:12:14.512" v="5905" actId="12788"/>
+          <ac:spMkLst>
+            <pc:docMk/>
+            <pc:sldMk cId="1801289739" sldId="345"/>
+            <ac:spMk id="14" creationId="{981E0BB8-ED99-8382-476C-884268FC25A6}"/>
+          </ac:spMkLst>
+        </pc:spChg>
+        <pc:spChg chg="add mod">
+          <ac:chgData name="Philippe Baucour" userId="5102170ae7533958" providerId="LiveId" clId="{C4634EC1-E8DC-4FAE-B843-C9AE3C4956A0}" dt="2025-12-14T18:03:02.338" v="5626" actId="207"/>
+          <ac:spMkLst>
+            <pc:docMk/>
+            <pc:sldMk cId="1801289739" sldId="345"/>
+            <ac:spMk id="15" creationId="{B1F26645-C568-6A48-46D4-F9AAF716B7A8}"/>
+          </ac:spMkLst>
+        </pc:spChg>
+        <pc:spChg chg="add mod">
+          <ac:chgData name="Philippe Baucour" userId="5102170ae7533958" providerId="LiveId" clId="{C4634EC1-E8DC-4FAE-B843-C9AE3C4956A0}" dt="2025-12-14T18:02:55.207" v="5625" actId="207"/>
+          <ac:spMkLst>
+            <pc:docMk/>
+            <pc:sldMk cId="1801289739" sldId="345"/>
+            <ac:spMk id="16" creationId="{78A1D14F-2D3D-6685-18E6-ED3766EFC8F1}"/>
+          </ac:spMkLst>
+        </pc:spChg>
+        <pc:spChg chg="add del mod">
+          <ac:chgData name="Philippe Baucour" userId="5102170ae7533958" providerId="LiveId" clId="{C4634EC1-E8DC-4FAE-B843-C9AE3C4956A0}" dt="2025-12-14T17:51:24.603" v="5291" actId="478"/>
+          <ac:spMkLst>
+            <pc:docMk/>
+            <pc:sldMk cId="1801289739" sldId="345"/>
+            <ac:spMk id="45" creationId="{85327B8E-F08B-79EC-179C-A964312407DD}"/>
+          </ac:spMkLst>
+        </pc:spChg>
+        <pc:spChg chg="add mod">
+          <ac:chgData name="Philippe Baucour" userId="5102170ae7533958" providerId="LiveId" clId="{C4634EC1-E8DC-4FAE-B843-C9AE3C4956A0}" dt="2025-12-14T18:08:07.612" v="5692" actId="1035"/>
+          <ac:spMkLst>
+            <pc:docMk/>
+            <pc:sldMk cId="1801289739" sldId="345"/>
+            <ac:spMk id="49" creationId="{07EFD98B-4927-25BC-8BD2-9697E33F2D53}"/>
+          </ac:spMkLst>
+        </pc:spChg>
+        <pc:spChg chg="add mod">
+          <ac:chgData name="Philippe Baucour" userId="5102170ae7533958" providerId="LiveId" clId="{C4634EC1-E8DC-4FAE-B843-C9AE3C4956A0}" dt="2025-12-14T18:10:16.354" v="5757" actId="1038"/>
+          <ac:spMkLst>
+            <pc:docMk/>
+            <pc:sldMk cId="1801289739" sldId="345"/>
+            <ac:spMk id="50" creationId="{03D09B40-5404-F339-8BE1-46471E11C7EC}"/>
+          </ac:spMkLst>
+        </pc:spChg>
+        <pc:spChg chg="add mod">
+          <ac:chgData name="Philippe Baucour" userId="5102170ae7533958" providerId="LiveId" clId="{C4634EC1-E8DC-4FAE-B843-C9AE3C4956A0}" dt="2025-12-14T18:10:44.142" v="5760" actId="12789"/>
+          <ac:spMkLst>
+            <pc:docMk/>
+            <pc:sldMk cId="1801289739" sldId="345"/>
+            <ac:spMk id="53" creationId="{11D6D2EF-0906-5476-CB5F-193E951951EC}"/>
+          </ac:spMkLst>
+        </pc:spChg>
+        <pc:spChg chg="add mod">
+          <ac:chgData name="Philippe Baucour" userId="5102170ae7533958" providerId="LiveId" clId="{C4634EC1-E8DC-4FAE-B843-C9AE3C4956A0}" dt="2025-12-14T18:10:49.338" v="5761" actId="12789"/>
+          <ac:spMkLst>
+            <pc:docMk/>
+            <pc:sldMk cId="1801289739" sldId="345"/>
+            <ac:spMk id="54" creationId="{3C17ACAA-907B-9A21-8D29-9A2C751759AC}"/>
+          </ac:spMkLst>
+        </pc:spChg>
+        <pc:spChg chg="add mod">
+          <ac:chgData name="Philippe Baucour" userId="5102170ae7533958" providerId="LiveId" clId="{C4634EC1-E8DC-4FAE-B843-C9AE3C4956A0}" dt="2025-12-14T18:10:53.718" v="5762" actId="12789"/>
+          <ac:spMkLst>
+            <pc:docMk/>
+            <pc:sldMk cId="1801289739" sldId="345"/>
+            <ac:spMk id="55" creationId="{07AF3785-67C7-58DB-26A8-0ABBB89F202F}"/>
+          </ac:spMkLst>
+        </pc:spChg>
+        <pc:spChg chg="add mod">
+          <ac:chgData name="Philippe Baucour" userId="5102170ae7533958" providerId="LiveId" clId="{C4634EC1-E8DC-4FAE-B843-C9AE3C4956A0}" dt="2025-12-14T18:12:56.635" v="5997" actId="1035"/>
+          <ac:spMkLst>
+            <pc:docMk/>
+            <pc:sldMk cId="1801289739" sldId="345"/>
+            <ac:spMk id="58" creationId="{5D7B42EC-3C4E-1C4B-7127-6291607ABADA}"/>
+          </ac:spMkLst>
+        </pc:spChg>
+        <pc:spChg chg="add mod">
+          <ac:chgData name="Philippe Baucour" userId="5102170ae7533958" providerId="LiveId" clId="{C4634EC1-E8DC-4FAE-B843-C9AE3C4956A0}" dt="2025-12-14T18:12:56.635" v="5997" actId="1035"/>
+          <ac:spMkLst>
+            <pc:docMk/>
+            <pc:sldMk cId="1801289739" sldId="345"/>
+            <ac:spMk id="59" creationId="{6239B8FE-D8F3-609C-7733-C8E2F5D21FFE}"/>
+          </ac:spMkLst>
+        </pc:spChg>
+        <pc:spChg chg="add mod">
+          <ac:chgData name="Philippe Baucour" userId="5102170ae7533958" providerId="LiveId" clId="{C4634EC1-E8DC-4FAE-B843-C9AE3C4956A0}" dt="2025-12-14T18:09:38.276" v="5746" actId="6549"/>
+          <ac:spMkLst>
+            <pc:docMk/>
+            <pc:sldMk cId="1801289739" sldId="345"/>
+            <ac:spMk id="60" creationId="{DB1D96A7-3836-BC9F-1281-EBCCEDA2CBF9}"/>
+          </ac:spMkLst>
+        </pc:spChg>
+        <pc:spChg chg="add mod">
+          <ac:chgData name="Philippe Baucour" userId="5102170ae7533958" providerId="LiveId" clId="{C4634EC1-E8DC-4FAE-B843-C9AE3C4956A0}" dt="2025-12-14T18:09:14.409" v="5737" actId="6549"/>
+          <ac:spMkLst>
+            <pc:docMk/>
+            <pc:sldMk cId="1801289739" sldId="345"/>
+            <ac:spMk id="61" creationId="{9362FC6D-6B38-4158-9797-B263EB3CAA33}"/>
+          </ac:spMkLst>
+        </pc:spChg>
+        <pc:picChg chg="add del mod">
+          <ac:chgData name="Philippe Baucour" userId="5102170ae7533958" providerId="LiveId" clId="{C4634EC1-E8DC-4FAE-B843-C9AE3C4956A0}" dt="2025-12-14T18:13:10.450" v="5998" actId="478"/>
+          <ac:picMkLst>
+            <pc:docMk/>
+            <pc:sldMk cId="1801289739" sldId="345"/>
+            <ac:picMk id="7" creationId="{74CA07A5-A878-AC2B-D389-225E444C5E7A}"/>
+          </ac:picMkLst>
+        </pc:picChg>
+        <pc:picChg chg="add del mod">
+          <ac:chgData name="Philippe Baucour" userId="5102170ae7533958" providerId="LiveId" clId="{C4634EC1-E8DC-4FAE-B843-C9AE3C4956A0}" dt="2025-12-14T18:02:26.258" v="5620" actId="478"/>
+          <ac:picMkLst>
+            <pc:docMk/>
+            <pc:sldMk cId="1801289739" sldId="345"/>
+            <ac:picMk id="52" creationId="{2BC206CC-A4A7-55D1-0C73-1FC0A16316BA}"/>
+          </ac:picMkLst>
+        </pc:picChg>
+        <pc:picChg chg="add del mod">
+          <ac:chgData name="Philippe Baucour" userId="5102170ae7533958" providerId="LiveId" clId="{C4634EC1-E8DC-4FAE-B843-C9AE3C4956A0}" dt="2025-12-14T18:03:20.267" v="5627" actId="478"/>
+          <ac:picMkLst>
+            <pc:docMk/>
+            <pc:sldMk cId="1801289739" sldId="345"/>
+            <ac:picMk id="57" creationId="{F7FD6169-C2EA-DAA7-A346-F782ECC9767E}"/>
+          </ac:picMkLst>
+        </pc:picChg>
+        <pc:cxnChg chg="add mod">
+          <ac:chgData name="Philippe Baucour" userId="5102170ae7533958" providerId="LiveId" clId="{C4634EC1-E8DC-4FAE-B843-C9AE3C4956A0}" dt="2025-12-14T17:51:59.591" v="5318" actId="1037"/>
+          <ac:cxnSpMkLst>
+            <pc:docMk/>
+            <pc:sldMk cId="1801289739" sldId="345"/>
+            <ac:cxnSpMk id="18" creationId="{18DD0875-F4AE-5522-6DBC-28F302EF5599}"/>
+          </ac:cxnSpMkLst>
+        </pc:cxnChg>
+        <pc:cxnChg chg="add mod">
+          <ac:chgData name="Philippe Baucour" userId="5102170ae7533958" providerId="LiveId" clId="{C4634EC1-E8DC-4FAE-B843-C9AE3C4956A0}" dt="2025-12-14T17:51:59.591" v="5318" actId="1037"/>
+          <ac:cxnSpMkLst>
+            <pc:docMk/>
+            <pc:sldMk cId="1801289739" sldId="345"/>
+            <ac:cxnSpMk id="19" creationId="{F2F6C653-DDDA-24F0-AF5A-E2542DE1A12F}"/>
+          </ac:cxnSpMkLst>
+        </pc:cxnChg>
+        <pc:cxnChg chg="add mod">
+          <ac:chgData name="Philippe Baucour" userId="5102170ae7533958" providerId="LiveId" clId="{C4634EC1-E8DC-4FAE-B843-C9AE3C4956A0}" dt="2025-12-14T18:12:14.512" v="5905" actId="12788"/>
+          <ac:cxnSpMkLst>
+            <pc:docMk/>
+            <pc:sldMk cId="1801289739" sldId="345"/>
+            <ac:cxnSpMk id="22" creationId="{5A3EAE7C-298C-3E6C-D59B-E37995F685B6}"/>
+          </ac:cxnSpMkLst>
+        </pc:cxnChg>
+        <pc:cxnChg chg="add mod">
+          <ac:chgData name="Philippe Baucour" userId="5102170ae7533958" providerId="LiveId" clId="{C4634EC1-E8DC-4FAE-B843-C9AE3C4956A0}" dt="2025-12-14T18:10:49.338" v="5761" actId="12789"/>
+          <ac:cxnSpMkLst>
+            <pc:docMk/>
+            <pc:sldMk cId="1801289739" sldId="345"/>
+            <ac:cxnSpMk id="25" creationId="{53F13D3A-2AC1-1A05-7469-8D745B99E5CE}"/>
+          </ac:cxnSpMkLst>
+        </pc:cxnChg>
+        <pc:cxnChg chg="add mod">
+          <ac:chgData name="Philippe Baucour" userId="5102170ae7533958" providerId="LiveId" clId="{C4634EC1-E8DC-4FAE-B843-C9AE3C4956A0}" dt="2025-12-14T17:56:59.555" v="5508" actId="1037"/>
+          <ac:cxnSpMkLst>
+            <pc:docMk/>
+            <pc:sldMk cId="1801289739" sldId="345"/>
+            <ac:cxnSpMk id="36" creationId="{4852EA69-A0CE-2D40-03E3-36DA36B68B26}"/>
+          </ac:cxnSpMkLst>
+        </pc:cxnChg>
+        <pc:cxnChg chg="add mod">
+          <ac:chgData name="Philippe Baucour" userId="5102170ae7533958" providerId="LiveId" clId="{C4634EC1-E8DC-4FAE-B843-C9AE3C4956A0}" dt="2025-12-14T18:10:44.142" v="5760" actId="12789"/>
+          <ac:cxnSpMkLst>
+            <pc:docMk/>
+            <pc:sldMk cId="1801289739" sldId="345"/>
+            <ac:cxnSpMk id="39" creationId="{D8F57987-9B61-872A-BA99-7902E5F9FAB1}"/>
+          </ac:cxnSpMkLst>
+        </pc:cxnChg>
+      </pc:sldChg>
     </pc:docChg>
   </pc:docChgLst>
 </pc:chgInfo>
@@ -12868,8 +13133,8 @@
           </a:prstGeom>
         </p:spPr>
       </p:pic>
-      <mc:AlternateContent xmlns:mc="http://schemas.openxmlformats.org/markup-compatibility/2006">
-        <mc:Choice xmlns:a14="http://schemas.microsoft.com/office/drawing/2010/main" Requires="a14">
+      <mc:AlternateContent xmlns:mc="http://schemas.openxmlformats.org/markup-compatibility/2006" xmlns:a14="http://schemas.microsoft.com/office/drawing/2010/main">
+        <mc:Choice Requires="a14">
           <p:sp>
             <p:nvSpPr>
               <p:cNvPr id="6" name="ZoneTexte 5">
@@ -13035,7 +13300,7 @@
             </p:txBody>
           </p:sp>
         </mc:Choice>
-        <mc:Fallback>
+        <mc:Fallback xmlns="">
           <p:sp>
             <p:nvSpPr>
               <p:cNvPr id="6" name="ZoneTexte 5">
@@ -15750,8 +16015,8 @@
           </a:p>
         </p:txBody>
       </p:sp>
-      <mc:AlternateContent xmlns:mc="http://schemas.openxmlformats.org/markup-compatibility/2006">
-        <mc:Choice xmlns:a14="http://schemas.microsoft.com/office/drawing/2010/main" Requires="a14">
+      <mc:AlternateContent xmlns:mc="http://schemas.openxmlformats.org/markup-compatibility/2006" xmlns:a14="http://schemas.microsoft.com/office/drawing/2010/main">
+        <mc:Choice Requires="a14">
           <p:sp>
             <p:nvSpPr>
               <p:cNvPr id="59" name="ZoneTexte 58">
@@ -15917,7 +16182,7 @@
             </p:txBody>
           </p:sp>
         </mc:Choice>
-        <mc:Fallback>
+        <mc:Fallback xmlns="">
           <p:sp>
             <p:nvSpPr>
               <p:cNvPr id="59" name="ZoneTexte 58">
@@ -15966,6 +16231,1063 @@
     <p:extLst>
       <p:ext uri="{BB962C8B-B14F-4D97-AF65-F5344CB8AC3E}">
         <p14:creationId xmlns:p14="http://schemas.microsoft.com/office/powerpoint/2010/main" val="3335315101"/>
+      </p:ext>
+    </p:extLst>
+  </p:cSld>
+  <p:clrMapOvr>
+    <a:masterClrMapping/>
+  </p:clrMapOvr>
+</p:sld>
+</file>
+
+<file path=ppt/slides/slide7.xml><?xml version="1.0" encoding="utf-8"?>
+<p:sld xmlns:a="http://schemas.openxmlformats.org/drawingml/2006/main" xmlns:r="http://schemas.openxmlformats.org/officeDocument/2006/relationships" xmlns:p="http://schemas.openxmlformats.org/presentationml/2006/main">
+  <p:cSld>
+    <p:spTree>
+      <p:nvGrpSpPr>
+        <p:cNvPr id="1" name=""/>
+        <p:cNvGrpSpPr/>
+        <p:nvPr/>
+      </p:nvGrpSpPr>
+      <p:grpSpPr>
+        <a:xfrm>
+          <a:off x="0" y="0"/>
+          <a:ext cx="0" cy="0"/>
+          <a:chOff x="0" y="0"/>
+          <a:chExt cx="0" cy="0"/>
+        </a:xfrm>
+      </p:grpSpPr>
+      <p:sp>
+        <p:nvSpPr>
+          <p:cNvPr id="4" name="ZoneTexte 3">
+            <a:extLst>
+              <a:ext uri="{FF2B5EF4-FFF2-40B4-BE49-F238E27FC236}">
+                <a16:creationId xmlns:a16="http://schemas.microsoft.com/office/drawing/2014/main" id="{28799353-42B3-8F74-C97B-66FB54F5C47A}"/>
+              </a:ext>
+            </a:extLst>
+          </p:cNvPr>
+          <p:cNvSpPr txBox="1"/>
+          <p:nvPr/>
+        </p:nvSpPr>
+        <p:spPr>
+          <a:xfrm rot="19517226">
+            <a:off x="1975474" y="2437855"/>
+            <a:ext cx="1800000" cy="360000"/>
+          </a:xfrm>
+          <a:prstGeom prst="rect">
+            <a:avLst/>
+          </a:prstGeom>
+          <a:noFill/>
+        </p:spPr>
+        <p:txBody>
+          <a:bodyPr wrap="square" rtlCol="0">
+            <a:spAutoFit/>
+          </a:bodyPr>
+          <a:lstStyle/>
+          <a:p>
+            <a:pPr algn="ctr"/>
+            <a:r>
+              <a:rPr lang="en-US" noProof="0" dirty="0">
+                <a:latin typeface="Courier New" panose="02070309020205020404" pitchFamily="49" charset="0"/>
+                <a:cs typeface="Courier New" panose="02070309020205020404" pitchFamily="49" charset="0"/>
+              </a:rPr>
+              <a:t>Prevalence</a:t>
+            </a:r>
+          </a:p>
+        </p:txBody>
+      </p:sp>
+      <p:sp>
+        <p:nvSpPr>
+          <p:cNvPr id="5" name="ZoneTexte 4">
+            <a:extLst>
+              <a:ext uri="{FF2B5EF4-FFF2-40B4-BE49-F238E27FC236}">
+                <a16:creationId xmlns:a16="http://schemas.microsoft.com/office/drawing/2014/main" id="{C5D912BA-2EE1-946F-377F-9060678B8746}"/>
+              </a:ext>
+            </a:extLst>
+          </p:cNvPr>
+          <p:cNvSpPr txBox="1"/>
+          <p:nvPr/>
+        </p:nvSpPr>
+        <p:spPr>
+          <a:xfrm rot="19500000">
+            <a:off x="3889627" y="1350531"/>
+            <a:ext cx="1800000" cy="360000"/>
+          </a:xfrm>
+          <a:prstGeom prst="rect">
+            <a:avLst/>
+          </a:prstGeom>
+          <a:noFill/>
+        </p:spPr>
+        <p:txBody>
+          <a:bodyPr wrap="square" rtlCol="0">
+            <a:spAutoFit/>
+          </a:bodyPr>
+          <a:lstStyle/>
+          <a:p>
+            <a:pPr algn="ctr"/>
+            <a:r>
+              <a:rPr lang="en-US" noProof="0" dirty="0">
+                <a:latin typeface="Courier New" panose="02070309020205020404" pitchFamily="49" charset="0"/>
+                <a:cs typeface="Courier New" panose="02070309020205020404" pitchFamily="49" charset="0"/>
+              </a:rPr>
+              <a:t>Sensitivity</a:t>
+            </a:r>
+          </a:p>
+        </p:txBody>
+      </p:sp>
+      <p:sp>
+        <p:nvSpPr>
+          <p:cNvPr id="8" name="Ellipse 7">
+            <a:extLst>
+              <a:ext uri="{FF2B5EF4-FFF2-40B4-BE49-F238E27FC236}">
+                <a16:creationId xmlns:a16="http://schemas.microsoft.com/office/drawing/2014/main" id="{50FC805C-0F28-E05D-CD4C-63AB090D7FA3}"/>
+              </a:ext>
+            </a:extLst>
+          </p:cNvPr>
+          <p:cNvSpPr/>
+          <p:nvPr/>
+        </p:nvSpPr>
+        <p:spPr>
+          <a:xfrm>
+            <a:off x="1845720" y="3124196"/>
+            <a:ext cx="372979" cy="372979"/>
+          </a:xfrm>
+          <a:prstGeom prst="ellipse">
+            <a:avLst/>
+          </a:prstGeom>
+          <a:solidFill>
+            <a:srgbClr val="FFC000"/>
+          </a:solidFill>
+        </p:spPr>
+        <p:style>
+          <a:lnRef idx="2">
+            <a:schemeClr val="accent1">
+              <a:shade val="15000"/>
+            </a:schemeClr>
+          </a:lnRef>
+          <a:fillRef idx="1">
+            <a:schemeClr val="accent1"/>
+          </a:fillRef>
+          <a:effectRef idx="0">
+            <a:schemeClr val="accent1"/>
+          </a:effectRef>
+          <a:fontRef idx="minor">
+            <a:schemeClr val="lt1"/>
+          </a:fontRef>
+        </p:style>
+        <p:txBody>
+          <a:bodyPr rtlCol="0" anchor="ctr"/>
+          <a:lstStyle/>
+          <a:p>
+            <a:pPr algn="ctr"/>
+            <a:endParaRPr lang="fr-FR"/>
+          </a:p>
+        </p:txBody>
+      </p:sp>
+      <p:sp>
+        <p:nvSpPr>
+          <p:cNvPr id="11" name="Ellipse 10">
+            <a:extLst>
+              <a:ext uri="{FF2B5EF4-FFF2-40B4-BE49-F238E27FC236}">
+                <a16:creationId xmlns:a16="http://schemas.microsoft.com/office/drawing/2014/main" id="{46FD3970-E612-6766-68E0-910C741F6C00}"/>
+              </a:ext>
+            </a:extLst>
+          </p:cNvPr>
+          <p:cNvSpPr/>
+          <p:nvPr/>
+        </p:nvSpPr>
+        <p:spPr>
+          <a:xfrm>
+            <a:off x="5649945" y="1003846"/>
+            <a:ext cx="372979" cy="372979"/>
+          </a:xfrm>
+          <a:prstGeom prst="ellipse">
+            <a:avLst/>
+          </a:prstGeom>
+          <a:solidFill>
+            <a:srgbClr val="2E6D8E"/>
+          </a:solidFill>
+        </p:spPr>
+        <p:style>
+          <a:lnRef idx="2">
+            <a:schemeClr val="accent1">
+              <a:shade val="15000"/>
+            </a:schemeClr>
+          </a:lnRef>
+          <a:fillRef idx="1">
+            <a:schemeClr val="accent1"/>
+          </a:fillRef>
+          <a:effectRef idx="0">
+            <a:schemeClr val="accent1"/>
+          </a:effectRef>
+          <a:fontRef idx="minor">
+            <a:schemeClr val="lt1"/>
+          </a:fontRef>
+        </p:style>
+        <p:txBody>
+          <a:bodyPr rtlCol="0" anchor="ctr"/>
+          <a:lstStyle/>
+          <a:p>
+            <a:pPr algn="ctr"/>
+            <a:endParaRPr lang="fr-FR"/>
+          </a:p>
+        </p:txBody>
+      </p:sp>
+      <p:sp>
+        <p:nvSpPr>
+          <p:cNvPr id="12" name="Ellipse 11">
+            <a:extLst>
+              <a:ext uri="{FF2B5EF4-FFF2-40B4-BE49-F238E27FC236}">
+                <a16:creationId xmlns:a16="http://schemas.microsoft.com/office/drawing/2014/main" id="{2AF3DC78-B17C-FAE2-F4AC-9B7AB2220DC4}"/>
+              </a:ext>
+            </a:extLst>
+          </p:cNvPr>
+          <p:cNvSpPr/>
+          <p:nvPr/>
+        </p:nvSpPr>
+        <p:spPr>
+          <a:xfrm>
+            <a:off x="5649944" y="2041976"/>
+            <a:ext cx="372979" cy="372979"/>
+          </a:xfrm>
+          <a:prstGeom prst="ellipse">
+            <a:avLst/>
+          </a:prstGeom>
+          <a:solidFill>
+            <a:srgbClr val="453580"/>
+          </a:solidFill>
+        </p:spPr>
+        <p:style>
+          <a:lnRef idx="2">
+            <a:schemeClr val="accent1">
+              <a:shade val="15000"/>
+            </a:schemeClr>
+          </a:lnRef>
+          <a:fillRef idx="1">
+            <a:schemeClr val="accent1"/>
+          </a:fillRef>
+          <a:effectRef idx="0">
+            <a:schemeClr val="accent1"/>
+          </a:effectRef>
+          <a:fontRef idx="minor">
+            <a:schemeClr val="lt1"/>
+          </a:fontRef>
+        </p:style>
+        <p:txBody>
+          <a:bodyPr rtlCol="0" anchor="ctr"/>
+          <a:lstStyle/>
+          <a:p>
+            <a:pPr algn="ctr"/>
+            <a:endParaRPr lang="fr-FR"/>
+          </a:p>
+        </p:txBody>
+      </p:sp>
+      <p:sp>
+        <p:nvSpPr>
+          <p:cNvPr id="13" name="Ellipse 12">
+            <a:extLst>
+              <a:ext uri="{FF2B5EF4-FFF2-40B4-BE49-F238E27FC236}">
+                <a16:creationId xmlns:a16="http://schemas.microsoft.com/office/drawing/2014/main" id="{FADE2A3E-8BEE-220B-DB34-47AC5E963BAE}"/>
+              </a:ext>
+            </a:extLst>
+          </p:cNvPr>
+          <p:cNvSpPr/>
+          <p:nvPr/>
+        </p:nvSpPr>
+        <p:spPr>
+          <a:xfrm>
+            <a:off x="5647627" y="4174952"/>
+            <a:ext cx="372979" cy="372979"/>
+          </a:xfrm>
+          <a:prstGeom prst="ellipse">
+            <a:avLst/>
+          </a:prstGeom>
+          <a:solidFill>
+            <a:srgbClr val="440154"/>
+          </a:solidFill>
+        </p:spPr>
+        <p:style>
+          <a:lnRef idx="2">
+            <a:schemeClr val="accent1">
+              <a:shade val="15000"/>
+            </a:schemeClr>
+          </a:lnRef>
+          <a:fillRef idx="1">
+            <a:schemeClr val="accent1"/>
+          </a:fillRef>
+          <a:effectRef idx="0">
+            <a:schemeClr val="accent1"/>
+          </a:effectRef>
+          <a:fontRef idx="minor">
+            <a:schemeClr val="lt1"/>
+          </a:fontRef>
+        </p:style>
+        <p:txBody>
+          <a:bodyPr rtlCol="0" anchor="ctr"/>
+          <a:lstStyle/>
+          <a:p>
+            <a:pPr algn="ctr"/>
+            <a:endParaRPr lang="fr-FR"/>
+          </a:p>
+        </p:txBody>
+      </p:sp>
+      <p:sp>
+        <p:nvSpPr>
+          <p:cNvPr id="14" name="Ellipse 13">
+            <a:extLst>
+              <a:ext uri="{FF2B5EF4-FFF2-40B4-BE49-F238E27FC236}">
+                <a16:creationId xmlns:a16="http://schemas.microsoft.com/office/drawing/2014/main" id="{981E0BB8-ED99-8382-476C-884268FC25A6}"/>
+              </a:ext>
+            </a:extLst>
+          </p:cNvPr>
+          <p:cNvSpPr/>
+          <p:nvPr/>
+        </p:nvSpPr>
+        <p:spPr>
+          <a:xfrm>
+            <a:off x="5647626" y="5412967"/>
+            <a:ext cx="372979" cy="372979"/>
+          </a:xfrm>
+          <a:prstGeom prst="ellipse">
+            <a:avLst/>
+          </a:prstGeom>
+          <a:solidFill>
+            <a:srgbClr val="FDE724"/>
+          </a:solidFill>
+        </p:spPr>
+        <p:style>
+          <a:lnRef idx="2">
+            <a:schemeClr val="accent1">
+              <a:shade val="15000"/>
+            </a:schemeClr>
+          </a:lnRef>
+          <a:fillRef idx="1">
+            <a:schemeClr val="accent1"/>
+          </a:fillRef>
+          <a:effectRef idx="0">
+            <a:schemeClr val="accent1"/>
+          </a:effectRef>
+          <a:fontRef idx="minor">
+            <a:schemeClr val="lt1"/>
+          </a:fontRef>
+        </p:style>
+        <p:txBody>
+          <a:bodyPr rtlCol="0" anchor="ctr"/>
+          <a:lstStyle/>
+          <a:p>
+            <a:pPr algn="ctr"/>
+            <a:endParaRPr lang="fr-FR"/>
+          </a:p>
+        </p:txBody>
+      </p:sp>
+      <p:sp>
+        <p:nvSpPr>
+          <p:cNvPr id="15" name="Ellipse 14">
+            <a:extLst>
+              <a:ext uri="{FF2B5EF4-FFF2-40B4-BE49-F238E27FC236}">
+                <a16:creationId xmlns:a16="http://schemas.microsoft.com/office/drawing/2014/main" id="{B1F26645-C568-6A48-46D4-F9AAF716B7A8}"/>
+              </a:ext>
+            </a:extLst>
+          </p:cNvPr>
+          <p:cNvSpPr/>
+          <p:nvPr/>
+        </p:nvSpPr>
+        <p:spPr>
+          <a:xfrm>
+            <a:off x="3746966" y="2071431"/>
+            <a:ext cx="372979" cy="372979"/>
+          </a:xfrm>
+          <a:prstGeom prst="ellipse">
+            <a:avLst/>
+          </a:prstGeom>
+          <a:solidFill>
+            <a:srgbClr val="70AD47"/>
+          </a:solidFill>
+        </p:spPr>
+        <p:style>
+          <a:lnRef idx="2">
+            <a:schemeClr val="accent1">
+              <a:shade val="15000"/>
+            </a:schemeClr>
+          </a:lnRef>
+          <a:fillRef idx="1">
+            <a:schemeClr val="accent1"/>
+          </a:fillRef>
+          <a:effectRef idx="0">
+            <a:schemeClr val="accent1"/>
+          </a:effectRef>
+          <a:fontRef idx="minor">
+            <a:schemeClr val="lt1"/>
+          </a:fontRef>
+        </p:style>
+        <p:txBody>
+          <a:bodyPr rtlCol="0" anchor="ctr"/>
+          <a:lstStyle/>
+          <a:p>
+            <a:pPr algn="ctr"/>
+            <a:endParaRPr lang="fr-FR"/>
+          </a:p>
+        </p:txBody>
+      </p:sp>
+      <p:sp>
+        <p:nvSpPr>
+          <p:cNvPr id="16" name="Ellipse 15">
+            <a:extLst>
+              <a:ext uri="{FF2B5EF4-FFF2-40B4-BE49-F238E27FC236}">
+                <a16:creationId xmlns:a16="http://schemas.microsoft.com/office/drawing/2014/main" id="{78A1D14F-2D3D-6685-18E6-ED3766EFC8F1}"/>
+              </a:ext>
+            </a:extLst>
+          </p:cNvPr>
+          <p:cNvSpPr/>
+          <p:nvPr/>
+        </p:nvSpPr>
+        <p:spPr>
+          <a:xfrm>
+            <a:off x="3746966" y="4174953"/>
+            <a:ext cx="372979" cy="372979"/>
+          </a:xfrm>
+          <a:prstGeom prst="ellipse">
+            <a:avLst/>
+          </a:prstGeom>
+          <a:solidFill>
+            <a:srgbClr val="C00000"/>
+          </a:solidFill>
+        </p:spPr>
+        <p:style>
+          <a:lnRef idx="2">
+            <a:schemeClr val="accent1">
+              <a:shade val="15000"/>
+            </a:schemeClr>
+          </a:lnRef>
+          <a:fillRef idx="1">
+            <a:schemeClr val="accent1"/>
+          </a:fillRef>
+          <a:effectRef idx="0">
+            <a:schemeClr val="accent1"/>
+          </a:effectRef>
+          <a:fontRef idx="minor">
+            <a:schemeClr val="lt1"/>
+          </a:fontRef>
+        </p:style>
+        <p:txBody>
+          <a:bodyPr rtlCol="0" anchor="ctr"/>
+          <a:lstStyle/>
+          <a:p>
+            <a:pPr algn="ctr"/>
+            <a:endParaRPr lang="fr-FR"/>
+          </a:p>
+        </p:txBody>
+      </p:sp>
+      <p:cxnSp>
+        <p:nvCxnSpPr>
+          <p:cNvPr id="18" name="Connecteur droit 17">
+            <a:extLst>
+              <a:ext uri="{FF2B5EF4-FFF2-40B4-BE49-F238E27FC236}">
+                <a16:creationId xmlns:a16="http://schemas.microsoft.com/office/drawing/2014/main" id="{18DD0875-F4AE-5522-6DBC-28F302EF5599}"/>
+              </a:ext>
+            </a:extLst>
+          </p:cNvPr>
+          <p:cNvCxnSpPr>
+            <a:cxnSpLocks/>
+            <a:stCxn id="8" idx="6"/>
+            <a:endCxn id="15" idx="2"/>
+          </p:cNvCxnSpPr>
+          <p:nvPr/>
+        </p:nvCxnSpPr>
+        <p:spPr>
+          <a:xfrm flipV="1">
+            <a:off x="2218699" y="2257921"/>
+            <a:ext cx="1528267" cy="1052765"/>
+          </a:xfrm>
+          <a:prstGeom prst="line">
+            <a:avLst/>
+          </a:prstGeom>
+          <a:ln w="38100"/>
+        </p:spPr>
+        <p:style>
+          <a:lnRef idx="1">
+            <a:schemeClr val="accent1"/>
+          </a:lnRef>
+          <a:fillRef idx="0">
+            <a:schemeClr val="accent1"/>
+          </a:fillRef>
+          <a:effectRef idx="0">
+            <a:schemeClr val="accent1"/>
+          </a:effectRef>
+          <a:fontRef idx="minor">
+            <a:schemeClr val="tx1"/>
+          </a:fontRef>
+        </p:style>
+      </p:cxnSp>
+      <p:cxnSp>
+        <p:nvCxnSpPr>
+          <p:cNvPr id="19" name="Connecteur droit 18">
+            <a:extLst>
+              <a:ext uri="{FF2B5EF4-FFF2-40B4-BE49-F238E27FC236}">
+                <a16:creationId xmlns:a16="http://schemas.microsoft.com/office/drawing/2014/main" id="{F2F6C653-DDDA-24F0-AF5A-E2542DE1A12F}"/>
+              </a:ext>
+            </a:extLst>
+          </p:cNvPr>
+          <p:cNvCxnSpPr>
+            <a:cxnSpLocks/>
+            <a:stCxn id="8" idx="6"/>
+            <a:endCxn id="16" idx="2"/>
+          </p:cNvCxnSpPr>
+          <p:nvPr/>
+        </p:nvCxnSpPr>
+        <p:spPr>
+          <a:xfrm>
+            <a:off x="2218699" y="3310686"/>
+            <a:ext cx="1528267" cy="1050757"/>
+          </a:xfrm>
+          <a:prstGeom prst="line">
+            <a:avLst/>
+          </a:prstGeom>
+          <a:ln w="38100"/>
+        </p:spPr>
+        <p:style>
+          <a:lnRef idx="1">
+            <a:schemeClr val="accent1"/>
+          </a:lnRef>
+          <a:fillRef idx="0">
+            <a:schemeClr val="accent1"/>
+          </a:fillRef>
+          <a:effectRef idx="0">
+            <a:schemeClr val="accent1"/>
+          </a:effectRef>
+          <a:fontRef idx="minor">
+            <a:schemeClr val="tx1"/>
+          </a:fontRef>
+        </p:style>
+      </p:cxnSp>
+      <p:cxnSp>
+        <p:nvCxnSpPr>
+          <p:cNvPr id="22" name="Connecteur droit 21">
+            <a:extLst>
+              <a:ext uri="{FF2B5EF4-FFF2-40B4-BE49-F238E27FC236}">
+                <a16:creationId xmlns:a16="http://schemas.microsoft.com/office/drawing/2014/main" id="{5A3EAE7C-298C-3E6C-D59B-E37995F685B6}"/>
+              </a:ext>
+            </a:extLst>
+          </p:cNvPr>
+          <p:cNvCxnSpPr>
+            <a:cxnSpLocks/>
+            <a:stCxn id="16" idx="6"/>
+            <a:endCxn id="14" idx="2"/>
+          </p:cNvCxnSpPr>
+          <p:nvPr/>
+        </p:nvCxnSpPr>
+        <p:spPr>
+          <a:xfrm>
+            <a:off x="4119945" y="4361443"/>
+            <a:ext cx="1527681" cy="1238014"/>
+          </a:xfrm>
+          <a:prstGeom prst="line">
+            <a:avLst/>
+          </a:prstGeom>
+          <a:ln w="38100"/>
+        </p:spPr>
+        <p:style>
+          <a:lnRef idx="1">
+            <a:schemeClr val="accent1"/>
+          </a:lnRef>
+          <a:fillRef idx="0">
+            <a:schemeClr val="accent1"/>
+          </a:fillRef>
+          <a:effectRef idx="0">
+            <a:schemeClr val="accent1"/>
+          </a:effectRef>
+          <a:fontRef idx="minor">
+            <a:schemeClr val="tx1"/>
+          </a:fontRef>
+        </p:style>
+      </p:cxnSp>
+      <p:cxnSp>
+        <p:nvCxnSpPr>
+          <p:cNvPr id="25" name="Connecteur droit 24">
+            <a:extLst>
+              <a:ext uri="{FF2B5EF4-FFF2-40B4-BE49-F238E27FC236}">
+                <a16:creationId xmlns:a16="http://schemas.microsoft.com/office/drawing/2014/main" id="{53F13D3A-2AC1-1A05-7469-8D745B99E5CE}"/>
+              </a:ext>
+            </a:extLst>
+          </p:cNvPr>
+          <p:cNvCxnSpPr>
+            <a:cxnSpLocks/>
+            <a:stCxn id="16" idx="6"/>
+            <a:endCxn id="13" idx="2"/>
+          </p:cNvCxnSpPr>
+          <p:nvPr/>
+        </p:nvCxnSpPr>
+        <p:spPr>
+          <a:xfrm flipV="1">
+            <a:off x="4119945" y="4361442"/>
+            <a:ext cx="1527682" cy="1"/>
+          </a:xfrm>
+          <a:prstGeom prst="line">
+            <a:avLst/>
+          </a:prstGeom>
+          <a:ln w="38100"/>
+        </p:spPr>
+        <p:style>
+          <a:lnRef idx="1">
+            <a:schemeClr val="accent1"/>
+          </a:lnRef>
+          <a:fillRef idx="0">
+            <a:schemeClr val="accent1"/>
+          </a:fillRef>
+          <a:effectRef idx="0">
+            <a:schemeClr val="accent1"/>
+          </a:effectRef>
+          <a:fontRef idx="minor">
+            <a:schemeClr val="tx1"/>
+          </a:fontRef>
+        </p:style>
+      </p:cxnSp>
+      <p:cxnSp>
+        <p:nvCxnSpPr>
+          <p:cNvPr id="36" name="Connecteur droit 35">
+            <a:extLst>
+              <a:ext uri="{FF2B5EF4-FFF2-40B4-BE49-F238E27FC236}">
+                <a16:creationId xmlns:a16="http://schemas.microsoft.com/office/drawing/2014/main" id="{4852EA69-A0CE-2D40-03E3-36DA36B68B26}"/>
+              </a:ext>
+            </a:extLst>
+          </p:cNvPr>
+          <p:cNvCxnSpPr>
+            <a:cxnSpLocks/>
+          </p:cNvCxnSpPr>
+          <p:nvPr/>
+        </p:nvCxnSpPr>
+        <p:spPr>
+          <a:xfrm flipV="1">
+            <a:off x="4112688" y="1188667"/>
+            <a:ext cx="1530000" cy="1051200"/>
+          </a:xfrm>
+          <a:prstGeom prst="line">
+            <a:avLst/>
+          </a:prstGeom>
+          <a:ln w="38100"/>
+        </p:spPr>
+        <p:style>
+          <a:lnRef idx="1">
+            <a:schemeClr val="accent1"/>
+          </a:lnRef>
+          <a:fillRef idx="0">
+            <a:schemeClr val="accent1"/>
+          </a:fillRef>
+          <a:effectRef idx="0">
+            <a:schemeClr val="accent1"/>
+          </a:effectRef>
+          <a:fontRef idx="minor">
+            <a:schemeClr val="tx1"/>
+          </a:fontRef>
+        </p:style>
+      </p:cxnSp>
+      <p:cxnSp>
+        <p:nvCxnSpPr>
+          <p:cNvPr id="39" name="Connecteur droit 38">
+            <a:extLst>
+              <a:ext uri="{FF2B5EF4-FFF2-40B4-BE49-F238E27FC236}">
+                <a16:creationId xmlns:a16="http://schemas.microsoft.com/office/drawing/2014/main" id="{D8F57987-9B61-872A-BA99-7902E5F9FAB1}"/>
+              </a:ext>
+            </a:extLst>
+          </p:cNvPr>
+          <p:cNvCxnSpPr>
+            <a:cxnSpLocks/>
+            <a:stCxn id="15" idx="6"/>
+            <a:endCxn id="12" idx="2"/>
+          </p:cNvCxnSpPr>
+          <p:nvPr/>
+        </p:nvCxnSpPr>
+        <p:spPr>
+          <a:xfrm flipV="1">
+            <a:off x="4119945" y="2228466"/>
+            <a:ext cx="1529999" cy="29455"/>
+          </a:xfrm>
+          <a:prstGeom prst="line">
+            <a:avLst/>
+          </a:prstGeom>
+          <a:ln w="38100"/>
+        </p:spPr>
+        <p:style>
+          <a:lnRef idx="1">
+            <a:schemeClr val="accent1"/>
+          </a:lnRef>
+          <a:fillRef idx="0">
+            <a:schemeClr val="accent1"/>
+          </a:fillRef>
+          <a:effectRef idx="0">
+            <a:schemeClr val="accent1"/>
+          </a:effectRef>
+          <a:fontRef idx="minor">
+            <a:schemeClr val="tx1"/>
+          </a:fontRef>
+        </p:style>
+      </p:cxnSp>
+      <p:sp>
+        <p:nvSpPr>
+          <p:cNvPr id="49" name="ZoneTexte 48">
+            <a:extLst>
+              <a:ext uri="{FF2B5EF4-FFF2-40B4-BE49-F238E27FC236}">
+                <a16:creationId xmlns:a16="http://schemas.microsoft.com/office/drawing/2014/main" id="{07EFD98B-4927-25BC-8BD2-9697E33F2D53}"/>
+              </a:ext>
+            </a:extLst>
+          </p:cNvPr>
+          <p:cNvSpPr txBox="1"/>
+          <p:nvPr/>
+        </p:nvSpPr>
+        <p:spPr>
+          <a:xfrm rot="2328871">
+            <a:off x="3885563" y="4980794"/>
+            <a:ext cx="1800000" cy="369332"/>
+          </a:xfrm>
+          <a:prstGeom prst="rect">
+            <a:avLst/>
+          </a:prstGeom>
+          <a:noFill/>
+        </p:spPr>
+        <p:txBody>
+          <a:bodyPr wrap="square" rtlCol="0">
+            <a:spAutoFit/>
+          </a:bodyPr>
+          <a:lstStyle/>
+          <a:p>
+            <a:pPr algn="ctr"/>
+            <a:r>
+              <a:rPr lang="en-US" noProof="0" dirty="0">
+                <a:latin typeface="Courier New" panose="02070309020205020404" pitchFamily="49" charset="0"/>
+                <a:cs typeface="Courier New" panose="02070309020205020404" pitchFamily="49" charset="0"/>
+              </a:rPr>
+              <a:t>Specificity</a:t>
+            </a:r>
+          </a:p>
+        </p:txBody>
+      </p:sp>
+      <p:sp>
+        <p:nvSpPr>
+          <p:cNvPr id="50" name="ZoneTexte 49">
+            <a:extLst>
+              <a:ext uri="{FF2B5EF4-FFF2-40B4-BE49-F238E27FC236}">
+                <a16:creationId xmlns:a16="http://schemas.microsoft.com/office/drawing/2014/main" id="{03D09B40-5404-F339-8BE1-46471E11C7EC}"/>
+              </a:ext>
+            </a:extLst>
+          </p:cNvPr>
+          <p:cNvSpPr txBox="1"/>
+          <p:nvPr/>
+        </p:nvSpPr>
+        <p:spPr>
+          <a:xfrm>
+            <a:off x="6082942" y="1003846"/>
+            <a:ext cx="405880" cy="369332"/>
+          </a:xfrm>
+          <a:prstGeom prst="rect">
+            <a:avLst/>
+          </a:prstGeom>
+          <a:noFill/>
+        </p:spPr>
+        <p:txBody>
+          <a:bodyPr wrap="none" rtlCol="0">
+            <a:spAutoFit/>
+          </a:bodyPr>
+          <a:lstStyle/>
+          <a:p>
+            <a:r>
+              <a:rPr lang="en-US" noProof="0" dirty="0">
+                <a:latin typeface="Impact" panose="020B0806030902050204" pitchFamily="34" charset="0"/>
+              </a:rPr>
+              <a:t>TP</a:t>
+            </a:r>
+          </a:p>
+        </p:txBody>
+      </p:sp>
+      <p:sp>
+        <p:nvSpPr>
+          <p:cNvPr id="53" name="ZoneTexte 52">
+            <a:extLst>
+              <a:ext uri="{FF2B5EF4-FFF2-40B4-BE49-F238E27FC236}">
+                <a16:creationId xmlns:a16="http://schemas.microsoft.com/office/drawing/2014/main" id="{11D6D2EF-0906-5476-CB5F-193E951951EC}"/>
+              </a:ext>
+            </a:extLst>
+          </p:cNvPr>
+          <p:cNvSpPr txBox="1"/>
+          <p:nvPr/>
+        </p:nvSpPr>
+        <p:spPr>
+          <a:xfrm>
+            <a:off x="6082942" y="2043799"/>
+            <a:ext cx="401072" cy="369332"/>
+          </a:xfrm>
+          <a:prstGeom prst="rect">
+            <a:avLst/>
+          </a:prstGeom>
+          <a:noFill/>
+        </p:spPr>
+        <p:txBody>
+          <a:bodyPr wrap="none" rtlCol="0">
+            <a:spAutoFit/>
+          </a:bodyPr>
+          <a:lstStyle/>
+          <a:p>
+            <a:r>
+              <a:rPr lang="en-US" dirty="0">
+                <a:latin typeface="Impact" panose="020B0806030902050204" pitchFamily="34" charset="0"/>
+              </a:rPr>
+              <a:t>FN</a:t>
+            </a:r>
+            <a:endParaRPr lang="en-US" noProof="0" dirty="0">
+              <a:latin typeface="Impact" panose="020B0806030902050204" pitchFamily="34" charset="0"/>
+            </a:endParaRPr>
+          </a:p>
+        </p:txBody>
+      </p:sp>
+      <p:sp>
+        <p:nvSpPr>
+          <p:cNvPr id="54" name="ZoneTexte 53">
+            <a:extLst>
+              <a:ext uri="{FF2B5EF4-FFF2-40B4-BE49-F238E27FC236}">
+                <a16:creationId xmlns:a16="http://schemas.microsoft.com/office/drawing/2014/main" id="{3C17ACAA-907B-9A21-8D29-9A2C751759AC}"/>
+              </a:ext>
+            </a:extLst>
+          </p:cNvPr>
+          <p:cNvSpPr txBox="1"/>
+          <p:nvPr/>
+        </p:nvSpPr>
+        <p:spPr>
+          <a:xfrm>
+            <a:off x="6082942" y="4176775"/>
+            <a:ext cx="391454" cy="369332"/>
+          </a:xfrm>
+          <a:prstGeom prst="rect">
+            <a:avLst/>
+          </a:prstGeom>
+          <a:noFill/>
+        </p:spPr>
+        <p:txBody>
+          <a:bodyPr wrap="none" rtlCol="0">
+            <a:spAutoFit/>
+          </a:bodyPr>
+          <a:lstStyle/>
+          <a:p>
+            <a:r>
+              <a:rPr lang="en-US" dirty="0">
+                <a:latin typeface="Impact" panose="020B0806030902050204" pitchFamily="34" charset="0"/>
+              </a:rPr>
+              <a:t>FP</a:t>
+            </a:r>
+            <a:endParaRPr lang="en-US" noProof="0" dirty="0">
+              <a:latin typeface="Impact" panose="020B0806030902050204" pitchFamily="34" charset="0"/>
+            </a:endParaRPr>
+          </a:p>
+        </p:txBody>
+      </p:sp>
+      <p:sp>
+        <p:nvSpPr>
+          <p:cNvPr id="55" name="ZoneTexte 54">
+            <a:extLst>
+              <a:ext uri="{FF2B5EF4-FFF2-40B4-BE49-F238E27FC236}">
+                <a16:creationId xmlns:a16="http://schemas.microsoft.com/office/drawing/2014/main" id="{07AF3785-67C7-58DB-26A8-0ABBB89F202F}"/>
+              </a:ext>
+            </a:extLst>
+          </p:cNvPr>
+          <p:cNvSpPr txBox="1"/>
+          <p:nvPr/>
+        </p:nvSpPr>
+        <p:spPr>
+          <a:xfrm>
+            <a:off x="6082942" y="5414790"/>
+            <a:ext cx="415498" cy="369332"/>
+          </a:xfrm>
+          <a:prstGeom prst="rect">
+            <a:avLst/>
+          </a:prstGeom>
+          <a:noFill/>
+        </p:spPr>
+        <p:txBody>
+          <a:bodyPr wrap="none" rtlCol="0">
+            <a:spAutoFit/>
+          </a:bodyPr>
+          <a:lstStyle/>
+          <a:p>
+            <a:r>
+              <a:rPr lang="en-US" dirty="0">
+                <a:latin typeface="Impact" panose="020B0806030902050204" pitchFamily="34" charset="0"/>
+              </a:rPr>
+              <a:t>TN</a:t>
+            </a:r>
+            <a:endParaRPr lang="en-US" noProof="0" dirty="0">
+              <a:latin typeface="Impact" panose="020B0806030902050204" pitchFamily="34" charset="0"/>
+            </a:endParaRPr>
+          </a:p>
+        </p:txBody>
+      </p:sp>
+      <p:sp>
+        <p:nvSpPr>
+          <p:cNvPr id="58" name="ZoneTexte 57">
+            <a:extLst>
+              <a:ext uri="{FF2B5EF4-FFF2-40B4-BE49-F238E27FC236}">
+                <a16:creationId xmlns:a16="http://schemas.microsoft.com/office/drawing/2014/main" id="{5D7B42EC-3C4E-1C4B-7127-6291607ABADA}"/>
+              </a:ext>
+            </a:extLst>
+          </p:cNvPr>
+          <p:cNvSpPr txBox="1"/>
+          <p:nvPr/>
+        </p:nvSpPr>
+        <p:spPr>
+          <a:xfrm>
+            <a:off x="4930891" y="5946816"/>
+            <a:ext cx="1800000" cy="369332"/>
+          </a:xfrm>
+          <a:prstGeom prst="rect">
+            <a:avLst/>
+          </a:prstGeom>
+          <a:solidFill>
+            <a:schemeClr val="accent1">
+              <a:lumMod val="40000"/>
+              <a:lumOff val="60000"/>
+            </a:schemeClr>
+          </a:solidFill>
+        </p:spPr>
+        <p:txBody>
+          <a:bodyPr wrap="square" rtlCol="0">
+            <a:spAutoFit/>
+          </a:bodyPr>
+          <a:lstStyle/>
+          <a:p>
+            <a:pPr algn="ctr"/>
+            <a:r>
+              <a:rPr lang="en-US" noProof="0" dirty="0">
+                <a:latin typeface="Courier New" panose="02070309020205020404" pitchFamily="49" charset="0"/>
+                <a:cs typeface="Courier New" panose="02070309020205020404" pitchFamily="49" charset="0"/>
+              </a:rPr>
+              <a:t>Predictions</a:t>
+            </a:r>
+          </a:p>
+        </p:txBody>
+      </p:sp>
+      <p:sp>
+        <p:nvSpPr>
+          <p:cNvPr id="59" name="ZoneTexte 58">
+            <a:extLst>
+              <a:ext uri="{FF2B5EF4-FFF2-40B4-BE49-F238E27FC236}">
+                <a16:creationId xmlns:a16="http://schemas.microsoft.com/office/drawing/2014/main" id="{6239B8FE-D8F3-609C-7733-C8E2F5D21FFE}"/>
+              </a:ext>
+            </a:extLst>
+          </p:cNvPr>
+          <p:cNvSpPr txBox="1"/>
+          <p:nvPr/>
+        </p:nvSpPr>
+        <p:spPr>
+          <a:xfrm>
+            <a:off x="3039094" y="5946814"/>
+            <a:ext cx="1800000" cy="369332"/>
+          </a:xfrm>
+          <a:prstGeom prst="rect">
+            <a:avLst/>
+          </a:prstGeom>
+          <a:solidFill>
+            <a:schemeClr val="accent2">
+              <a:lumMod val="60000"/>
+              <a:lumOff val="40000"/>
+            </a:schemeClr>
+          </a:solidFill>
+        </p:spPr>
+        <p:txBody>
+          <a:bodyPr wrap="square" rtlCol="0">
+            <a:spAutoFit/>
+          </a:bodyPr>
+          <a:lstStyle/>
+          <a:p>
+            <a:pPr algn="ctr"/>
+            <a:r>
+              <a:rPr lang="en-US" noProof="0" dirty="0">
+                <a:latin typeface="Courier New" panose="02070309020205020404" pitchFamily="49" charset="0"/>
+                <a:cs typeface="Courier New" panose="02070309020205020404" pitchFamily="49" charset="0"/>
+              </a:rPr>
+              <a:t>Reality</a:t>
+            </a:r>
+          </a:p>
+        </p:txBody>
+      </p:sp>
+      <p:sp>
+        <p:nvSpPr>
+          <p:cNvPr id="60" name="ZoneTexte 59">
+            <a:extLst>
+              <a:ext uri="{FF2B5EF4-FFF2-40B4-BE49-F238E27FC236}">
+                <a16:creationId xmlns:a16="http://schemas.microsoft.com/office/drawing/2014/main" id="{DB1D96A7-3836-BC9F-1281-EBCCEDA2CBF9}"/>
+              </a:ext>
+            </a:extLst>
+          </p:cNvPr>
+          <p:cNvSpPr txBox="1"/>
+          <p:nvPr/>
+        </p:nvSpPr>
+        <p:spPr>
+          <a:xfrm>
+            <a:off x="3031117" y="2475437"/>
+            <a:ext cx="1800000" cy="338554"/>
+          </a:xfrm>
+          <a:prstGeom prst="rect">
+            <a:avLst/>
+          </a:prstGeom>
+          <a:noFill/>
+        </p:spPr>
+        <p:txBody>
+          <a:bodyPr wrap="square" rtlCol="0">
+            <a:spAutoFit/>
+          </a:bodyPr>
+          <a:lstStyle/>
+          <a:p>
+            <a:pPr algn="ctr"/>
+            <a:r>
+              <a:rPr lang="en-US" sz="1600" noProof="0" dirty="0">
+                <a:latin typeface="Courier New" panose="02070309020205020404" pitchFamily="49" charset="0"/>
+                <a:cs typeface="Courier New" panose="02070309020205020404" pitchFamily="49" charset="0"/>
+              </a:rPr>
+              <a:t>Affected</a:t>
+            </a:r>
+          </a:p>
+        </p:txBody>
+      </p:sp>
+      <p:sp>
+        <p:nvSpPr>
+          <p:cNvPr id="61" name="ZoneTexte 60">
+            <a:extLst>
+              <a:ext uri="{FF2B5EF4-FFF2-40B4-BE49-F238E27FC236}">
+                <a16:creationId xmlns:a16="http://schemas.microsoft.com/office/drawing/2014/main" id="{9362FC6D-6B38-4158-9797-B263EB3CAA33}"/>
+              </a:ext>
+            </a:extLst>
+          </p:cNvPr>
+          <p:cNvSpPr txBox="1"/>
+          <p:nvPr/>
+        </p:nvSpPr>
+        <p:spPr>
+          <a:xfrm>
+            <a:off x="3024076" y="3819187"/>
+            <a:ext cx="1800000" cy="338554"/>
+          </a:xfrm>
+          <a:prstGeom prst="rect">
+            <a:avLst/>
+          </a:prstGeom>
+          <a:noFill/>
+        </p:spPr>
+        <p:txBody>
+          <a:bodyPr wrap="square" rtlCol="0">
+            <a:spAutoFit/>
+          </a:bodyPr>
+          <a:lstStyle/>
+          <a:p>
+            <a:pPr algn="ctr"/>
+            <a:r>
+              <a:rPr lang="en-US" sz="1600" noProof="0" dirty="0">
+                <a:latin typeface="Courier New" panose="02070309020205020404" pitchFamily="49" charset="0"/>
+                <a:cs typeface="Courier New" panose="02070309020205020404" pitchFamily="49" charset="0"/>
+              </a:rPr>
+              <a:t>Healthy</a:t>
+            </a:r>
+          </a:p>
+        </p:txBody>
+      </p:sp>
+    </p:spTree>
+    <p:extLst>
+      <p:ext uri="{BB962C8B-B14F-4D97-AF65-F5344CB8AC3E}">
+        <p14:creationId xmlns:p14="http://schemas.microsoft.com/office/powerpoint/2010/main" val="1801289739"/>
       </p:ext>
     </p:extLst>
   </p:cSld>

--- a/docs/09_machine_learning/003_confusion_matrix/assets/drawings.pptx
+++ b/docs/09_machine_learning/003_confusion_matrix/assets/drawings.pptx
@@ -124,8 +124,7 @@
 <file path=ppt/revisionInfo.xml><?xml version="1.0" encoding="utf-8"?>
 <p1510:revInfo xmlns:a="http://schemas.openxmlformats.org/drawingml/2006/main" xmlns:r="http://schemas.openxmlformats.org/officeDocument/2006/relationships" xmlns:p1510="http://schemas.microsoft.com/office/powerpoint/2015/10/main">
   <p1510:revLst>
-    <p1510:client id="{4C324128-1C43-49EB-8676-5A956DBDA641}" v="444" dt="2025-12-14T13:25:50.090"/>
-    <p1510:client id="{76A78AF1-43FB-43C9-91F9-9695004BC752}" v="24" dt="2025-12-14T18:06:38.356"/>
+    <p1510:client id="{76A78AF1-43FB-43C9-91F9-9695004BC752}" v="81" dt="2025-12-17T17:43:41.848"/>
   </p1510:revLst>
 </p1510:revInfo>
 </file>
@@ -135,220 +134,10 @@
   <pc:docChgLst>
     <pc:chgData name="Philippe Baucour" userId="5102170ae7533958" providerId="LiveId" clId="{C4634EC1-E8DC-4FAE-B843-C9AE3C4956A0}"/>
     <pc:docChg chg="undo custSel addSld delSld modSld sldOrd">
-      <pc:chgData name="Philippe Baucour" userId="5102170ae7533958" providerId="LiveId" clId="{C4634EC1-E8DC-4FAE-B843-C9AE3C4956A0}" dt="2025-12-14T18:13:10.450" v="5998" actId="478"/>
+      <pc:chgData name="Philippe Baucour" userId="5102170ae7533958" providerId="LiveId" clId="{C4634EC1-E8DC-4FAE-B843-C9AE3C4956A0}" dt="2025-12-17T17:44:53.410" v="7288" actId="478"/>
       <pc:docMkLst>
         <pc:docMk/>
       </pc:docMkLst>
-      <pc:sldChg chg="del">
-        <pc:chgData name="Philippe Baucour" userId="5102170ae7533958" providerId="LiveId" clId="{C4634EC1-E8DC-4FAE-B843-C9AE3C4956A0}" dt="2025-12-14T14:02:18.700" v="4625" actId="47"/>
-        <pc:sldMkLst>
-          <pc:docMk/>
-          <pc:sldMk cId="2552404678" sldId="256"/>
-        </pc:sldMkLst>
-      </pc:sldChg>
-      <pc:sldChg chg="del">
-        <pc:chgData name="Philippe Baucour" userId="5102170ae7533958" providerId="LiveId" clId="{C4634EC1-E8DC-4FAE-B843-C9AE3C4956A0}" dt="2025-12-14T14:02:18.700" v="4625" actId="47"/>
-        <pc:sldMkLst>
-          <pc:docMk/>
-          <pc:sldMk cId="923314547" sldId="257"/>
-        </pc:sldMkLst>
-      </pc:sldChg>
-      <pc:sldChg chg="del">
-        <pc:chgData name="Philippe Baucour" userId="5102170ae7533958" providerId="LiveId" clId="{C4634EC1-E8DC-4FAE-B843-C9AE3C4956A0}" dt="2025-12-14T14:02:18.700" v="4625" actId="47"/>
-        <pc:sldMkLst>
-          <pc:docMk/>
-          <pc:sldMk cId="689231984" sldId="258"/>
-        </pc:sldMkLst>
-      </pc:sldChg>
-      <pc:sldChg chg="del">
-        <pc:chgData name="Philippe Baucour" userId="5102170ae7533958" providerId="LiveId" clId="{C4634EC1-E8DC-4FAE-B843-C9AE3C4956A0}" dt="2025-12-14T14:02:18.700" v="4625" actId="47"/>
-        <pc:sldMkLst>
-          <pc:docMk/>
-          <pc:sldMk cId="3255516959" sldId="259"/>
-        </pc:sldMkLst>
-      </pc:sldChg>
-      <pc:sldChg chg="del">
-        <pc:chgData name="Philippe Baucour" userId="5102170ae7533958" providerId="LiveId" clId="{C4634EC1-E8DC-4FAE-B843-C9AE3C4956A0}" dt="2025-12-14T14:02:18.700" v="4625" actId="47"/>
-        <pc:sldMkLst>
-          <pc:docMk/>
-          <pc:sldMk cId="3219341937" sldId="260"/>
-        </pc:sldMkLst>
-      </pc:sldChg>
-      <pc:sldChg chg="del">
-        <pc:chgData name="Philippe Baucour" userId="5102170ae7533958" providerId="LiveId" clId="{C4634EC1-E8DC-4FAE-B843-C9AE3C4956A0}" dt="2025-12-14T14:02:18.700" v="4625" actId="47"/>
-        <pc:sldMkLst>
-          <pc:docMk/>
-          <pc:sldMk cId="2109771533" sldId="261"/>
-        </pc:sldMkLst>
-      </pc:sldChg>
-      <pc:sldChg chg="del">
-        <pc:chgData name="Philippe Baucour" userId="5102170ae7533958" providerId="LiveId" clId="{C4634EC1-E8DC-4FAE-B843-C9AE3C4956A0}" dt="2025-12-14T14:02:18.700" v="4625" actId="47"/>
-        <pc:sldMkLst>
-          <pc:docMk/>
-          <pc:sldMk cId="3994728932" sldId="262"/>
-        </pc:sldMkLst>
-      </pc:sldChg>
-      <pc:sldChg chg="del">
-        <pc:chgData name="Philippe Baucour" userId="5102170ae7533958" providerId="LiveId" clId="{C4634EC1-E8DC-4FAE-B843-C9AE3C4956A0}" dt="2025-12-14T14:02:18.700" v="4625" actId="47"/>
-        <pc:sldMkLst>
-          <pc:docMk/>
-          <pc:sldMk cId="592899133" sldId="263"/>
-        </pc:sldMkLst>
-      </pc:sldChg>
-      <pc:sldChg chg="del">
-        <pc:chgData name="Philippe Baucour" userId="5102170ae7533958" providerId="LiveId" clId="{C4634EC1-E8DC-4FAE-B843-C9AE3C4956A0}" dt="2025-12-14T14:02:18.700" v="4625" actId="47"/>
-        <pc:sldMkLst>
-          <pc:docMk/>
-          <pc:sldMk cId="3156533495" sldId="264"/>
-        </pc:sldMkLst>
-      </pc:sldChg>
-      <pc:sldChg chg="del">
-        <pc:chgData name="Philippe Baucour" userId="5102170ae7533958" providerId="LiveId" clId="{C4634EC1-E8DC-4FAE-B843-C9AE3C4956A0}" dt="2025-12-14T14:02:18.700" v="4625" actId="47"/>
-        <pc:sldMkLst>
-          <pc:docMk/>
-          <pc:sldMk cId="4230074921" sldId="265"/>
-        </pc:sldMkLst>
-      </pc:sldChg>
-      <pc:sldChg chg="del">
-        <pc:chgData name="Philippe Baucour" userId="5102170ae7533958" providerId="LiveId" clId="{C4634EC1-E8DC-4FAE-B843-C9AE3C4956A0}" dt="2025-12-14T14:02:18.700" v="4625" actId="47"/>
-        <pc:sldMkLst>
-          <pc:docMk/>
-          <pc:sldMk cId="2233040392" sldId="266"/>
-        </pc:sldMkLst>
-      </pc:sldChg>
-      <pc:sldChg chg="del">
-        <pc:chgData name="Philippe Baucour" userId="5102170ae7533958" providerId="LiveId" clId="{C4634EC1-E8DC-4FAE-B843-C9AE3C4956A0}" dt="2025-12-14T14:02:18.700" v="4625" actId="47"/>
-        <pc:sldMkLst>
-          <pc:docMk/>
-          <pc:sldMk cId="149907712" sldId="267"/>
-        </pc:sldMkLst>
-      </pc:sldChg>
-      <pc:sldChg chg="del">
-        <pc:chgData name="Philippe Baucour" userId="5102170ae7533958" providerId="LiveId" clId="{C4634EC1-E8DC-4FAE-B843-C9AE3C4956A0}" dt="2025-12-14T14:02:18.700" v="4625" actId="47"/>
-        <pc:sldMkLst>
-          <pc:docMk/>
-          <pc:sldMk cId="1725587933" sldId="268"/>
-        </pc:sldMkLst>
-      </pc:sldChg>
-      <pc:sldChg chg="del">
-        <pc:chgData name="Philippe Baucour" userId="5102170ae7533958" providerId="LiveId" clId="{C4634EC1-E8DC-4FAE-B843-C9AE3C4956A0}" dt="2025-12-14T14:02:18.700" v="4625" actId="47"/>
-        <pc:sldMkLst>
-          <pc:docMk/>
-          <pc:sldMk cId="4270406799" sldId="269"/>
-        </pc:sldMkLst>
-      </pc:sldChg>
-      <pc:sldChg chg="del">
-        <pc:chgData name="Philippe Baucour" userId="5102170ae7533958" providerId="LiveId" clId="{C4634EC1-E8DC-4FAE-B843-C9AE3C4956A0}" dt="2025-12-14T14:02:18.700" v="4625" actId="47"/>
-        <pc:sldMkLst>
-          <pc:docMk/>
-          <pc:sldMk cId="3301716281" sldId="270"/>
-        </pc:sldMkLst>
-      </pc:sldChg>
-      <pc:sldChg chg="del">
-        <pc:chgData name="Philippe Baucour" userId="5102170ae7533958" providerId="LiveId" clId="{C4634EC1-E8DC-4FAE-B843-C9AE3C4956A0}" dt="2025-12-14T14:02:18.700" v="4625" actId="47"/>
-        <pc:sldMkLst>
-          <pc:docMk/>
-          <pc:sldMk cId="2053994929" sldId="271"/>
-        </pc:sldMkLst>
-      </pc:sldChg>
-      <pc:sldChg chg="del">
-        <pc:chgData name="Philippe Baucour" userId="5102170ae7533958" providerId="LiveId" clId="{C4634EC1-E8DC-4FAE-B843-C9AE3C4956A0}" dt="2025-12-14T14:02:18.700" v="4625" actId="47"/>
-        <pc:sldMkLst>
-          <pc:docMk/>
-          <pc:sldMk cId="4183092790" sldId="272"/>
-        </pc:sldMkLst>
-      </pc:sldChg>
-      <pc:sldChg chg="del">
-        <pc:chgData name="Philippe Baucour" userId="5102170ae7533958" providerId="LiveId" clId="{C4634EC1-E8DC-4FAE-B843-C9AE3C4956A0}" dt="2025-12-14T14:02:54.615" v="4627" actId="47"/>
-        <pc:sldMkLst>
-          <pc:docMk/>
-          <pc:sldMk cId="1486073134" sldId="273"/>
-        </pc:sldMkLst>
-      </pc:sldChg>
-      <pc:sldChg chg="del">
-        <pc:chgData name="Philippe Baucour" userId="5102170ae7533958" providerId="LiveId" clId="{C4634EC1-E8DC-4FAE-B843-C9AE3C4956A0}" dt="2025-12-14T14:02:18.700" v="4625" actId="47"/>
-        <pc:sldMkLst>
-          <pc:docMk/>
-          <pc:sldMk cId="3168452550" sldId="274"/>
-        </pc:sldMkLst>
-      </pc:sldChg>
-      <pc:sldChg chg="del">
-        <pc:chgData name="Philippe Baucour" userId="5102170ae7533958" providerId="LiveId" clId="{C4634EC1-E8DC-4FAE-B843-C9AE3C4956A0}" dt="2025-12-14T14:02:18.700" v="4625" actId="47"/>
-        <pc:sldMkLst>
-          <pc:docMk/>
-          <pc:sldMk cId="4058405634" sldId="275"/>
-        </pc:sldMkLst>
-      </pc:sldChg>
-      <pc:sldChg chg="del">
-        <pc:chgData name="Philippe Baucour" userId="5102170ae7533958" providerId="LiveId" clId="{C4634EC1-E8DC-4FAE-B843-C9AE3C4956A0}" dt="2025-12-14T14:02:18.700" v="4625" actId="47"/>
-        <pc:sldMkLst>
-          <pc:docMk/>
-          <pc:sldMk cId="2910767814" sldId="276"/>
-        </pc:sldMkLst>
-      </pc:sldChg>
-      <pc:sldChg chg="del">
-        <pc:chgData name="Philippe Baucour" userId="5102170ae7533958" providerId="LiveId" clId="{C4634EC1-E8DC-4FAE-B843-C9AE3C4956A0}" dt="2025-12-14T14:02:54.615" v="4627" actId="47"/>
-        <pc:sldMkLst>
-          <pc:docMk/>
-          <pc:sldMk cId="1788767493" sldId="277"/>
-        </pc:sldMkLst>
-      </pc:sldChg>
-      <pc:sldChg chg="del">
-        <pc:chgData name="Philippe Baucour" userId="5102170ae7533958" providerId="LiveId" clId="{C4634EC1-E8DC-4FAE-B843-C9AE3C4956A0}" dt="2025-12-14T14:02:18.700" v="4625" actId="47"/>
-        <pc:sldMkLst>
-          <pc:docMk/>
-          <pc:sldMk cId="425804634" sldId="278"/>
-        </pc:sldMkLst>
-      </pc:sldChg>
-      <pc:sldChg chg="del">
-        <pc:chgData name="Philippe Baucour" userId="5102170ae7533958" providerId="LiveId" clId="{C4634EC1-E8DC-4FAE-B843-C9AE3C4956A0}" dt="2025-12-14T14:02:18.700" v="4625" actId="47"/>
-        <pc:sldMkLst>
-          <pc:docMk/>
-          <pc:sldMk cId="273418062" sldId="279"/>
-        </pc:sldMkLst>
-      </pc:sldChg>
-      <pc:sldChg chg="del">
-        <pc:chgData name="Philippe Baucour" userId="5102170ae7533958" providerId="LiveId" clId="{C4634EC1-E8DC-4FAE-B843-C9AE3C4956A0}" dt="2025-12-14T14:02:18.700" v="4625" actId="47"/>
-        <pc:sldMkLst>
-          <pc:docMk/>
-          <pc:sldMk cId="2840825790" sldId="280"/>
-        </pc:sldMkLst>
-      </pc:sldChg>
-      <pc:sldChg chg="del">
-        <pc:chgData name="Philippe Baucour" userId="5102170ae7533958" providerId="LiveId" clId="{C4634EC1-E8DC-4FAE-B843-C9AE3C4956A0}" dt="2025-12-14T14:02:18.700" v="4625" actId="47"/>
-        <pc:sldMkLst>
-          <pc:docMk/>
-          <pc:sldMk cId="3913704131" sldId="281"/>
-        </pc:sldMkLst>
-      </pc:sldChg>
-      <pc:sldChg chg="del">
-        <pc:chgData name="Philippe Baucour" userId="5102170ae7533958" providerId="LiveId" clId="{C4634EC1-E8DC-4FAE-B843-C9AE3C4956A0}" dt="2025-12-14T14:02:18.700" v="4625" actId="47"/>
-        <pc:sldMkLst>
-          <pc:docMk/>
-          <pc:sldMk cId="2505287027" sldId="282"/>
-        </pc:sldMkLst>
-      </pc:sldChg>
-      <pc:sldChg chg="del">
-        <pc:chgData name="Philippe Baucour" userId="5102170ae7533958" providerId="LiveId" clId="{C4634EC1-E8DC-4FAE-B843-C9AE3C4956A0}" dt="2025-12-14T14:02:54.615" v="4627" actId="47"/>
-        <pc:sldMkLst>
-          <pc:docMk/>
-          <pc:sldMk cId="3791528499" sldId="283"/>
-        </pc:sldMkLst>
-      </pc:sldChg>
-      <pc:sldChg chg="del">
-        <pc:chgData name="Philippe Baucour" userId="5102170ae7533958" providerId="LiveId" clId="{C4634EC1-E8DC-4FAE-B843-C9AE3C4956A0}" dt="2025-12-14T14:02:54.615" v="4627" actId="47"/>
-        <pc:sldMkLst>
-          <pc:docMk/>
-          <pc:sldMk cId="80189523" sldId="284"/>
-        </pc:sldMkLst>
-      </pc:sldChg>
-      <pc:sldChg chg="del">
-        <pc:chgData name="Philippe Baucour" userId="5102170ae7533958" providerId="LiveId" clId="{C4634EC1-E8DC-4FAE-B843-C9AE3C4956A0}" dt="2025-12-14T14:02:54.615" v="4627" actId="47"/>
-        <pc:sldMkLst>
-          <pc:docMk/>
-          <pc:sldMk cId="1230004352" sldId="285"/>
-        </pc:sldMkLst>
-      </pc:sldChg>
       <pc:sldChg chg="modSp mod modNotesTx">
         <pc:chgData name="Philippe Baucour" userId="5102170ae7533958" providerId="LiveId" clId="{C4634EC1-E8DC-4FAE-B843-C9AE3C4956A0}" dt="2025-12-14T14:03:57.153" v="4650" actId="790"/>
         <pc:sldMkLst>
@@ -451,344 +240,6 @@
             <ac:spMk id="18" creationId="{D08D3D04-AEA4-9246-D67D-77A84139705E}"/>
           </ac:spMkLst>
         </pc:spChg>
-      </pc:sldChg>
-      <pc:sldChg chg="del">
-        <pc:chgData name="Philippe Baucour" userId="5102170ae7533958" providerId="LiveId" clId="{C4634EC1-E8DC-4FAE-B843-C9AE3C4956A0}" dt="2025-12-14T14:02:40.982" v="4626" actId="47"/>
-        <pc:sldMkLst>
-          <pc:docMk/>
-          <pc:sldMk cId="2203231843" sldId="287"/>
-        </pc:sldMkLst>
-      </pc:sldChg>
-      <pc:sldChg chg="del">
-        <pc:chgData name="Philippe Baucour" userId="5102170ae7533958" providerId="LiveId" clId="{C4634EC1-E8DC-4FAE-B843-C9AE3C4956A0}" dt="2025-12-14T14:02:18.700" v="4625" actId="47"/>
-        <pc:sldMkLst>
-          <pc:docMk/>
-          <pc:sldMk cId="520502856" sldId="288"/>
-        </pc:sldMkLst>
-      </pc:sldChg>
-      <pc:sldChg chg="del">
-        <pc:chgData name="Philippe Baucour" userId="5102170ae7533958" providerId="LiveId" clId="{C4634EC1-E8DC-4FAE-B843-C9AE3C4956A0}" dt="2025-12-14T14:02:18.700" v="4625" actId="47"/>
-        <pc:sldMkLst>
-          <pc:docMk/>
-          <pc:sldMk cId="4127487384" sldId="289"/>
-        </pc:sldMkLst>
-      </pc:sldChg>
-      <pc:sldChg chg="del">
-        <pc:chgData name="Philippe Baucour" userId="5102170ae7533958" providerId="LiveId" clId="{C4634EC1-E8DC-4FAE-B843-C9AE3C4956A0}" dt="2025-12-14T14:02:54.615" v="4627" actId="47"/>
-        <pc:sldMkLst>
-          <pc:docMk/>
-          <pc:sldMk cId="2196411414" sldId="290"/>
-        </pc:sldMkLst>
-      </pc:sldChg>
-      <pc:sldChg chg="del">
-        <pc:chgData name="Philippe Baucour" userId="5102170ae7533958" providerId="LiveId" clId="{C4634EC1-E8DC-4FAE-B843-C9AE3C4956A0}" dt="2025-12-14T14:02:54.615" v="4627" actId="47"/>
-        <pc:sldMkLst>
-          <pc:docMk/>
-          <pc:sldMk cId="670108457" sldId="291"/>
-        </pc:sldMkLst>
-      </pc:sldChg>
-      <pc:sldChg chg="modSp del mod">
-        <pc:chgData name="Philippe Baucour" userId="5102170ae7533958" providerId="LiveId" clId="{C4634EC1-E8DC-4FAE-B843-C9AE3C4956A0}" dt="2025-12-14T14:02:54.615" v="4627" actId="47"/>
-        <pc:sldMkLst>
-          <pc:docMk/>
-          <pc:sldMk cId="2196644587" sldId="292"/>
-        </pc:sldMkLst>
-        <pc:spChg chg="mod">
-          <ac:chgData name="Philippe Baucour" userId="5102170ae7533958" providerId="LiveId" clId="{C4634EC1-E8DC-4FAE-B843-C9AE3C4956A0}" dt="2025-12-13T09:32:13.943" v="4072" actId="27636"/>
-          <ac:spMkLst>
-            <pc:docMk/>
-            <pc:sldMk cId="2196644587" sldId="292"/>
-            <ac:spMk id="3" creationId="{7343D8EC-44D1-AF04-E6CC-7986F8B14507}"/>
-          </ac:spMkLst>
-        </pc:spChg>
-      </pc:sldChg>
-      <pc:sldChg chg="del">
-        <pc:chgData name="Philippe Baucour" userId="5102170ae7533958" providerId="LiveId" clId="{C4634EC1-E8DC-4FAE-B843-C9AE3C4956A0}" dt="2025-12-14T14:02:54.615" v="4627" actId="47"/>
-        <pc:sldMkLst>
-          <pc:docMk/>
-          <pc:sldMk cId="3721109662" sldId="293"/>
-        </pc:sldMkLst>
-      </pc:sldChg>
-      <pc:sldChg chg="del">
-        <pc:chgData name="Philippe Baucour" userId="5102170ae7533958" providerId="LiveId" clId="{C4634EC1-E8DC-4FAE-B843-C9AE3C4956A0}" dt="2025-12-14T14:02:54.615" v="4627" actId="47"/>
-        <pc:sldMkLst>
-          <pc:docMk/>
-          <pc:sldMk cId="2540323896" sldId="294"/>
-        </pc:sldMkLst>
-      </pc:sldChg>
-      <pc:sldChg chg="del">
-        <pc:chgData name="Philippe Baucour" userId="5102170ae7533958" providerId="LiveId" clId="{C4634EC1-E8DC-4FAE-B843-C9AE3C4956A0}" dt="2025-12-14T14:02:18.700" v="4625" actId="47"/>
-        <pc:sldMkLst>
-          <pc:docMk/>
-          <pc:sldMk cId="1627712614" sldId="295"/>
-        </pc:sldMkLst>
-      </pc:sldChg>
-      <pc:sldChg chg="del">
-        <pc:chgData name="Philippe Baucour" userId="5102170ae7533958" providerId="LiveId" clId="{C4634EC1-E8DC-4FAE-B843-C9AE3C4956A0}" dt="2025-12-14T14:02:18.700" v="4625" actId="47"/>
-        <pc:sldMkLst>
-          <pc:docMk/>
-          <pc:sldMk cId="3895684312" sldId="296"/>
-        </pc:sldMkLst>
-      </pc:sldChg>
-      <pc:sldChg chg="del">
-        <pc:chgData name="Philippe Baucour" userId="5102170ae7533958" providerId="LiveId" clId="{C4634EC1-E8DC-4FAE-B843-C9AE3C4956A0}" dt="2025-12-14T14:02:18.700" v="4625" actId="47"/>
-        <pc:sldMkLst>
-          <pc:docMk/>
-          <pc:sldMk cId="3150636911" sldId="297"/>
-        </pc:sldMkLst>
-      </pc:sldChg>
-      <pc:sldChg chg="del">
-        <pc:chgData name="Philippe Baucour" userId="5102170ae7533958" providerId="LiveId" clId="{C4634EC1-E8DC-4FAE-B843-C9AE3C4956A0}" dt="2025-12-14T14:02:18.700" v="4625" actId="47"/>
-        <pc:sldMkLst>
-          <pc:docMk/>
-          <pc:sldMk cId="2370785500" sldId="298"/>
-        </pc:sldMkLst>
-      </pc:sldChg>
-      <pc:sldChg chg="del">
-        <pc:chgData name="Philippe Baucour" userId="5102170ae7533958" providerId="LiveId" clId="{C4634EC1-E8DC-4FAE-B843-C9AE3C4956A0}" dt="2025-12-14T14:02:18.700" v="4625" actId="47"/>
-        <pc:sldMkLst>
-          <pc:docMk/>
-          <pc:sldMk cId="438275379" sldId="299"/>
-        </pc:sldMkLst>
-      </pc:sldChg>
-      <pc:sldChg chg="del">
-        <pc:chgData name="Philippe Baucour" userId="5102170ae7533958" providerId="LiveId" clId="{C4634EC1-E8DC-4FAE-B843-C9AE3C4956A0}" dt="2025-12-14T14:02:18.700" v="4625" actId="47"/>
-        <pc:sldMkLst>
-          <pc:docMk/>
-          <pc:sldMk cId="315730329" sldId="300"/>
-        </pc:sldMkLst>
-      </pc:sldChg>
-      <pc:sldChg chg="del">
-        <pc:chgData name="Philippe Baucour" userId="5102170ae7533958" providerId="LiveId" clId="{C4634EC1-E8DC-4FAE-B843-C9AE3C4956A0}" dt="2025-12-14T14:02:18.700" v="4625" actId="47"/>
-        <pc:sldMkLst>
-          <pc:docMk/>
-          <pc:sldMk cId="833408160" sldId="301"/>
-        </pc:sldMkLst>
-      </pc:sldChg>
-      <pc:sldChg chg="del">
-        <pc:chgData name="Philippe Baucour" userId="5102170ae7533958" providerId="LiveId" clId="{C4634EC1-E8DC-4FAE-B843-C9AE3C4956A0}" dt="2025-12-14T14:02:18.700" v="4625" actId="47"/>
-        <pc:sldMkLst>
-          <pc:docMk/>
-          <pc:sldMk cId="3773493551" sldId="302"/>
-        </pc:sldMkLst>
-      </pc:sldChg>
-      <pc:sldChg chg="del">
-        <pc:chgData name="Philippe Baucour" userId="5102170ae7533958" providerId="LiveId" clId="{C4634EC1-E8DC-4FAE-B843-C9AE3C4956A0}" dt="2025-12-14T14:02:18.700" v="4625" actId="47"/>
-        <pc:sldMkLst>
-          <pc:docMk/>
-          <pc:sldMk cId="2065511848" sldId="303"/>
-        </pc:sldMkLst>
-      </pc:sldChg>
-      <pc:sldChg chg="del">
-        <pc:chgData name="Philippe Baucour" userId="5102170ae7533958" providerId="LiveId" clId="{C4634EC1-E8DC-4FAE-B843-C9AE3C4956A0}" dt="2025-12-14T14:02:18.700" v="4625" actId="47"/>
-        <pc:sldMkLst>
-          <pc:docMk/>
-          <pc:sldMk cId="1602892343" sldId="304"/>
-        </pc:sldMkLst>
-      </pc:sldChg>
-      <pc:sldChg chg="del">
-        <pc:chgData name="Philippe Baucour" userId="5102170ae7533958" providerId="LiveId" clId="{C4634EC1-E8DC-4FAE-B843-C9AE3C4956A0}" dt="2025-12-14T14:02:18.700" v="4625" actId="47"/>
-        <pc:sldMkLst>
-          <pc:docMk/>
-          <pc:sldMk cId="767757607" sldId="305"/>
-        </pc:sldMkLst>
-      </pc:sldChg>
-      <pc:sldChg chg="del">
-        <pc:chgData name="Philippe Baucour" userId="5102170ae7533958" providerId="LiveId" clId="{C4634EC1-E8DC-4FAE-B843-C9AE3C4956A0}" dt="2025-12-14T14:02:18.700" v="4625" actId="47"/>
-        <pc:sldMkLst>
-          <pc:docMk/>
-          <pc:sldMk cId="1644484357" sldId="306"/>
-        </pc:sldMkLst>
-      </pc:sldChg>
-      <pc:sldChg chg="del">
-        <pc:chgData name="Philippe Baucour" userId="5102170ae7533958" providerId="LiveId" clId="{C4634EC1-E8DC-4FAE-B843-C9AE3C4956A0}" dt="2025-12-14T14:02:18.700" v="4625" actId="47"/>
-        <pc:sldMkLst>
-          <pc:docMk/>
-          <pc:sldMk cId="3988344638" sldId="307"/>
-        </pc:sldMkLst>
-      </pc:sldChg>
-      <pc:sldChg chg="del">
-        <pc:chgData name="Philippe Baucour" userId="5102170ae7533958" providerId="LiveId" clId="{C4634EC1-E8DC-4FAE-B843-C9AE3C4956A0}" dt="2025-12-14T14:02:18.700" v="4625" actId="47"/>
-        <pc:sldMkLst>
-          <pc:docMk/>
-          <pc:sldMk cId="2991937999" sldId="308"/>
-        </pc:sldMkLst>
-      </pc:sldChg>
-      <pc:sldChg chg="del">
-        <pc:chgData name="Philippe Baucour" userId="5102170ae7533958" providerId="LiveId" clId="{C4634EC1-E8DC-4FAE-B843-C9AE3C4956A0}" dt="2025-12-14T14:02:54.615" v="4627" actId="47"/>
-        <pc:sldMkLst>
-          <pc:docMk/>
-          <pc:sldMk cId="31725506" sldId="309"/>
-        </pc:sldMkLst>
-      </pc:sldChg>
-      <pc:sldChg chg="del">
-        <pc:chgData name="Philippe Baucour" userId="5102170ae7533958" providerId="LiveId" clId="{C4634EC1-E8DC-4FAE-B843-C9AE3C4956A0}" dt="2025-12-14T14:02:18.700" v="4625" actId="47"/>
-        <pc:sldMkLst>
-          <pc:docMk/>
-          <pc:sldMk cId="506674929" sldId="311"/>
-        </pc:sldMkLst>
-      </pc:sldChg>
-      <pc:sldChg chg="del">
-        <pc:chgData name="Philippe Baucour" userId="5102170ae7533958" providerId="LiveId" clId="{C4634EC1-E8DC-4FAE-B843-C9AE3C4956A0}" dt="2025-12-14T14:02:18.700" v="4625" actId="47"/>
-        <pc:sldMkLst>
-          <pc:docMk/>
-          <pc:sldMk cId="1652162577" sldId="313"/>
-        </pc:sldMkLst>
-      </pc:sldChg>
-      <pc:sldChg chg="del">
-        <pc:chgData name="Philippe Baucour" userId="5102170ae7533958" providerId="LiveId" clId="{C4634EC1-E8DC-4FAE-B843-C9AE3C4956A0}" dt="2025-12-14T14:02:18.700" v="4625" actId="47"/>
-        <pc:sldMkLst>
-          <pc:docMk/>
-          <pc:sldMk cId="1176226442" sldId="314"/>
-        </pc:sldMkLst>
-      </pc:sldChg>
-      <pc:sldChg chg="del">
-        <pc:chgData name="Philippe Baucour" userId="5102170ae7533958" providerId="LiveId" clId="{C4634EC1-E8DC-4FAE-B843-C9AE3C4956A0}" dt="2025-12-14T14:02:18.700" v="4625" actId="47"/>
-        <pc:sldMkLst>
-          <pc:docMk/>
-          <pc:sldMk cId="1451097134" sldId="315"/>
-        </pc:sldMkLst>
-      </pc:sldChg>
-      <pc:sldChg chg="del">
-        <pc:chgData name="Philippe Baucour" userId="5102170ae7533958" providerId="LiveId" clId="{C4634EC1-E8DC-4FAE-B843-C9AE3C4956A0}" dt="2025-12-14T14:02:18.700" v="4625" actId="47"/>
-        <pc:sldMkLst>
-          <pc:docMk/>
-          <pc:sldMk cId="2513056592" sldId="316"/>
-        </pc:sldMkLst>
-      </pc:sldChg>
-      <pc:sldChg chg="del">
-        <pc:chgData name="Philippe Baucour" userId="5102170ae7533958" providerId="LiveId" clId="{C4634EC1-E8DC-4FAE-B843-C9AE3C4956A0}" dt="2025-12-14T14:02:54.615" v="4627" actId="47"/>
-        <pc:sldMkLst>
-          <pc:docMk/>
-          <pc:sldMk cId="1771954791" sldId="317"/>
-        </pc:sldMkLst>
-      </pc:sldChg>
-      <pc:sldChg chg="del">
-        <pc:chgData name="Philippe Baucour" userId="5102170ae7533958" providerId="LiveId" clId="{C4634EC1-E8DC-4FAE-B843-C9AE3C4956A0}" dt="2025-12-14T14:02:54.615" v="4627" actId="47"/>
-        <pc:sldMkLst>
-          <pc:docMk/>
-          <pc:sldMk cId="800227514" sldId="318"/>
-        </pc:sldMkLst>
-      </pc:sldChg>
-      <pc:sldChg chg="del">
-        <pc:chgData name="Philippe Baucour" userId="5102170ae7533958" providerId="LiveId" clId="{C4634EC1-E8DC-4FAE-B843-C9AE3C4956A0}" dt="2025-12-14T14:02:54.615" v="4627" actId="47"/>
-        <pc:sldMkLst>
-          <pc:docMk/>
-          <pc:sldMk cId="410470989" sldId="319"/>
-        </pc:sldMkLst>
-      </pc:sldChg>
-      <pc:sldChg chg="del">
-        <pc:chgData name="Philippe Baucour" userId="5102170ae7533958" providerId="LiveId" clId="{C4634EC1-E8DC-4FAE-B843-C9AE3C4956A0}" dt="2025-12-14T14:02:54.615" v="4627" actId="47"/>
-        <pc:sldMkLst>
-          <pc:docMk/>
-          <pc:sldMk cId="658100069" sldId="320"/>
-        </pc:sldMkLst>
-      </pc:sldChg>
-      <pc:sldChg chg="del">
-        <pc:chgData name="Philippe Baucour" userId="5102170ae7533958" providerId="LiveId" clId="{C4634EC1-E8DC-4FAE-B843-C9AE3C4956A0}" dt="2025-12-14T14:02:54.615" v="4627" actId="47"/>
-        <pc:sldMkLst>
-          <pc:docMk/>
-          <pc:sldMk cId="1872462101" sldId="321"/>
-        </pc:sldMkLst>
-      </pc:sldChg>
-      <pc:sldChg chg="modSp del mod">
-        <pc:chgData name="Philippe Baucour" userId="5102170ae7533958" providerId="LiveId" clId="{C4634EC1-E8DC-4FAE-B843-C9AE3C4956A0}" dt="2025-12-14T14:02:54.615" v="4627" actId="47"/>
-        <pc:sldMkLst>
-          <pc:docMk/>
-          <pc:sldMk cId="3614091464" sldId="322"/>
-        </pc:sldMkLst>
-        <pc:spChg chg="mod">
-          <ac:chgData name="Philippe Baucour" userId="5102170ae7533958" providerId="LiveId" clId="{C4634EC1-E8DC-4FAE-B843-C9AE3C4956A0}" dt="2025-12-13T09:35:55.990" v="4246" actId="20577"/>
-          <ac:spMkLst>
-            <pc:docMk/>
-            <pc:sldMk cId="3614091464" sldId="322"/>
-            <ac:spMk id="3" creationId="{534F120E-D8F2-8226-01B2-38B68D6EC8BF}"/>
-          </ac:spMkLst>
-        </pc:spChg>
-      </pc:sldChg>
-      <pc:sldChg chg="del">
-        <pc:chgData name="Philippe Baucour" userId="5102170ae7533958" providerId="LiveId" clId="{C4634EC1-E8DC-4FAE-B843-C9AE3C4956A0}" dt="2025-12-14T14:02:54.615" v="4627" actId="47"/>
-        <pc:sldMkLst>
-          <pc:docMk/>
-          <pc:sldMk cId="3324711721" sldId="323"/>
-        </pc:sldMkLst>
-      </pc:sldChg>
-      <pc:sldChg chg="del">
-        <pc:chgData name="Philippe Baucour" userId="5102170ae7533958" providerId="LiveId" clId="{C4634EC1-E8DC-4FAE-B843-C9AE3C4956A0}" dt="2025-12-14T14:02:54.615" v="4627" actId="47"/>
-        <pc:sldMkLst>
-          <pc:docMk/>
-          <pc:sldMk cId="1709380188" sldId="325"/>
-        </pc:sldMkLst>
-      </pc:sldChg>
-      <pc:sldChg chg="del">
-        <pc:chgData name="Philippe Baucour" userId="5102170ae7533958" providerId="LiveId" clId="{C4634EC1-E8DC-4FAE-B843-C9AE3C4956A0}" dt="2025-12-14T14:02:18.700" v="4625" actId="47"/>
-        <pc:sldMkLst>
-          <pc:docMk/>
-          <pc:sldMk cId="606357529" sldId="326"/>
-        </pc:sldMkLst>
-      </pc:sldChg>
-      <pc:sldChg chg="del">
-        <pc:chgData name="Philippe Baucour" userId="5102170ae7533958" providerId="LiveId" clId="{C4634EC1-E8DC-4FAE-B843-C9AE3C4956A0}" dt="2025-12-14T14:02:18.700" v="4625" actId="47"/>
-        <pc:sldMkLst>
-          <pc:docMk/>
-          <pc:sldMk cId="1441243126" sldId="327"/>
-        </pc:sldMkLst>
-      </pc:sldChg>
-      <pc:sldChg chg="del">
-        <pc:chgData name="Philippe Baucour" userId="5102170ae7533958" providerId="LiveId" clId="{C4634EC1-E8DC-4FAE-B843-C9AE3C4956A0}" dt="2025-12-14T14:02:18.700" v="4625" actId="47"/>
-        <pc:sldMkLst>
-          <pc:docMk/>
-          <pc:sldMk cId="3090389929" sldId="328"/>
-        </pc:sldMkLst>
-      </pc:sldChg>
-      <pc:sldChg chg="del">
-        <pc:chgData name="Philippe Baucour" userId="5102170ae7533958" providerId="LiveId" clId="{C4634EC1-E8DC-4FAE-B843-C9AE3C4956A0}" dt="2025-12-14T14:02:18.700" v="4625" actId="47"/>
-        <pc:sldMkLst>
-          <pc:docMk/>
-          <pc:sldMk cId="524357048" sldId="329"/>
-        </pc:sldMkLst>
-      </pc:sldChg>
-      <pc:sldChg chg="del">
-        <pc:chgData name="Philippe Baucour" userId="5102170ae7533958" providerId="LiveId" clId="{C4634EC1-E8DC-4FAE-B843-C9AE3C4956A0}" dt="2025-12-14T14:02:18.700" v="4625" actId="47"/>
-        <pc:sldMkLst>
-          <pc:docMk/>
-          <pc:sldMk cId="1359923106" sldId="330"/>
-        </pc:sldMkLst>
-      </pc:sldChg>
-      <pc:sldChg chg="del">
-        <pc:chgData name="Philippe Baucour" userId="5102170ae7533958" providerId="LiveId" clId="{C4634EC1-E8DC-4FAE-B843-C9AE3C4956A0}" dt="2025-12-14T14:02:18.700" v="4625" actId="47"/>
-        <pc:sldMkLst>
-          <pc:docMk/>
-          <pc:sldMk cId="613595076" sldId="331"/>
-        </pc:sldMkLst>
-      </pc:sldChg>
-      <pc:sldChg chg="del">
-        <pc:chgData name="Philippe Baucour" userId="5102170ae7533958" providerId="LiveId" clId="{C4634EC1-E8DC-4FAE-B843-C9AE3C4956A0}" dt="2025-12-14T14:02:18.700" v="4625" actId="47"/>
-        <pc:sldMkLst>
-          <pc:docMk/>
-          <pc:sldMk cId="3195137458" sldId="332"/>
-        </pc:sldMkLst>
-      </pc:sldChg>
-      <pc:sldChg chg="del">
-        <pc:chgData name="Philippe Baucour" userId="5102170ae7533958" providerId="LiveId" clId="{C4634EC1-E8DC-4FAE-B843-C9AE3C4956A0}" dt="2025-12-14T14:02:18.700" v="4625" actId="47"/>
-        <pc:sldMkLst>
-          <pc:docMk/>
-          <pc:sldMk cId="1762137056" sldId="335"/>
-        </pc:sldMkLst>
-      </pc:sldChg>
-      <pc:sldChg chg="del">
-        <pc:chgData name="Philippe Baucour" userId="5102170ae7533958" providerId="LiveId" clId="{C4634EC1-E8DC-4FAE-B843-C9AE3C4956A0}" dt="2025-12-14T14:02:18.700" v="4625" actId="47"/>
-        <pc:sldMkLst>
-          <pc:docMk/>
-          <pc:sldMk cId="926824902" sldId="337"/>
-        </pc:sldMkLst>
-      </pc:sldChg>
-      <pc:sldChg chg="del">
-        <pc:chgData name="Philippe Baucour" userId="5102170ae7533958" providerId="LiveId" clId="{C4634EC1-E8DC-4FAE-B843-C9AE3C4956A0}" dt="2025-12-14T14:02:18.700" v="4625" actId="47"/>
-        <pc:sldMkLst>
-          <pc:docMk/>
-          <pc:sldMk cId="4117754328" sldId="338"/>
-        </pc:sldMkLst>
       </pc:sldChg>
       <pc:sldChg chg="modSp mod">
         <pc:chgData name="Philippe Baucour" userId="5102170ae7533958" providerId="LiveId" clId="{C4634EC1-E8DC-4FAE-B843-C9AE3C4956A0}" dt="2025-12-14T14:03:57.153" v="4650" actId="790"/>
@@ -1194,73 +645,26 @@
           </ac:spMkLst>
         </pc:spChg>
       </pc:sldChg>
-      <pc:sldChg chg="addSp modSp add del mod modShow modNotesTx">
-        <pc:chgData name="Philippe Baucour" userId="5102170ae7533958" providerId="LiveId" clId="{C4634EC1-E8DC-4FAE-B843-C9AE3C4956A0}" dt="2025-12-14T14:02:54.615" v="4627" actId="47"/>
-        <pc:sldMkLst>
-          <pc:docMk/>
-          <pc:sldMk cId="3201622378" sldId="343"/>
-        </pc:sldMkLst>
-        <pc:spChg chg="mod">
-          <ac:chgData name="Philippe Baucour" userId="5102170ae7533958" providerId="LiveId" clId="{C4634EC1-E8DC-4FAE-B843-C9AE3C4956A0}" dt="2025-12-13T09:24:02.818" v="3604" actId="20577"/>
-          <ac:spMkLst>
-            <pc:docMk/>
-            <pc:sldMk cId="3201622378" sldId="343"/>
-            <ac:spMk id="2" creationId="{F13D07B4-C7D9-46E1-38A0-A6EEF16B48EB}"/>
-          </ac:spMkLst>
-        </pc:spChg>
-        <pc:spChg chg="mod">
-          <ac:chgData name="Philippe Baucour" userId="5102170ae7533958" providerId="LiveId" clId="{C4634EC1-E8DC-4FAE-B843-C9AE3C4956A0}" dt="2025-12-13T09:18:11.104" v="3340" actId="1035"/>
-          <ac:spMkLst>
-            <pc:docMk/>
-            <pc:sldMk cId="3201622378" sldId="343"/>
-            <ac:spMk id="3" creationId="{1A803C62-BD0B-D0AC-2B41-C4F420891B06}"/>
-          </ac:spMkLst>
-        </pc:spChg>
-        <pc:spChg chg="add mod">
-          <ac:chgData name="Philippe Baucour" userId="5102170ae7533958" providerId="LiveId" clId="{C4634EC1-E8DC-4FAE-B843-C9AE3C4956A0}" dt="2025-12-13T09:20:50.986" v="3365" actId="207"/>
-          <ac:spMkLst>
-            <pc:docMk/>
-            <pc:sldMk cId="3201622378" sldId="343"/>
-            <ac:spMk id="4" creationId="{8621D07E-0046-878B-A4F7-B23DD85D79E7}"/>
-          </ac:spMkLst>
-        </pc:spChg>
-        <pc:spChg chg="add mod">
-          <ac:chgData name="Philippe Baucour" userId="5102170ae7533958" providerId="LiveId" clId="{C4634EC1-E8DC-4FAE-B843-C9AE3C4956A0}" dt="2025-12-13T09:20:40.719" v="3364" actId="207"/>
-          <ac:spMkLst>
-            <pc:docMk/>
-            <pc:sldMk cId="3201622378" sldId="343"/>
-            <ac:spMk id="10" creationId="{B82F37A5-2F8E-7469-46FF-7B3E9BA9F912}"/>
-          </ac:spMkLst>
-        </pc:spChg>
-      </pc:sldChg>
-      <pc:sldChg chg="addSp delSp modSp add mod delAnim modShow">
-        <pc:chgData name="Philippe Baucour" userId="5102170ae7533958" providerId="LiveId" clId="{C4634EC1-E8DC-4FAE-B843-C9AE3C4956A0}" dt="2025-12-14T14:03:57.153" v="4650" actId="790"/>
+      <pc:sldChg chg="addSp delSp modSp add mod modClrScheme delAnim modShow chgLayout">
+        <pc:chgData name="Philippe Baucour" userId="5102170ae7533958" providerId="LiveId" clId="{C4634EC1-E8DC-4FAE-B843-C9AE3C4956A0}" dt="2025-12-17T17:44:53.410" v="7288" actId="478"/>
         <pc:sldMkLst>
           <pc:docMk/>
           <pc:sldMk cId="3477989219" sldId="344"/>
         </pc:sldMkLst>
         <pc:spChg chg="del">
-          <ac:chgData name="Philippe Baucour" userId="5102170ae7533958" providerId="LiveId" clId="{C4634EC1-E8DC-4FAE-B843-C9AE3C4956A0}" dt="2025-12-14T13:23:13.401" v="4254" actId="478"/>
+          <ac:chgData name="Philippe Baucour" userId="5102170ae7533958" providerId="LiveId" clId="{C4634EC1-E8DC-4FAE-B843-C9AE3C4956A0}" dt="2025-12-17T17:12:17.430" v="6328" actId="478"/>
           <ac:spMkLst>
             <pc:docMk/>
             <pc:sldMk cId="3477989219" sldId="344"/>
-            <ac:spMk id="3" creationId="{A7274244-117C-2262-44F3-9C094FB643FA}"/>
+            <ac:spMk id="2" creationId="{4AC4288A-BE7E-0606-94AD-EC96E3EB9187}"/>
           </ac:spMkLst>
         </pc:spChg>
-        <pc:spChg chg="del">
-          <ac:chgData name="Philippe Baucour" userId="5102170ae7533958" providerId="LiveId" clId="{C4634EC1-E8DC-4FAE-B843-C9AE3C4956A0}" dt="2025-12-14T13:23:07.414" v="4253" actId="478"/>
+        <pc:spChg chg="add mod">
+          <ac:chgData name="Philippe Baucour" userId="5102170ae7533958" providerId="LiveId" clId="{C4634EC1-E8DC-4FAE-B843-C9AE3C4956A0}" dt="2025-12-17T16:56:10.380" v="6024" actId="207"/>
           <ac:spMkLst>
             <pc:docMk/>
             <pc:sldMk cId="3477989219" sldId="344"/>
-            <ac:spMk id="4" creationId="{431D3D47-037B-EF7C-7385-5ABA89091B51}"/>
-          </ac:spMkLst>
-        </pc:spChg>
-        <pc:spChg chg="del">
-          <ac:chgData name="Philippe Baucour" userId="5102170ae7533958" providerId="LiveId" clId="{C4634EC1-E8DC-4FAE-B843-C9AE3C4956A0}" dt="2025-12-14T13:26:09.698" v="4335" actId="478"/>
-          <ac:spMkLst>
-            <pc:docMk/>
-            <pc:sldMk cId="3477989219" sldId="344"/>
-            <ac:spMk id="5" creationId="{9A4662FD-C36F-3902-841F-1B6DA5F5DD41}"/>
+            <ac:spMk id="3" creationId="{4CE54004-98C1-37E0-7D95-D8E563478BBF}"/>
           </ac:spMkLst>
         </pc:spChg>
         <pc:spChg chg="mod">
@@ -1327,28 +731,12 @@
             <ac:spMk id="14" creationId="{8A76DEBE-ED1B-FD33-1D87-3CCA458F83CB}"/>
           </ac:spMkLst>
         </pc:spChg>
-        <pc:spChg chg="mod">
-          <ac:chgData name="Philippe Baucour" userId="5102170ae7533958" providerId="LiveId" clId="{C4634EC1-E8DC-4FAE-B843-C9AE3C4956A0}" dt="2025-12-14T14:03:57.153" v="4650" actId="790"/>
+        <pc:spChg chg="del mod">
+          <ac:chgData name="Philippe Baucour" userId="5102170ae7533958" providerId="LiveId" clId="{C4634EC1-E8DC-4FAE-B843-C9AE3C4956A0}" dt="2025-12-17T16:54:32.449" v="6011" actId="478"/>
           <ac:spMkLst>
             <pc:docMk/>
             <pc:sldMk cId="3477989219" sldId="344"/>
             <ac:spMk id="15" creationId="{F5A315D1-10A1-342B-2217-74E37BEEC070}"/>
-          </ac:spMkLst>
-        </pc:spChg>
-        <pc:spChg chg="del">
-          <ac:chgData name="Philippe Baucour" userId="5102170ae7533958" providerId="LiveId" clId="{C4634EC1-E8DC-4FAE-B843-C9AE3C4956A0}" dt="2025-12-14T13:23:04.579" v="4252" actId="478"/>
-          <ac:spMkLst>
-            <pc:docMk/>
-            <pc:sldMk cId="3477989219" sldId="344"/>
-            <ac:spMk id="16" creationId="{9C1F4C3F-1639-10AB-391A-4FB68EDB8A98}"/>
-          </ac:spMkLst>
-        </pc:spChg>
-        <pc:spChg chg="add del mod">
-          <ac:chgData name="Philippe Baucour" userId="5102170ae7533958" providerId="LiveId" clId="{C4634EC1-E8DC-4FAE-B843-C9AE3C4956A0}" dt="2025-12-14T13:23:21.076" v="4255" actId="478"/>
-          <ac:spMkLst>
-            <pc:docMk/>
-            <pc:sldMk cId="3477989219" sldId="344"/>
-            <ac:spMk id="18" creationId="{902FB448-58D6-A4AA-C697-4A125A772F30}"/>
           </ac:spMkLst>
         </pc:spChg>
         <pc:spChg chg="add mod">
@@ -1383,6 +771,190 @@
             <ac:spMk id="22" creationId="{39570B15-4CE7-A2D6-1760-B6FEEF8245A2}"/>
           </ac:spMkLst>
         </pc:spChg>
+        <pc:spChg chg="add mod">
+          <ac:chgData name="Philippe Baucour" userId="5102170ae7533958" providerId="LiveId" clId="{C4634EC1-E8DC-4FAE-B843-C9AE3C4956A0}" dt="2025-12-17T16:59:22.800" v="6192" actId="1035"/>
+          <ac:spMkLst>
+            <pc:docMk/>
+            <pc:sldMk cId="3477989219" sldId="344"/>
+            <ac:spMk id="23" creationId="{EDDF6013-2A20-9271-0F9F-BF443DE7A269}"/>
+          </ac:spMkLst>
+        </pc:spChg>
+        <pc:spChg chg="add mod">
+          <ac:chgData name="Philippe Baucour" userId="5102170ae7533958" providerId="LiveId" clId="{C4634EC1-E8DC-4FAE-B843-C9AE3C4956A0}" dt="2025-12-17T16:59:22.800" v="6192" actId="1035"/>
+          <ac:spMkLst>
+            <pc:docMk/>
+            <pc:sldMk cId="3477989219" sldId="344"/>
+            <ac:spMk id="24" creationId="{630DEC19-6A7D-4538-81D7-5E87D22E0652}"/>
+          </ac:spMkLst>
+        </pc:spChg>
+        <pc:spChg chg="add mod">
+          <ac:chgData name="Philippe Baucour" userId="5102170ae7533958" providerId="LiveId" clId="{C4634EC1-E8DC-4FAE-B843-C9AE3C4956A0}" dt="2025-12-17T17:23:14.824" v="6635" actId="20577"/>
+          <ac:spMkLst>
+            <pc:docMk/>
+            <pc:sldMk cId="3477989219" sldId="344"/>
+            <ac:spMk id="25" creationId="{63F5241C-BA2F-1FEA-F5C4-FB747AF0ACF5}"/>
+          </ac:spMkLst>
+        </pc:spChg>
+        <pc:spChg chg="add mod">
+          <ac:chgData name="Philippe Baucour" userId="5102170ae7533958" providerId="LiveId" clId="{C4634EC1-E8DC-4FAE-B843-C9AE3C4956A0}" dt="2025-12-17T17:18:27.392" v="6621" actId="1036"/>
+          <ac:spMkLst>
+            <pc:docMk/>
+            <pc:sldMk cId="3477989219" sldId="344"/>
+            <ac:spMk id="26" creationId="{2EE0FFBA-C983-B557-07FB-0862A35CDA6A}"/>
+          </ac:spMkLst>
+        </pc:spChg>
+        <pc:spChg chg="add mod ord">
+          <ac:chgData name="Philippe Baucour" userId="5102170ae7533958" providerId="LiveId" clId="{C4634EC1-E8DC-4FAE-B843-C9AE3C4956A0}" dt="2025-12-17T17:39:01.402" v="6879" actId="1038"/>
+          <ac:spMkLst>
+            <pc:docMk/>
+            <pc:sldMk cId="3477989219" sldId="344"/>
+            <ac:spMk id="27" creationId="{D36599D1-84E0-D99B-63AB-FCA786E367CB}"/>
+          </ac:spMkLst>
+        </pc:spChg>
+        <pc:spChg chg="add del mod">
+          <ac:chgData name="Philippe Baucour" userId="5102170ae7533958" providerId="LiveId" clId="{C4634EC1-E8DC-4FAE-B843-C9AE3C4956A0}" dt="2025-12-17T17:12:24.201" v="6329" actId="700"/>
+          <ac:spMkLst>
+            <pc:docMk/>
+            <pc:sldMk cId="3477989219" sldId="344"/>
+            <ac:spMk id="29" creationId="{65E63427-243B-71EB-D838-49BE22FB6D0C}"/>
+          </ac:spMkLst>
+        </pc:spChg>
+        <pc:spChg chg="add del mod">
+          <ac:chgData name="Philippe Baucour" userId="5102170ae7533958" providerId="LiveId" clId="{C4634EC1-E8DC-4FAE-B843-C9AE3C4956A0}" dt="2025-12-17T17:13:44.773" v="6335" actId="478"/>
+          <ac:spMkLst>
+            <pc:docMk/>
+            <pc:sldMk cId="3477989219" sldId="344"/>
+            <ac:spMk id="30" creationId="{34D4CEE9-5E3B-59C3-08C5-8FB3141D2DB9}"/>
+          </ac:spMkLst>
+        </pc:spChg>
+        <pc:spChg chg="add mod ord">
+          <ac:chgData name="Philippe Baucour" userId="5102170ae7533958" providerId="LiveId" clId="{C4634EC1-E8DC-4FAE-B843-C9AE3C4956A0}" dt="2025-12-17T17:37:17.618" v="6828" actId="166"/>
+          <ac:spMkLst>
+            <pc:docMk/>
+            <pc:sldMk cId="3477989219" sldId="344"/>
+            <ac:spMk id="31" creationId="{62C90EDB-9B12-287C-6A19-DE8E4276BBAA}"/>
+          </ac:spMkLst>
+        </pc:spChg>
+        <pc:spChg chg="add mod ord">
+          <ac:chgData name="Philippe Baucour" userId="5102170ae7533958" providerId="LiveId" clId="{C4634EC1-E8DC-4FAE-B843-C9AE3C4956A0}" dt="2025-12-17T17:44:42.774" v="7287" actId="166"/>
+          <ac:spMkLst>
+            <pc:docMk/>
+            <pc:sldMk cId="3477989219" sldId="344"/>
+            <ac:spMk id="32" creationId="{8F196BA7-DD73-1D6F-3E38-7B3E50A85FA3}"/>
+          </ac:spMkLst>
+        </pc:spChg>
+        <pc:spChg chg="add mod ord">
+          <ac:chgData name="Philippe Baucour" userId="5102170ae7533958" providerId="LiveId" clId="{C4634EC1-E8DC-4FAE-B843-C9AE3C4956A0}" dt="2025-12-17T17:37:28.647" v="6830" actId="166"/>
+          <ac:spMkLst>
+            <pc:docMk/>
+            <pc:sldMk cId="3477989219" sldId="344"/>
+            <ac:spMk id="33" creationId="{046F5AF2-220C-4460-1E01-7E8C21856940}"/>
+          </ac:spMkLst>
+        </pc:spChg>
+        <pc:spChg chg="add mod">
+          <ac:chgData name="Philippe Baucour" userId="5102170ae7533958" providerId="LiveId" clId="{C4634EC1-E8DC-4FAE-B843-C9AE3C4956A0}" dt="2025-12-17T17:37:50.094" v="6854" actId="1036"/>
+          <ac:spMkLst>
+            <pc:docMk/>
+            <pc:sldMk cId="3477989219" sldId="344"/>
+            <ac:spMk id="34" creationId="{0F318217-7B59-12B6-5D54-ED2478712BE0}"/>
+          </ac:spMkLst>
+        </pc:spChg>
+        <pc:spChg chg="add del mod">
+          <ac:chgData name="Philippe Baucour" userId="5102170ae7533958" providerId="LiveId" clId="{C4634EC1-E8DC-4FAE-B843-C9AE3C4956A0}" dt="2025-12-17T17:37:56.780" v="6855" actId="478"/>
+          <ac:spMkLst>
+            <pc:docMk/>
+            <pc:sldMk cId="3477989219" sldId="344"/>
+            <ac:spMk id="35" creationId="{0AF30F5E-3FE7-2F4E-5C0D-3233845BB53E}"/>
+          </ac:spMkLst>
+        </pc:spChg>
+        <pc:spChg chg="add del mod">
+          <ac:chgData name="Philippe Baucour" userId="5102170ae7533958" providerId="LiveId" clId="{C4634EC1-E8DC-4FAE-B843-C9AE3C4956A0}" dt="2025-12-17T17:37:59.007" v="6856" actId="478"/>
+          <ac:spMkLst>
+            <pc:docMk/>
+            <pc:sldMk cId="3477989219" sldId="344"/>
+            <ac:spMk id="36" creationId="{957BAD5C-FD52-0150-F6D9-BB66B436345A}"/>
+          </ac:spMkLst>
+        </pc:spChg>
+        <pc:spChg chg="add mod">
+          <ac:chgData name="Philippe Baucour" userId="5102170ae7533958" providerId="LiveId" clId="{C4634EC1-E8DC-4FAE-B843-C9AE3C4956A0}" dt="2025-12-17T17:35:33.124" v="6773" actId="1038"/>
+          <ac:spMkLst>
+            <pc:docMk/>
+            <pc:sldMk cId="3477989219" sldId="344"/>
+            <ac:spMk id="37" creationId="{84661984-F9BB-1056-8662-DC2851FB9EAD}"/>
+          </ac:spMkLst>
+        </pc:spChg>
+        <pc:spChg chg="add mod ord">
+          <ac:chgData name="Philippe Baucour" userId="5102170ae7533958" providerId="LiveId" clId="{C4634EC1-E8DC-4FAE-B843-C9AE3C4956A0}" dt="2025-12-17T17:36:18.678" v="6819"/>
+          <ac:spMkLst>
+            <pc:docMk/>
+            <pc:sldMk cId="3477989219" sldId="344"/>
+            <ac:spMk id="38" creationId="{BFA1927A-83DA-85EF-7552-1E0F599C0C48}"/>
+          </ac:spMkLst>
+        </pc:spChg>
+        <pc:spChg chg="add mod ord">
+          <ac:chgData name="Philippe Baucour" userId="5102170ae7533958" providerId="LiveId" clId="{C4634EC1-E8DC-4FAE-B843-C9AE3C4956A0}" dt="2025-12-17T17:37:36.258" v="6831" actId="1076"/>
+          <ac:spMkLst>
+            <pc:docMk/>
+            <pc:sldMk cId="3477989219" sldId="344"/>
+            <ac:spMk id="39" creationId="{0F62A33F-0D0B-3C2C-110C-A0DAB97A4152}"/>
+          </ac:spMkLst>
+        </pc:spChg>
+        <pc:spChg chg="add mod">
+          <ac:chgData name="Philippe Baucour" userId="5102170ae7533958" providerId="LiveId" clId="{C4634EC1-E8DC-4FAE-B843-C9AE3C4956A0}" dt="2025-12-17T17:43:19.283" v="7145" actId="1037"/>
+          <ac:spMkLst>
+            <pc:docMk/>
+            <pc:sldMk cId="3477989219" sldId="344"/>
+            <ac:spMk id="45" creationId="{CA1D2812-453D-D8B7-A8C2-C0D4A79F79E7}"/>
+          </ac:spMkLst>
+        </pc:spChg>
+        <pc:spChg chg="add mod">
+          <ac:chgData name="Philippe Baucour" userId="5102170ae7533958" providerId="LiveId" clId="{C4634EC1-E8DC-4FAE-B843-C9AE3C4956A0}" dt="2025-12-17T17:44:35.226" v="7286" actId="1037"/>
+          <ac:spMkLst>
+            <pc:docMk/>
+            <pc:sldMk cId="3477989219" sldId="344"/>
+            <ac:spMk id="52" creationId="{DA57D484-2C47-EC14-7AE1-21080DD0F04D}"/>
+          </ac:spMkLst>
+        </pc:spChg>
+        <pc:cxnChg chg="add del mod">
+          <ac:chgData name="Philippe Baucour" userId="5102170ae7533958" providerId="LiveId" clId="{C4634EC1-E8DC-4FAE-B843-C9AE3C4956A0}" dt="2025-12-17T16:57:32.459" v="6096" actId="478"/>
+          <ac:cxnSpMkLst>
+            <pc:docMk/>
+            <pc:sldMk cId="3477989219" sldId="344"/>
+            <ac:cxnSpMk id="5" creationId="{A69DFF2F-FF24-3EC5-3C33-E16B5935E428}"/>
+          </ac:cxnSpMkLst>
+        </pc:cxnChg>
+        <pc:cxnChg chg="add del mod">
+          <ac:chgData name="Philippe Baucour" userId="5102170ae7533958" providerId="LiveId" clId="{C4634EC1-E8DC-4FAE-B843-C9AE3C4956A0}" dt="2025-12-17T16:57:43.762" v="6097" actId="478"/>
+          <ac:cxnSpMkLst>
+            <pc:docMk/>
+            <pc:sldMk cId="3477989219" sldId="344"/>
+            <ac:cxnSpMk id="16" creationId="{6F22CF5A-077D-574C-B140-A1D48DC75B7B}"/>
+          </ac:cxnSpMkLst>
+        </pc:cxnChg>
+        <pc:cxnChg chg="add mod">
+          <ac:chgData name="Philippe Baucour" userId="5102170ae7533958" providerId="LiveId" clId="{C4634EC1-E8DC-4FAE-B843-C9AE3C4956A0}" dt="2025-12-17T17:40:45.599" v="6926" actId="554"/>
+          <ac:cxnSpMkLst>
+            <pc:docMk/>
+            <pc:sldMk cId="3477989219" sldId="344"/>
+            <ac:cxnSpMk id="41" creationId="{1D3BC40D-7F9E-8897-0EB1-C8FE1EC1D299}"/>
+          </ac:cxnSpMkLst>
+        </pc:cxnChg>
+        <pc:cxnChg chg="add mod">
+          <ac:chgData name="Philippe Baucour" userId="5102170ae7533958" providerId="LiveId" clId="{C4634EC1-E8DC-4FAE-B843-C9AE3C4956A0}" dt="2025-12-17T17:40:45.599" v="6926" actId="554"/>
+          <ac:cxnSpMkLst>
+            <pc:docMk/>
+            <pc:sldMk cId="3477989219" sldId="344"/>
+            <ac:cxnSpMk id="44" creationId="{274AB326-DAA8-34F9-4B11-7943321F768E}"/>
+          </ac:cxnSpMkLst>
+        </pc:cxnChg>
+        <pc:cxnChg chg="add del mod">
+          <ac:chgData name="Philippe Baucour" userId="5102170ae7533958" providerId="LiveId" clId="{C4634EC1-E8DC-4FAE-B843-C9AE3C4956A0}" dt="2025-12-17T17:44:53.410" v="7288" actId="478"/>
+          <ac:cxnSpMkLst>
+            <pc:docMk/>
+            <pc:sldMk cId="3477989219" sldId="344"/>
+            <ac:cxnSpMk id="47" creationId="{B05619D5-CE9E-1F2E-8708-026D79252E39}"/>
+          </ac:cxnSpMkLst>
+        </pc:cxnChg>
       </pc:sldChg>
       <pc:sldChg chg="addSp delSp modSp new mod ord modClrScheme chgLayout">
         <pc:chgData name="Philippe Baucour" userId="5102170ae7533958" providerId="LiveId" clId="{C4634EC1-E8DC-4FAE-B843-C9AE3C4956A0}" dt="2025-12-14T18:13:10.450" v="5998" actId="478"/>
@@ -1390,22 +962,6 @@
           <pc:docMk/>
           <pc:sldMk cId="1801289739" sldId="345"/>
         </pc:sldMkLst>
-        <pc:spChg chg="del">
-          <ac:chgData name="Philippe Baucour" userId="5102170ae7533958" providerId="LiveId" clId="{C4634EC1-E8DC-4FAE-B843-C9AE3C4956A0}" dt="2025-12-14T17:33:24.458" v="4744" actId="700"/>
-          <ac:spMkLst>
-            <pc:docMk/>
-            <pc:sldMk cId="1801289739" sldId="345"/>
-            <ac:spMk id="2" creationId="{514A56B4-3966-3854-EEC3-F403FF80439E}"/>
-          </ac:spMkLst>
-        </pc:spChg>
-        <pc:spChg chg="del">
-          <ac:chgData name="Philippe Baucour" userId="5102170ae7533958" providerId="LiveId" clId="{C4634EC1-E8DC-4FAE-B843-C9AE3C4956A0}" dt="2025-12-14T17:33:24.458" v="4744" actId="700"/>
-          <ac:spMkLst>
-            <pc:docMk/>
-            <pc:sldMk cId="1801289739" sldId="345"/>
-            <ac:spMk id="3" creationId="{69FAD502-B722-1DB6-D003-E1471C8CD85F}"/>
-          </ac:spMkLst>
-        </pc:spChg>
         <pc:spChg chg="add mod">
           <ac:chgData name="Philippe Baucour" userId="5102170ae7533958" providerId="LiveId" clId="{C4634EC1-E8DC-4FAE-B843-C9AE3C4956A0}" dt="2025-12-14T18:09:00.298" v="5722" actId="1036"/>
           <ac:spMkLst>
@@ -1428,22 +984,6 @@
             <pc:docMk/>
             <pc:sldMk cId="1801289739" sldId="345"/>
             <ac:spMk id="8" creationId="{50FC805C-0F28-E05D-CD4C-63AB090D7FA3}"/>
-          </ac:spMkLst>
-        </pc:spChg>
-        <pc:spChg chg="add del mod">
-          <ac:chgData name="Philippe Baucour" userId="5102170ae7533958" providerId="LiveId" clId="{C4634EC1-E8DC-4FAE-B843-C9AE3C4956A0}" dt="2025-12-14T17:39:03.217" v="4827" actId="478"/>
-          <ac:spMkLst>
-            <pc:docMk/>
-            <pc:sldMk cId="1801289739" sldId="345"/>
-            <ac:spMk id="9" creationId="{5E3F20CB-229A-2D47-CBDF-8DB798492AE0}"/>
-          </ac:spMkLst>
-        </pc:spChg>
-        <pc:spChg chg="add del mod">
-          <ac:chgData name="Philippe Baucour" userId="5102170ae7533958" providerId="LiveId" clId="{C4634EC1-E8DC-4FAE-B843-C9AE3C4956A0}" dt="2025-12-14T17:39:04.557" v="4828" actId="478"/>
-          <ac:spMkLst>
-            <pc:docMk/>
-            <pc:sldMk cId="1801289739" sldId="345"/>
-            <ac:spMk id="10" creationId="{E72DC953-6C27-2351-0032-900F6D073580}"/>
           </ac:spMkLst>
         </pc:spChg>
         <pc:spChg chg="add mod">
@@ -1492,14 +1032,6 @@
             <pc:docMk/>
             <pc:sldMk cId="1801289739" sldId="345"/>
             <ac:spMk id="16" creationId="{78A1D14F-2D3D-6685-18E6-ED3766EFC8F1}"/>
-          </ac:spMkLst>
-        </pc:spChg>
-        <pc:spChg chg="add del mod">
-          <ac:chgData name="Philippe Baucour" userId="5102170ae7533958" providerId="LiveId" clId="{C4634EC1-E8DC-4FAE-B843-C9AE3C4956A0}" dt="2025-12-14T17:51:24.603" v="5291" actId="478"/>
-          <ac:spMkLst>
-            <pc:docMk/>
-            <pc:sldMk cId="1801289739" sldId="345"/>
-            <ac:spMk id="45" creationId="{85327B8E-F08B-79EC-179C-A964312407DD}"/>
           </ac:spMkLst>
         </pc:spChg>
         <pc:spChg chg="add mod">
@@ -1574,30 +1106,6 @@
             <ac:spMk id="61" creationId="{9362FC6D-6B38-4158-9797-B263EB3CAA33}"/>
           </ac:spMkLst>
         </pc:spChg>
-        <pc:picChg chg="add del mod">
-          <ac:chgData name="Philippe Baucour" userId="5102170ae7533958" providerId="LiveId" clId="{C4634EC1-E8DC-4FAE-B843-C9AE3C4956A0}" dt="2025-12-14T18:13:10.450" v="5998" actId="478"/>
-          <ac:picMkLst>
-            <pc:docMk/>
-            <pc:sldMk cId="1801289739" sldId="345"/>
-            <ac:picMk id="7" creationId="{74CA07A5-A878-AC2B-D389-225E444C5E7A}"/>
-          </ac:picMkLst>
-        </pc:picChg>
-        <pc:picChg chg="add del mod">
-          <ac:chgData name="Philippe Baucour" userId="5102170ae7533958" providerId="LiveId" clId="{C4634EC1-E8DC-4FAE-B843-C9AE3C4956A0}" dt="2025-12-14T18:02:26.258" v="5620" actId="478"/>
-          <ac:picMkLst>
-            <pc:docMk/>
-            <pc:sldMk cId="1801289739" sldId="345"/>
-            <ac:picMk id="52" creationId="{2BC206CC-A4A7-55D1-0C73-1FC0A16316BA}"/>
-          </ac:picMkLst>
-        </pc:picChg>
-        <pc:picChg chg="add del mod">
-          <ac:chgData name="Philippe Baucour" userId="5102170ae7533958" providerId="LiveId" clId="{C4634EC1-E8DC-4FAE-B843-C9AE3C4956A0}" dt="2025-12-14T18:03:20.267" v="5627" actId="478"/>
-          <ac:picMkLst>
-            <pc:docMk/>
-            <pc:sldMk cId="1801289739" sldId="345"/>
-            <ac:picMk id="57" creationId="{F7FD6169-C2EA-DAA7-A346-F782ECC9767E}"/>
-          </ac:picMkLst>
-        </pc:picChg>
         <pc:cxnChg chg="add mod">
           <ac:chgData name="Philippe Baucour" userId="5102170ae7533958" providerId="LiveId" clId="{C4634EC1-E8DC-4FAE-B843-C9AE3C4956A0}" dt="2025-12-14T17:51:59.591" v="5318" actId="1037"/>
           <ac:cxnSpMkLst>
@@ -1734,7 +1242,7 @@
           <a:p>
             <a:fld id="{4471ECC3-BD70-4F1E-B981-43613CDB8BB8}" type="datetimeFigureOut">
               <a:rPr lang="fr-FR" smtClean="0"/>
-              <a:t>14/12/2025</a:t>
+              <a:t>17/12/2025</a:t>
             </a:fld>
             <a:endParaRPr lang="fr-FR"/>
           </a:p>
@@ -4847,7 +4355,7 @@
           <a:p>
             <a:fld id="{814EAAF8-3877-4B4B-B2A5-D637106D66A3}" type="datetimeFigureOut">
               <a:rPr lang="fr-FR" smtClean="0"/>
-              <a:t>14/12/2025</a:t>
+              <a:t>17/12/2025</a:t>
             </a:fld>
             <a:endParaRPr lang="fr-FR"/>
           </a:p>
@@ -5045,7 +4553,7 @@
           <a:p>
             <a:fld id="{814EAAF8-3877-4B4B-B2A5-D637106D66A3}" type="datetimeFigureOut">
               <a:rPr lang="fr-FR" smtClean="0"/>
-              <a:t>14/12/2025</a:t>
+              <a:t>17/12/2025</a:t>
             </a:fld>
             <a:endParaRPr lang="fr-FR"/>
           </a:p>
@@ -5253,7 +4761,7 @@
           <a:p>
             <a:fld id="{814EAAF8-3877-4B4B-B2A5-D637106D66A3}" type="datetimeFigureOut">
               <a:rPr lang="fr-FR" smtClean="0"/>
-              <a:t>14/12/2025</a:t>
+              <a:t>17/12/2025</a:t>
             </a:fld>
             <a:endParaRPr lang="fr-FR"/>
           </a:p>
@@ -5451,7 +4959,7 @@
           <a:p>
             <a:fld id="{814EAAF8-3877-4B4B-B2A5-D637106D66A3}" type="datetimeFigureOut">
               <a:rPr lang="fr-FR" smtClean="0"/>
-              <a:t>14/12/2025</a:t>
+              <a:t>17/12/2025</a:t>
             </a:fld>
             <a:endParaRPr lang="fr-FR"/>
           </a:p>
@@ -5726,7 +5234,7 @@
           <a:p>
             <a:fld id="{814EAAF8-3877-4B4B-B2A5-D637106D66A3}" type="datetimeFigureOut">
               <a:rPr lang="fr-FR" smtClean="0"/>
-              <a:t>14/12/2025</a:t>
+              <a:t>17/12/2025</a:t>
             </a:fld>
             <a:endParaRPr lang="fr-FR"/>
           </a:p>
@@ -5991,7 +5499,7 @@
           <a:p>
             <a:fld id="{814EAAF8-3877-4B4B-B2A5-D637106D66A3}" type="datetimeFigureOut">
               <a:rPr lang="fr-FR" smtClean="0"/>
-              <a:t>14/12/2025</a:t>
+              <a:t>17/12/2025</a:t>
             </a:fld>
             <a:endParaRPr lang="fr-FR"/>
           </a:p>
@@ -6403,7 +5911,7 @@
           <a:p>
             <a:fld id="{814EAAF8-3877-4B4B-B2A5-D637106D66A3}" type="datetimeFigureOut">
               <a:rPr lang="fr-FR" smtClean="0"/>
-              <a:t>14/12/2025</a:t>
+              <a:t>17/12/2025</a:t>
             </a:fld>
             <a:endParaRPr lang="fr-FR"/>
           </a:p>
@@ -6544,7 +6052,7 @@
           <a:p>
             <a:fld id="{814EAAF8-3877-4B4B-B2A5-D637106D66A3}" type="datetimeFigureOut">
               <a:rPr lang="fr-FR" smtClean="0"/>
-              <a:t>14/12/2025</a:t>
+              <a:t>17/12/2025</a:t>
             </a:fld>
             <a:endParaRPr lang="fr-FR"/>
           </a:p>
@@ -6657,7 +6165,7 @@
           <a:p>
             <a:fld id="{814EAAF8-3877-4B4B-B2A5-D637106D66A3}" type="datetimeFigureOut">
               <a:rPr lang="fr-FR" smtClean="0"/>
-              <a:t>14/12/2025</a:t>
+              <a:t>17/12/2025</a:t>
             </a:fld>
             <a:endParaRPr lang="fr-FR"/>
           </a:p>
@@ -6968,7 +6476,7 @@
           <a:p>
             <a:fld id="{814EAAF8-3877-4B4B-B2A5-D637106D66A3}" type="datetimeFigureOut">
               <a:rPr lang="fr-FR" smtClean="0"/>
-              <a:t>14/12/2025</a:t>
+              <a:t>17/12/2025</a:t>
             </a:fld>
             <a:endParaRPr lang="fr-FR"/>
           </a:p>
@@ -7256,7 +6764,7 @@
           <a:p>
             <a:fld id="{814EAAF8-3877-4B4B-B2A5-D637106D66A3}" type="datetimeFigureOut">
               <a:rPr lang="fr-FR" smtClean="0"/>
-              <a:t>14/12/2025</a:t>
+              <a:t>17/12/2025</a:t>
             </a:fld>
             <a:endParaRPr lang="fr-FR"/>
           </a:p>
@@ -7497,7 +7005,7 @@
           <a:p>
             <a:fld id="{814EAAF8-3877-4B4B-B2A5-D637106D66A3}" type="datetimeFigureOut">
               <a:rPr lang="fr-FR" smtClean="0"/>
-              <a:t>14/12/2025</a:t>
+              <a:t>17/12/2025</a:t>
             </a:fld>
             <a:endParaRPr lang="fr-FR"/>
           </a:p>
@@ -13506,35 +13014,6 @@
           <a:chExt cx="0" cy="0"/>
         </a:xfrm>
       </p:grpSpPr>
-      <p:sp>
-        <p:nvSpPr>
-          <p:cNvPr id="2" name="Titre 1">
-            <a:extLst>
-              <a:ext uri="{FF2B5EF4-FFF2-40B4-BE49-F238E27FC236}">
-                <a16:creationId xmlns:a16="http://schemas.microsoft.com/office/drawing/2014/main" id="{4AC4288A-BE7E-0606-94AD-EC96E3EB9187}"/>
-              </a:ext>
-            </a:extLst>
-          </p:cNvPr>
-          <p:cNvSpPr>
-            <a:spLocks noGrp="1"/>
-          </p:cNvSpPr>
-          <p:nvPr>
-            <p:ph type="title"/>
-          </p:nvPr>
-        </p:nvSpPr>
-        <p:spPr/>
-        <p:txBody>
-          <a:bodyPr/>
-          <a:lstStyle/>
-          <a:p>
-            <a:r>
-              <a:rPr lang="en-US" noProof="0" dirty="0" err="1"/>
-              <a:t>Exemples</a:t>
-            </a:r>
-            <a:endParaRPr lang="en-US" noProof="0" dirty="0"/>
-          </a:p>
-        </p:txBody>
-      </p:sp>
       <p:pic>
         <p:nvPicPr>
           <p:cNvPr id="6" name="Image 5">
@@ -13920,30 +13399,205 @@
       </p:sp>
       <p:sp>
         <p:nvSpPr>
-          <p:cNvPr id="15" name="Rectangle 14">
-            <a:extLst>
-              <a:ext uri="{FF2B5EF4-FFF2-40B4-BE49-F238E27FC236}">
-                <a16:creationId xmlns:a16="http://schemas.microsoft.com/office/drawing/2014/main" id="{F5A315D1-10A1-342B-2217-74E37BEEC070}"/>
-              </a:ext>
-            </a:extLst>
-          </p:cNvPr>
-          <p:cNvSpPr/>
+          <p:cNvPr id="19" name="ZoneTexte 18">
+            <a:extLst>
+              <a:ext uri="{FF2B5EF4-FFF2-40B4-BE49-F238E27FC236}">
+                <a16:creationId xmlns:a16="http://schemas.microsoft.com/office/drawing/2014/main" id="{FC7677E1-3BB9-5D02-F627-0757683721AA}"/>
+              </a:ext>
+            </a:extLst>
+          </p:cNvPr>
+          <p:cNvSpPr txBox="1"/>
           <p:nvPr/>
         </p:nvSpPr>
         <p:spPr>
-          <a:xfrm>
-            <a:off x="316191" y="4850416"/>
-            <a:ext cx="8605380" cy="1838966"/>
+          <a:xfrm rot="16200000">
+            <a:off x="8151166" y="2801811"/>
+            <a:ext cx="1347143" cy="369332"/>
           </a:xfrm>
           <a:prstGeom prst="rect">
             <a:avLst/>
           </a:prstGeom>
           <a:solidFill>
-            <a:schemeClr val="bg1"/>
+            <a:srgbClr val="C00000"/>
           </a:solidFill>
-          <a:ln>
-            <a:noFill/>
-          </a:ln>
+        </p:spPr>
+        <p:txBody>
+          <a:bodyPr wrap="square" rtlCol="0">
+            <a:spAutoFit/>
+          </a:bodyPr>
+          <a:lstStyle/>
+          <a:p>
+            <a:pPr algn="ctr"/>
+            <a:r>
+              <a:rPr lang="en-US" b="1" noProof="0" dirty="0">
+                <a:solidFill>
+                  <a:schemeClr val="bg1">
+                    <a:lumMod val="95000"/>
+                  </a:schemeClr>
+                </a:solidFill>
+              </a:rPr>
+              <a:t>Negative</a:t>
+            </a:r>
+          </a:p>
+        </p:txBody>
+      </p:sp>
+      <p:sp>
+        <p:nvSpPr>
+          <p:cNvPr id="20" name="ZoneTexte 19">
+            <a:extLst>
+              <a:ext uri="{FF2B5EF4-FFF2-40B4-BE49-F238E27FC236}">
+                <a16:creationId xmlns:a16="http://schemas.microsoft.com/office/drawing/2014/main" id="{3CBAE594-87FA-7FB1-33E8-6A2824D97095}"/>
+              </a:ext>
+            </a:extLst>
+          </p:cNvPr>
+          <p:cNvSpPr txBox="1"/>
+          <p:nvPr/>
+        </p:nvSpPr>
+        <p:spPr>
+          <a:xfrm>
+            <a:off x="9012555" y="4878597"/>
+            <a:ext cx="1347143" cy="369332"/>
+          </a:xfrm>
+          <a:prstGeom prst="rect">
+            <a:avLst/>
+          </a:prstGeom>
+          <a:solidFill>
+            <a:srgbClr val="C00000"/>
+          </a:solidFill>
+        </p:spPr>
+        <p:txBody>
+          <a:bodyPr wrap="square" rtlCol="0">
+            <a:spAutoFit/>
+          </a:bodyPr>
+          <a:lstStyle/>
+          <a:p>
+            <a:pPr algn="ctr"/>
+            <a:r>
+              <a:rPr lang="en-US" b="1" noProof="0" dirty="0">
+                <a:solidFill>
+                  <a:schemeClr val="bg1">
+                    <a:lumMod val="95000"/>
+                  </a:schemeClr>
+                </a:solidFill>
+              </a:rPr>
+              <a:t>Negative</a:t>
+            </a:r>
+          </a:p>
+        </p:txBody>
+      </p:sp>
+      <p:sp>
+        <p:nvSpPr>
+          <p:cNvPr id="21" name="ZoneTexte 20">
+            <a:extLst>
+              <a:ext uri="{FF2B5EF4-FFF2-40B4-BE49-F238E27FC236}">
+                <a16:creationId xmlns:a16="http://schemas.microsoft.com/office/drawing/2014/main" id="{8E64D4BF-DC03-8D10-895D-CF9C842E1A9B}"/>
+              </a:ext>
+            </a:extLst>
+          </p:cNvPr>
+          <p:cNvSpPr txBox="1"/>
+          <p:nvPr/>
+        </p:nvSpPr>
+        <p:spPr>
+          <a:xfrm rot="16200000">
+            <a:off x="8190096" y="4055124"/>
+            <a:ext cx="1270387" cy="369332"/>
+          </a:xfrm>
+          <a:prstGeom prst="rect">
+            <a:avLst/>
+          </a:prstGeom>
+          <a:solidFill>
+            <a:srgbClr val="70AD47"/>
+          </a:solidFill>
+        </p:spPr>
+        <p:txBody>
+          <a:bodyPr wrap="square" rtlCol="0">
+            <a:spAutoFit/>
+          </a:bodyPr>
+          <a:lstStyle/>
+          <a:p>
+            <a:pPr algn="ctr"/>
+            <a:r>
+              <a:rPr lang="en-US" b="1" noProof="0" dirty="0">
+                <a:solidFill>
+                  <a:schemeClr val="bg1">
+                    <a:lumMod val="95000"/>
+                  </a:schemeClr>
+                </a:solidFill>
+              </a:rPr>
+              <a:t>Positive</a:t>
+            </a:r>
+          </a:p>
+        </p:txBody>
+      </p:sp>
+      <p:sp>
+        <p:nvSpPr>
+          <p:cNvPr id="22" name="ZoneTexte 21">
+            <a:extLst>
+              <a:ext uri="{FF2B5EF4-FFF2-40B4-BE49-F238E27FC236}">
+                <a16:creationId xmlns:a16="http://schemas.microsoft.com/office/drawing/2014/main" id="{39570B15-4CE7-A2D6-1760-B6FEEF8245A2}"/>
+              </a:ext>
+            </a:extLst>
+          </p:cNvPr>
+          <p:cNvSpPr txBox="1"/>
+          <p:nvPr/>
+        </p:nvSpPr>
+        <p:spPr>
+          <a:xfrm>
+            <a:off x="10303123" y="4876692"/>
+            <a:ext cx="1270387" cy="369332"/>
+          </a:xfrm>
+          <a:prstGeom prst="rect">
+            <a:avLst/>
+          </a:prstGeom>
+          <a:solidFill>
+            <a:srgbClr val="70AD47"/>
+          </a:solidFill>
+        </p:spPr>
+        <p:txBody>
+          <a:bodyPr wrap="square" rtlCol="0">
+            <a:spAutoFit/>
+          </a:bodyPr>
+          <a:lstStyle/>
+          <a:p>
+            <a:pPr algn="ctr"/>
+            <a:r>
+              <a:rPr lang="en-US" b="1" noProof="0" dirty="0">
+                <a:solidFill>
+                  <a:schemeClr val="bg1">
+                    <a:lumMod val="95000"/>
+                  </a:schemeClr>
+                </a:solidFill>
+              </a:rPr>
+              <a:t>Positive</a:t>
+            </a:r>
+          </a:p>
+        </p:txBody>
+      </p:sp>
+      <p:sp>
+        <p:nvSpPr>
+          <p:cNvPr id="3" name="Parallélogramme 2">
+            <a:extLst>
+              <a:ext uri="{FF2B5EF4-FFF2-40B4-BE49-F238E27FC236}">
+                <a16:creationId xmlns:a16="http://schemas.microsoft.com/office/drawing/2014/main" id="{4CE54004-98C1-37E0-7D95-D8E563478BBF}"/>
+              </a:ext>
+            </a:extLst>
+          </p:cNvPr>
+          <p:cNvSpPr/>
+          <p:nvPr/>
+        </p:nvSpPr>
+        <p:spPr>
+          <a:xfrm>
+            <a:off x="540413" y="2309498"/>
+            <a:ext cx="7208738" cy="2540917"/>
+          </a:xfrm>
+          <a:prstGeom prst="parallelogram">
+            <a:avLst>
+              <a:gd name="adj" fmla="val 101524"/>
+            </a:avLst>
+          </a:prstGeom>
+          <a:solidFill>
+            <a:srgbClr val="2E6D8E"/>
+          </a:solidFill>
         </p:spPr>
         <p:style>
           <a:lnRef idx="2">
@@ -13966,16 +13620,169 @@
           <a:lstStyle/>
           <a:p>
             <a:pPr algn="ctr"/>
-            <a:endParaRPr lang="en-US" noProof="0" dirty="0"/>
-          </a:p>
-        </p:txBody>
-      </p:sp>
-      <p:sp>
-        <p:nvSpPr>
-          <p:cNvPr id="19" name="ZoneTexte 18">
-            <a:extLst>
-              <a:ext uri="{FF2B5EF4-FFF2-40B4-BE49-F238E27FC236}">
-                <a16:creationId xmlns:a16="http://schemas.microsoft.com/office/drawing/2014/main" id="{FC7677E1-3BB9-5D02-F627-0757683721AA}"/>
+            <a:endParaRPr lang="fr-FR"/>
+          </a:p>
+        </p:txBody>
+      </p:sp>
+      <p:sp>
+        <p:nvSpPr>
+          <p:cNvPr id="23" name="Parallélogramme 22">
+            <a:extLst>
+              <a:ext uri="{FF2B5EF4-FFF2-40B4-BE49-F238E27FC236}">
+                <a16:creationId xmlns:a16="http://schemas.microsoft.com/office/drawing/2014/main" id="{EDDF6013-2A20-9271-0F9F-BF443DE7A269}"/>
+              </a:ext>
+            </a:extLst>
+          </p:cNvPr>
+          <p:cNvSpPr/>
+          <p:nvPr/>
+        </p:nvSpPr>
+        <p:spPr>
+          <a:xfrm>
+            <a:off x="4136149" y="2319128"/>
+            <a:ext cx="3602314" cy="1268043"/>
+          </a:xfrm>
+          <a:prstGeom prst="parallelogram">
+            <a:avLst>
+              <a:gd name="adj" fmla="val 101848"/>
+            </a:avLst>
+          </a:prstGeom>
+          <a:solidFill>
+            <a:srgbClr val="440154"/>
+          </a:solidFill>
+        </p:spPr>
+        <p:style>
+          <a:lnRef idx="2">
+            <a:schemeClr val="accent1">
+              <a:shade val="15000"/>
+            </a:schemeClr>
+          </a:lnRef>
+          <a:fillRef idx="1">
+            <a:schemeClr val="accent1"/>
+          </a:fillRef>
+          <a:effectRef idx="0">
+            <a:schemeClr val="accent1"/>
+          </a:effectRef>
+          <a:fontRef idx="minor">
+            <a:schemeClr val="lt1"/>
+          </a:fontRef>
+        </p:style>
+        <p:txBody>
+          <a:bodyPr rtlCol="0" anchor="ctr"/>
+          <a:lstStyle/>
+          <a:p>
+            <a:pPr algn="ctr"/>
+            <a:endParaRPr lang="fr-FR"/>
+          </a:p>
+        </p:txBody>
+      </p:sp>
+      <p:sp>
+        <p:nvSpPr>
+          <p:cNvPr id="24" name="Parallélogramme 23">
+            <a:extLst>
+              <a:ext uri="{FF2B5EF4-FFF2-40B4-BE49-F238E27FC236}">
+                <a16:creationId xmlns:a16="http://schemas.microsoft.com/office/drawing/2014/main" id="{630DEC19-6A7D-4538-81D7-5E87D22E0652}"/>
+              </a:ext>
+            </a:extLst>
+          </p:cNvPr>
+          <p:cNvSpPr/>
+          <p:nvPr/>
+        </p:nvSpPr>
+        <p:spPr>
+          <a:xfrm>
+            <a:off x="1836316" y="2319128"/>
+            <a:ext cx="3602314" cy="1268043"/>
+          </a:xfrm>
+          <a:prstGeom prst="parallelogram">
+            <a:avLst>
+              <a:gd name="adj" fmla="val 101848"/>
+            </a:avLst>
+          </a:prstGeom>
+          <a:solidFill>
+            <a:srgbClr val="FDE724"/>
+          </a:solidFill>
+        </p:spPr>
+        <p:style>
+          <a:lnRef idx="2">
+            <a:schemeClr val="accent1">
+              <a:shade val="15000"/>
+            </a:schemeClr>
+          </a:lnRef>
+          <a:fillRef idx="1">
+            <a:schemeClr val="accent1"/>
+          </a:fillRef>
+          <a:effectRef idx="0">
+            <a:schemeClr val="accent1"/>
+          </a:effectRef>
+          <a:fontRef idx="minor">
+            <a:schemeClr val="lt1"/>
+          </a:fontRef>
+        </p:style>
+        <p:txBody>
+          <a:bodyPr rtlCol="0" anchor="ctr"/>
+          <a:lstStyle/>
+          <a:p>
+            <a:pPr algn="ctr"/>
+            <a:endParaRPr lang="fr-FR"/>
+          </a:p>
+        </p:txBody>
+      </p:sp>
+      <p:sp>
+        <p:nvSpPr>
+          <p:cNvPr id="25" name="Parallélogramme 24">
+            <a:extLst>
+              <a:ext uri="{FF2B5EF4-FFF2-40B4-BE49-F238E27FC236}">
+                <a16:creationId xmlns:a16="http://schemas.microsoft.com/office/drawing/2014/main" id="{63F5241C-BA2F-1FEA-F5C4-FB747AF0ACF5}"/>
+              </a:ext>
+            </a:extLst>
+          </p:cNvPr>
+          <p:cNvSpPr/>
+          <p:nvPr/>
+        </p:nvSpPr>
+        <p:spPr>
+          <a:xfrm>
+            <a:off x="573840" y="3568253"/>
+            <a:ext cx="3602314" cy="1268043"/>
+          </a:xfrm>
+          <a:prstGeom prst="parallelogram">
+            <a:avLst>
+              <a:gd name="adj" fmla="val 101848"/>
+            </a:avLst>
+          </a:prstGeom>
+          <a:solidFill>
+            <a:srgbClr val="453580"/>
+          </a:solidFill>
+        </p:spPr>
+        <p:style>
+          <a:lnRef idx="2">
+            <a:schemeClr val="accent1">
+              <a:shade val="15000"/>
+            </a:schemeClr>
+          </a:lnRef>
+          <a:fillRef idx="1">
+            <a:schemeClr val="accent1"/>
+          </a:fillRef>
+          <a:effectRef idx="0">
+            <a:schemeClr val="accent1"/>
+          </a:effectRef>
+          <a:fontRef idx="minor">
+            <a:schemeClr val="lt1"/>
+          </a:fontRef>
+        </p:style>
+        <p:txBody>
+          <a:bodyPr rtlCol="0" anchor="ctr"/>
+          <a:lstStyle/>
+          <a:p>
+            <a:pPr algn="ctr"/>
+            <a:endParaRPr lang="fr-FR" dirty="0"/>
+          </a:p>
+        </p:txBody>
+      </p:sp>
+      <p:sp>
+        <p:nvSpPr>
+          <p:cNvPr id="38" name="ZoneTexte 37">
+            <a:extLst>
+              <a:ext uri="{FF2B5EF4-FFF2-40B4-BE49-F238E27FC236}">
+                <a16:creationId xmlns:a16="http://schemas.microsoft.com/office/drawing/2014/main" id="{BFA1927A-83DA-85EF-7552-1E0F599C0C48}"/>
               </a:ext>
             </a:extLst>
           </p:cNvPr>
@@ -13983,43 +13790,125 @@
           <p:nvPr/>
         </p:nvSpPr>
         <p:spPr>
-          <a:xfrm rot="16200000">
-            <a:off x="8151166" y="2801811"/>
-            <a:ext cx="1347143" cy="369332"/>
+          <a:xfrm>
+            <a:off x="4863029" y="2557199"/>
+            <a:ext cx="1316386" cy="769441"/>
+          </a:xfrm>
+          <a:prstGeom prst="rect">
+            <a:avLst/>
+          </a:prstGeom>
+          <a:noFill/>
+          <a:scene3d>
+            <a:camera prst="isometricOffAxis2Top">
+              <a:rot lat="18075713" lon="3207254" rev="18600000"/>
+            </a:camera>
+            <a:lightRig rig="threePt" dir="t"/>
+          </a:scene3d>
+          <a:sp3d/>
+        </p:spPr>
+        <p:txBody>
+          <a:bodyPr wrap="none" rtlCol="0">
+            <a:spAutoFit/>
+          </a:bodyPr>
+          <a:lstStyle/>
+          <a:p>
+            <a:r>
+              <a:rPr lang="en-US" sz="4400" dirty="0">
+                <a:solidFill>
+                  <a:schemeClr val="bg1"/>
+                </a:solidFill>
+                <a:latin typeface="Impact" panose="020B0806030902050204" pitchFamily="34" charset="0"/>
+              </a:rPr>
+              <a:t>F</a:t>
+            </a:r>
+            <a:r>
+              <a:rPr lang="en-US" sz="4400" noProof="0" dirty="0">
+                <a:solidFill>
+                  <a:schemeClr val="bg1"/>
+                </a:solidFill>
+                <a:latin typeface="Impact" panose="020B0806030902050204" pitchFamily="34" charset="0"/>
+              </a:rPr>
+              <a:t>P </a:t>
+            </a:r>
+            <a:r>
+              <a:rPr lang="en-US" sz="4400" dirty="0">
+                <a:solidFill>
+                  <a:schemeClr val="bg1"/>
+                </a:solidFill>
+                <a:latin typeface="Impact" panose="020B0806030902050204" pitchFamily="34" charset="0"/>
+              </a:rPr>
+              <a:t>7</a:t>
+            </a:r>
+            <a:r>
+              <a:rPr lang="en-US" sz="4400" noProof="0" dirty="0">
+                <a:solidFill>
+                  <a:schemeClr val="bg1"/>
+                </a:solidFill>
+                <a:latin typeface="Impact" panose="020B0806030902050204" pitchFamily="34" charset="0"/>
+              </a:rPr>
+              <a:t>0</a:t>
+            </a:r>
+          </a:p>
+        </p:txBody>
+      </p:sp>
+      <p:sp>
+        <p:nvSpPr>
+          <p:cNvPr id="26" name="Rectangle 25">
+            <a:extLst>
+              <a:ext uri="{FF2B5EF4-FFF2-40B4-BE49-F238E27FC236}">
+                <a16:creationId xmlns:a16="http://schemas.microsoft.com/office/drawing/2014/main" id="{2EE0FFBA-C983-B557-07FB-0862A35CDA6A}"/>
+              </a:ext>
+            </a:extLst>
+          </p:cNvPr>
+          <p:cNvSpPr/>
+          <p:nvPr/>
+        </p:nvSpPr>
+        <p:spPr>
+          <a:xfrm>
+            <a:off x="4228138" y="2202650"/>
+            <a:ext cx="2299833" cy="714213"/>
           </a:xfrm>
           <a:prstGeom prst="rect">
             <a:avLst/>
           </a:prstGeom>
           <a:solidFill>
-            <a:srgbClr val="C00000"/>
+            <a:srgbClr val="FF0000">
+              <a:alpha val="55000"/>
+            </a:srgbClr>
           </a:solidFill>
+          <a:ln w="9525"/>
         </p:spPr>
-        <p:txBody>
-          <a:bodyPr wrap="square" rtlCol="0">
-            <a:spAutoFit/>
-          </a:bodyPr>
+        <p:style>
+          <a:lnRef idx="2">
+            <a:schemeClr val="accent1">
+              <a:shade val="15000"/>
+            </a:schemeClr>
+          </a:lnRef>
+          <a:fillRef idx="1">
+            <a:schemeClr val="accent1"/>
+          </a:fillRef>
+          <a:effectRef idx="0">
+            <a:schemeClr val="accent1"/>
+          </a:effectRef>
+          <a:fontRef idx="minor">
+            <a:schemeClr val="lt1"/>
+          </a:fontRef>
+        </p:style>
+        <p:txBody>
+          <a:bodyPr rtlCol="0" anchor="ctr"/>
           <a:lstStyle/>
           <a:p>
             <a:pPr algn="ctr"/>
-            <a:r>
-              <a:rPr lang="en-US" b="1" noProof="0" dirty="0">
-                <a:solidFill>
-                  <a:schemeClr val="bg1">
-                    <a:lumMod val="95000"/>
-                  </a:schemeClr>
-                </a:solidFill>
-              </a:rPr>
-              <a:t>Negative</a:t>
-            </a:r>
-          </a:p>
-        </p:txBody>
-      </p:sp>
-      <p:sp>
-        <p:nvSpPr>
-          <p:cNvPr id="20" name="ZoneTexte 19">
-            <a:extLst>
-              <a:ext uri="{FF2B5EF4-FFF2-40B4-BE49-F238E27FC236}">
-                <a16:creationId xmlns:a16="http://schemas.microsoft.com/office/drawing/2014/main" id="{3CBAE594-87FA-7FB1-33E8-6A2824D97095}"/>
+            <a:endParaRPr lang="fr-FR"/>
+          </a:p>
+        </p:txBody>
+      </p:sp>
+      <p:sp>
+        <p:nvSpPr>
+          <p:cNvPr id="39" name="ZoneTexte 38">
+            <a:extLst>
+              <a:ext uri="{FF2B5EF4-FFF2-40B4-BE49-F238E27FC236}">
+                <a16:creationId xmlns:a16="http://schemas.microsoft.com/office/drawing/2014/main" id="{0F62A33F-0D0B-3C2C-110C-A0DAB97A4152}"/>
               </a:ext>
             </a:extLst>
           </p:cNvPr>
@@ -14028,42 +13917,48 @@
         </p:nvSpPr>
         <p:spPr>
           <a:xfrm>
-            <a:off x="9012555" y="4878597"/>
-            <a:ext cx="1347143" cy="369332"/>
+            <a:off x="2879685" y="2509804"/>
+            <a:ext cx="1366080" cy="769441"/>
           </a:xfrm>
           <a:prstGeom prst="rect">
             <a:avLst/>
           </a:prstGeom>
-          <a:solidFill>
-            <a:srgbClr val="C00000"/>
-          </a:solidFill>
+          <a:noFill/>
+          <a:scene3d>
+            <a:camera prst="isometricOffAxis2Top">
+              <a:rot lat="18075713" lon="3207254" rev="18600000"/>
+            </a:camera>
+            <a:lightRig rig="threePt" dir="t"/>
+          </a:scene3d>
+          <a:sp3d/>
         </p:spPr>
         <p:txBody>
-          <a:bodyPr wrap="square" rtlCol="0">
+          <a:bodyPr wrap="none" rtlCol="0">
             <a:spAutoFit/>
           </a:bodyPr>
           <a:lstStyle/>
           <a:p>
-            <a:pPr algn="ctr"/>
-            <a:r>
-              <a:rPr lang="en-US" b="1" noProof="0" dirty="0">
-                <a:solidFill>
-                  <a:schemeClr val="bg1">
+            <a:r>
+              <a:rPr lang="en-US" sz="4400" noProof="0" dirty="0">
+                <a:solidFill>
+                  <a:schemeClr val="tx1">
                     <a:lumMod val="95000"/>
+                    <a:lumOff val="5000"/>
                   </a:schemeClr>
                 </a:solidFill>
-              </a:rPr>
-              <a:t>Negative</a:t>
-            </a:r>
-          </a:p>
-        </p:txBody>
-      </p:sp>
-      <p:sp>
-        <p:nvSpPr>
-          <p:cNvPr id="21" name="ZoneTexte 20">
-            <a:extLst>
-              <a:ext uri="{FF2B5EF4-FFF2-40B4-BE49-F238E27FC236}">
-                <a16:creationId xmlns:a16="http://schemas.microsoft.com/office/drawing/2014/main" id="{8E64D4BF-DC03-8D10-895D-CF9C842E1A9B}"/>
+                <a:latin typeface="Impact" panose="020B0806030902050204" pitchFamily="34" charset="0"/>
+              </a:rPr>
+              <a:t>TN 18</a:t>
+            </a:r>
+          </a:p>
+        </p:txBody>
+      </p:sp>
+      <p:sp>
+        <p:nvSpPr>
+          <p:cNvPr id="34" name="ZoneTexte 33">
+            <a:extLst>
+              <a:ext uri="{FF2B5EF4-FFF2-40B4-BE49-F238E27FC236}">
+                <a16:creationId xmlns:a16="http://schemas.microsoft.com/office/drawing/2014/main" id="{0F318217-7B59-12B6-5D54-ED2478712BE0}"/>
               </a:ext>
             </a:extLst>
           </p:cNvPr>
@@ -14071,43 +13966,46 @@
           <p:nvPr/>
         </p:nvSpPr>
         <p:spPr>
-          <a:xfrm rot="16200000">
-            <a:off x="8190096" y="4055124"/>
-            <a:ext cx="1270387" cy="369332"/>
+          <a:xfrm>
+            <a:off x="1265865" y="3861490"/>
+            <a:ext cx="1423788" cy="769441"/>
           </a:xfrm>
           <a:prstGeom prst="rect">
             <a:avLst/>
           </a:prstGeom>
-          <a:solidFill>
-            <a:srgbClr val="70AD47"/>
-          </a:solidFill>
+          <a:noFill/>
+          <a:scene3d>
+            <a:camera prst="isometricOffAxis2Top">
+              <a:rot lat="18075713" lon="3207254" rev="18600000"/>
+            </a:camera>
+            <a:lightRig rig="threePt" dir="t"/>
+          </a:scene3d>
+          <a:sp3d/>
         </p:spPr>
         <p:txBody>
-          <a:bodyPr wrap="square" rtlCol="0">
+          <a:bodyPr wrap="none" rtlCol="0">
             <a:spAutoFit/>
           </a:bodyPr>
           <a:lstStyle/>
           <a:p>
-            <a:pPr algn="ctr"/>
-            <a:r>
-              <a:rPr lang="en-US" b="1" noProof="0" dirty="0">
-                <a:solidFill>
-                  <a:schemeClr val="bg1">
-                    <a:lumMod val="95000"/>
-                  </a:schemeClr>
-                </a:solidFill>
-              </a:rPr>
-              <a:t>Positive</a:t>
-            </a:r>
-          </a:p>
-        </p:txBody>
-      </p:sp>
-      <p:sp>
-        <p:nvSpPr>
-          <p:cNvPr id="22" name="ZoneTexte 21">
-            <a:extLst>
-              <a:ext uri="{FF2B5EF4-FFF2-40B4-BE49-F238E27FC236}">
-                <a16:creationId xmlns:a16="http://schemas.microsoft.com/office/drawing/2014/main" id="{39570B15-4CE7-A2D6-1760-B6FEEF8245A2}"/>
+            <a:r>
+              <a:rPr lang="en-US" sz="4400" noProof="0" dirty="0">
+                <a:solidFill>
+                  <a:schemeClr val="bg1"/>
+                </a:solidFill>
+                <a:latin typeface="Impact" panose="020B0806030902050204" pitchFamily="34" charset="0"/>
+              </a:rPr>
+              <a:t>FN 06</a:t>
+            </a:r>
+          </a:p>
+        </p:txBody>
+      </p:sp>
+      <p:sp>
+        <p:nvSpPr>
+          <p:cNvPr id="37" name="ZoneTexte 36">
+            <a:extLst>
+              <a:ext uri="{FF2B5EF4-FFF2-40B4-BE49-F238E27FC236}">
+                <a16:creationId xmlns:a16="http://schemas.microsoft.com/office/drawing/2014/main" id="{84661984-F9BB-1056-8662-DC2851FB9EAD}"/>
               </a:ext>
             </a:extLst>
           </p:cNvPr>
@@ -14116,33 +14014,434 @@
         </p:nvSpPr>
         <p:spPr>
           <a:xfrm>
-            <a:off x="10303123" y="4876692"/>
-            <a:ext cx="1270387" cy="369332"/>
+            <a:off x="4322417" y="3713278"/>
+            <a:ext cx="1345240" cy="769441"/>
           </a:xfrm>
           <a:prstGeom prst="rect">
             <a:avLst/>
           </a:prstGeom>
-          <a:solidFill>
-            <a:srgbClr val="70AD47"/>
-          </a:solidFill>
+          <a:noFill/>
+          <a:scene3d>
+            <a:camera prst="isometricOffAxis2Top">
+              <a:rot lat="18075713" lon="3207254" rev="18600000"/>
+            </a:camera>
+            <a:lightRig rig="threePt" dir="t"/>
+          </a:scene3d>
+          <a:sp3d/>
         </p:spPr>
         <p:txBody>
-          <a:bodyPr wrap="square" rtlCol="0">
+          <a:bodyPr wrap="none" rtlCol="0">
             <a:spAutoFit/>
           </a:bodyPr>
           <a:lstStyle/>
           <a:p>
+            <a:r>
+              <a:rPr lang="en-US" sz="4400" noProof="0" dirty="0">
+                <a:solidFill>
+                  <a:schemeClr val="bg1"/>
+                </a:solidFill>
+                <a:latin typeface="Impact" panose="020B0806030902050204" pitchFamily="34" charset="0"/>
+              </a:rPr>
+              <a:t>TP 10</a:t>
+            </a:r>
+          </a:p>
+        </p:txBody>
+      </p:sp>
+      <p:sp>
+        <p:nvSpPr>
+          <p:cNvPr id="31" name="Cylindre 30">
+            <a:extLst>
+              <a:ext uri="{FF2B5EF4-FFF2-40B4-BE49-F238E27FC236}">
+                <a16:creationId xmlns:a16="http://schemas.microsoft.com/office/drawing/2014/main" id="{62C90EDB-9B12-287C-6A19-DE8E4276BBAA}"/>
+              </a:ext>
+            </a:extLst>
+          </p:cNvPr>
+          <p:cNvSpPr/>
+          <p:nvPr/>
+        </p:nvSpPr>
+        <p:spPr>
+          <a:xfrm>
+            <a:off x="4083146" y="2028823"/>
+            <a:ext cx="224036" cy="1605915"/>
+          </a:xfrm>
+          <a:prstGeom prst="can">
+            <a:avLst/>
+          </a:prstGeom>
+          <a:solidFill>
+            <a:schemeClr val="bg1">
+              <a:lumMod val="75000"/>
+            </a:schemeClr>
+          </a:solidFill>
+        </p:spPr>
+        <p:style>
+          <a:lnRef idx="2">
+            <a:schemeClr val="accent1">
+              <a:shade val="15000"/>
+            </a:schemeClr>
+          </a:lnRef>
+          <a:fillRef idx="1">
+            <a:schemeClr val="accent1"/>
+          </a:fillRef>
+          <a:effectRef idx="0">
+            <a:schemeClr val="accent1"/>
+          </a:effectRef>
+          <a:fontRef idx="minor">
+            <a:schemeClr val="lt1"/>
+          </a:fontRef>
+        </p:style>
+        <p:txBody>
+          <a:bodyPr rtlCol="0" anchor="ctr"/>
+          <a:lstStyle/>
+          <a:p>
             <a:pPr algn="ctr"/>
-            <a:r>
-              <a:rPr lang="en-US" b="1" noProof="0" dirty="0">
-                <a:solidFill>
-                  <a:schemeClr val="bg1">
-                    <a:lumMod val="95000"/>
-                  </a:schemeClr>
-                </a:solidFill>
-              </a:rPr>
-              <a:t>Positive</a:t>
-            </a:r>
+            <a:endParaRPr lang="fr-FR"/>
+          </a:p>
+        </p:txBody>
+      </p:sp>
+      <p:sp>
+        <p:nvSpPr>
+          <p:cNvPr id="27" name="Parallélogramme 26">
+            <a:extLst>
+              <a:ext uri="{FF2B5EF4-FFF2-40B4-BE49-F238E27FC236}">
+                <a16:creationId xmlns:a16="http://schemas.microsoft.com/office/drawing/2014/main" id="{D36599D1-84E0-D99B-63AB-FCA786E367CB}"/>
+              </a:ext>
+            </a:extLst>
+          </p:cNvPr>
+          <p:cNvSpPr/>
+          <p:nvPr/>
+        </p:nvSpPr>
+        <p:spPr>
+          <a:xfrm rot="16200000" flipV="1">
+            <a:off x="2429495" y="3073348"/>
+            <a:ext cx="2099343" cy="1416119"/>
+          </a:xfrm>
+          <a:prstGeom prst="parallelogram">
+            <a:avLst>
+              <a:gd name="adj" fmla="val 98735"/>
+            </a:avLst>
+          </a:prstGeom>
+          <a:solidFill>
+            <a:schemeClr val="accent4">
+              <a:alpha val="55000"/>
+            </a:schemeClr>
+          </a:solidFill>
+          <a:ln w="9525"/>
+        </p:spPr>
+        <p:style>
+          <a:lnRef idx="2">
+            <a:schemeClr val="accent1">
+              <a:shade val="15000"/>
+            </a:schemeClr>
+          </a:lnRef>
+          <a:fillRef idx="1">
+            <a:schemeClr val="accent1"/>
+          </a:fillRef>
+          <a:effectRef idx="0">
+            <a:schemeClr val="accent1"/>
+          </a:effectRef>
+          <a:fontRef idx="minor">
+            <a:schemeClr val="lt1"/>
+          </a:fontRef>
+        </p:style>
+        <p:txBody>
+          <a:bodyPr rtlCol="0" anchor="ctr"/>
+          <a:lstStyle/>
+          <a:p>
+            <a:pPr algn="ctr"/>
+            <a:endParaRPr lang="fr-FR"/>
+          </a:p>
+        </p:txBody>
+      </p:sp>
+      <p:sp>
+        <p:nvSpPr>
+          <p:cNvPr id="33" name="Cylindre 32">
+            <a:extLst>
+              <a:ext uri="{FF2B5EF4-FFF2-40B4-BE49-F238E27FC236}">
+                <a16:creationId xmlns:a16="http://schemas.microsoft.com/office/drawing/2014/main" id="{046F5AF2-220C-4460-1E01-7E8C21856940}"/>
+              </a:ext>
+            </a:extLst>
+          </p:cNvPr>
+          <p:cNvSpPr/>
+          <p:nvPr/>
+        </p:nvSpPr>
+        <p:spPr>
+          <a:xfrm>
+            <a:off x="2767667" y="3263655"/>
+            <a:ext cx="224036" cy="1605915"/>
+          </a:xfrm>
+          <a:prstGeom prst="can">
+            <a:avLst/>
+          </a:prstGeom>
+          <a:solidFill>
+            <a:schemeClr val="bg1">
+              <a:lumMod val="75000"/>
+            </a:schemeClr>
+          </a:solidFill>
+        </p:spPr>
+        <p:style>
+          <a:lnRef idx="2">
+            <a:schemeClr val="accent1">
+              <a:shade val="15000"/>
+            </a:schemeClr>
+          </a:lnRef>
+          <a:fillRef idx="1">
+            <a:schemeClr val="accent1"/>
+          </a:fillRef>
+          <a:effectRef idx="0">
+            <a:schemeClr val="accent1"/>
+          </a:effectRef>
+          <a:fontRef idx="minor">
+            <a:schemeClr val="lt1"/>
+          </a:fontRef>
+        </p:style>
+        <p:txBody>
+          <a:bodyPr rtlCol="0" anchor="ctr"/>
+          <a:lstStyle/>
+          <a:p>
+            <a:pPr algn="ctr"/>
+            <a:endParaRPr lang="fr-FR"/>
+          </a:p>
+        </p:txBody>
+      </p:sp>
+      <p:cxnSp>
+        <p:nvCxnSpPr>
+          <p:cNvPr id="41" name="Connecteur droit 40">
+            <a:extLst>
+              <a:ext uri="{FF2B5EF4-FFF2-40B4-BE49-F238E27FC236}">
+                <a16:creationId xmlns:a16="http://schemas.microsoft.com/office/drawing/2014/main" id="{1D3BC40D-7F9E-8897-0EB1-C8FE1EC1D299}"/>
+              </a:ext>
+            </a:extLst>
+          </p:cNvPr>
+          <p:cNvCxnSpPr>
+            <a:cxnSpLocks/>
+          </p:cNvCxnSpPr>
+          <p:nvPr/>
+        </p:nvCxnSpPr>
+        <p:spPr>
+          <a:xfrm>
+            <a:off x="4189132" y="2202650"/>
+            <a:ext cx="0" cy="1315885"/>
+          </a:xfrm>
+          <a:prstGeom prst="line">
+            <a:avLst/>
+          </a:prstGeom>
+          <a:ln>
+            <a:solidFill>
+              <a:schemeClr val="tx1">
+                <a:lumMod val="50000"/>
+                <a:lumOff val="50000"/>
+              </a:schemeClr>
+            </a:solidFill>
+          </a:ln>
+        </p:spPr>
+        <p:style>
+          <a:lnRef idx="1">
+            <a:schemeClr val="accent1"/>
+          </a:lnRef>
+          <a:fillRef idx="0">
+            <a:schemeClr val="accent1"/>
+          </a:fillRef>
+          <a:effectRef idx="0">
+            <a:schemeClr val="accent1"/>
+          </a:effectRef>
+          <a:fontRef idx="minor">
+            <a:schemeClr val="tx1"/>
+          </a:fontRef>
+        </p:style>
+      </p:cxnSp>
+      <p:cxnSp>
+        <p:nvCxnSpPr>
+          <p:cNvPr id="44" name="Connecteur droit 43">
+            <a:extLst>
+              <a:ext uri="{FF2B5EF4-FFF2-40B4-BE49-F238E27FC236}">
+                <a16:creationId xmlns:a16="http://schemas.microsoft.com/office/drawing/2014/main" id="{274AB326-DAA8-34F9-4B11-7943321F768E}"/>
+              </a:ext>
+            </a:extLst>
+          </p:cNvPr>
+          <p:cNvCxnSpPr>
+            <a:cxnSpLocks/>
+          </p:cNvCxnSpPr>
+          <p:nvPr/>
+        </p:nvCxnSpPr>
+        <p:spPr>
+          <a:xfrm>
+            <a:off x="4194847" y="2202650"/>
+            <a:ext cx="0" cy="1315885"/>
+          </a:xfrm>
+          <a:prstGeom prst="line">
+            <a:avLst/>
+          </a:prstGeom>
+          <a:ln>
+            <a:solidFill>
+              <a:schemeClr val="bg1">
+                <a:lumMod val="65000"/>
+              </a:schemeClr>
+            </a:solidFill>
+          </a:ln>
+        </p:spPr>
+        <p:style>
+          <a:lnRef idx="1">
+            <a:schemeClr val="accent1"/>
+          </a:lnRef>
+          <a:fillRef idx="0">
+            <a:schemeClr val="accent1"/>
+          </a:fillRef>
+          <a:effectRef idx="0">
+            <a:schemeClr val="accent1"/>
+          </a:effectRef>
+          <a:fontRef idx="minor">
+            <a:schemeClr val="tx1"/>
+          </a:fontRef>
+        </p:style>
+      </p:cxnSp>
+      <p:sp>
+        <p:nvSpPr>
+          <p:cNvPr id="45" name="ZoneTexte 44">
+            <a:extLst>
+              <a:ext uri="{FF2B5EF4-FFF2-40B4-BE49-F238E27FC236}">
+                <a16:creationId xmlns:a16="http://schemas.microsoft.com/office/drawing/2014/main" id="{CA1D2812-453D-D8B7-A8C2-C0D4A79F79E7}"/>
+              </a:ext>
+            </a:extLst>
+          </p:cNvPr>
+          <p:cNvSpPr txBox="1"/>
+          <p:nvPr/>
+        </p:nvSpPr>
+        <p:spPr>
+          <a:xfrm>
+            <a:off x="1013932" y="4219249"/>
+            <a:ext cx="1229824" cy="523220"/>
+          </a:xfrm>
+          <a:prstGeom prst="rect">
+            <a:avLst/>
+          </a:prstGeom>
+          <a:noFill/>
+          <a:scene3d>
+            <a:camera prst="isometricOffAxis2Top">
+              <a:rot lat="18075713" lon="3207254" rev="18600000"/>
+            </a:camera>
+            <a:lightRig rig="threePt" dir="t"/>
+          </a:scene3d>
+          <a:sp3d/>
+        </p:spPr>
+        <p:txBody>
+          <a:bodyPr wrap="none" rtlCol="0">
+            <a:spAutoFit/>
+          </a:bodyPr>
+          <a:lstStyle/>
+          <a:p>
+            <a:r>
+              <a:rPr lang="en-US" sz="2800" noProof="0" dirty="0">
+                <a:solidFill>
+                  <a:schemeClr val="bg1"/>
+                </a:solidFill>
+                <a:latin typeface="Impact" panose="020B0806030902050204" pitchFamily="34" charset="0"/>
+              </a:rPr>
+              <a:t>Misses</a:t>
+            </a:r>
+          </a:p>
+        </p:txBody>
+      </p:sp>
+      <p:sp>
+        <p:nvSpPr>
+          <p:cNvPr id="52" name="ZoneTexte 51">
+            <a:extLst>
+              <a:ext uri="{FF2B5EF4-FFF2-40B4-BE49-F238E27FC236}">
+                <a16:creationId xmlns:a16="http://schemas.microsoft.com/office/drawing/2014/main" id="{DA57D484-2C47-EC14-7AE1-21080DD0F04D}"/>
+              </a:ext>
+            </a:extLst>
+          </p:cNvPr>
+          <p:cNvSpPr txBox="1"/>
+          <p:nvPr/>
+        </p:nvSpPr>
+        <p:spPr>
+          <a:xfrm>
+            <a:off x="4561744" y="2919035"/>
+            <a:ext cx="2056973" cy="523220"/>
+          </a:xfrm>
+          <a:prstGeom prst="rect">
+            <a:avLst/>
+          </a:prstGeom>
+          <a:noFill/>
+          <a:scene3d>
+            <a:camera prst="isometricOffAxis2Top">
+              <a:rot lat="18075713" lon="3207254" rev="18600000"/>
+            </a:camera>
+            <a:lightRig rig="threePt" dir="t"/>
+          </a:scene3d>
+          <a:sp3d/>
+        </p:spPr>
+        <p:txBody>
+          <a:bodyPr wrap="none" rtlCol="0">
+            <a:spAutoFit/>
+          </a:bodyPr>
+          <a:lstStyle/>
+          <a:p>
+            <a:r>
+              <a:rPr lang="en-US" sz="2800" dirty="0">
+                <a:solidFill>
+                  <a:schemeClr val="bg1"/>
+                </a:solidFill>
+                <a:latin typeface="Impact" panose="020B0806030902050204" pitchFamily="34" charset="0"/>
+              </a:rPr>
+              <a:t>False Alarms</a:t>
+            </a:r>
+            <a:endParaRPr lang="en-US" sz="2800" noProof="0" dirty="0">
+              <a:solidFill>
+                <a:schemeClr val="bg1"/>
+              </a:solidFill>
+              <a:latin typeface="Impact" panose="020B0806030902050204" pitchFamily="34" charset="0"/>
+            </a:endParaRPr>
+          </a:p>
+        </p:txBody>
+      </p:sp>
+      <p:sp>
+        <p:nvSpPr>
+          <p:cNvPr id="32" name="Cylindre 31">
+            <a:extLst>
+              <a:ext uri="{FF2B5EF4-FFF2-40B4-BE49-F238E27FC236}">
+                <a16:creationId xmlns:a16="http://schemas.microsoft.com/office/drawing/2014/main" id="{8F196BA7-DD73-1D6F-3E38-7B3E50A85FA3}"/>
+              </a:ext>
+            </a:extLst>
+          </p:cNvPr>
+          <p:cNvSpPr/>
+          <p:nvPr/>
+        </p:nvSpPr>
+        <p:spPr>
+          <a:xfrm>
+            <a:off x="6310966" y="2028823"/>
+            <a:ext cx="224036" cy="1605915"/>
+          </a:xfrm>
+          <a:prstGeom prst="can">
+            <a:avLst/>
+          </a:prstGeom>
+          <a:solidFill>
+            <a:schemeClr val="bg1">
+              <a:lumMod val="75000"/>
+            </a:schemeClr>
+          </a:solidFill>
+        </p:spPr>
+        <p:style>
+          <a:lnRef idx="2">
+            <a:schemeClr val="accent1">
+              <a:shade val="15000"/>
+            </a:schemeClr>
+          </a:lnRef>
+          <a:fillRef idx="1">
+            <a:schemeClr val="accent1"/>
+          </a:fillRef>
+          <a:effectRef idx="0">
+            <a:schemeClr val="accent1"/>
+          </a:effectRef>
+          <a:fontRef idx="minor">
+            <a:schemeClr val="lt1"/>
+          </a:fontRef>
+        </p:style>
+        <p:txBody>
+          <a:bodyPr rtlCol="0" anchor="ctr"/>
+          <a:lstStyle/>
+          <a:p>
+            <a:pPr algn="ctr"/>
+            <a:endParaRPr lang="fr-FR"/>
           </a:p>
         </p:txBody>
       </p:sp>
@@ -14156,92 +14455,6 @@
   <p:clrMapOvr>
     <a:masterClrMapping/>
   </p:clrMapOvr>
-  <p:timing>
-    <p:tnLst>
-      <p:par>
-        <p:cTn id="1" dur="indefinite" restart="never" nodeType="tmRoot">
-          <p:childTnLst>
-            <p:seq concurrent="1" nextAc="seek">
-              <p:cTn id="2" dur="indefinite" nodeType="mainSeq">
-                <p:childTnLst>
-                  <p:par>
-                    <p:cTn id="3" fill="hold">
-                      <p:stCondLst>
-                        <p:cond delay="indefinite"/>
-                      </p:stCondLst>
-                      <p:childTnLst>
-                        <p:par>
-                          <p:cTn id="4" fill="hold">
-                            <p:stCondLst>
-                              <p:cond delay="0"/>
-                            </p:stCondLst>
-                            <p:childTnLst>
-                              <p:par>
-                                <p:cTn id="5" presetID="10" presetClass="exit" presetSubtype="0" fill="hold" grpId="0" nodeType="clickEffect">
-                                  <p:stCondLst>
-                                    <p:cond delay="0"/>
-                                  </p:stCondLst>
-                                  <p:childTnLst>
-                                    <p:animEffect transition="out" filter="fade">
-                                      <p:cBhvr>
-                                        <p:cTn id="6" dur="500"/>
-                                        <p:tgtEl>
-                                          <p:spTgt spid="15"/>
-                                        </p:tgtEl>
-                                      </p:cBhvr>
-                                    </p:animEffect>
-                                    <p:set>
-                                      <p:cBhvr>
-                                        <p:cTn id="7" dur="1" fill="hold">
-                                          <p:stCondLst>
-                                            <p:cond delay="499"/>
-                                          </p:stCondLst>
-                                        </p:cTn>
-                                        <p:tgtEl>
-                                          <p:spTgt spid="15"/>
-                                        </p:tgtEl>
-                                        <p:attrNameLst>
-                                          <p:attrName>style.visibility</p:attrName>
-                                        </p:attrNameLst>
-                                      </p:cBhvr>
-                                      <p:to>
-                                        <p:strVal val="hidden"/>
-                                      </p:to>
-                                    </p:set>
-                                  </p:childTnLst>
-                                </p:cTn>
-                              </p:par>
-                            </p:childTnLst>
-                          </p:cTn>
-                        </p:par>
-                      </p:childTnLst>
-                    </p:cTn>
-                  </p:par>
-                </p:childTnLst>
-              </p:cTn>
-              <p:prevCondLst>
-                <p:cond evt="onPrev" delay="0">
-                  <p:tgtEl>
-                    <p:sldTgt/>
-                  </p:tgtEl>
-                </p:cond>
-              </p:prevCondLst>
-              <p:nextCondLst>
-                <p:cond evt="onNext" delay="0">
-                  <p:tgtEl>
-                    <p:sldTgt/>
-                  </p:tgtEl>
-                </p:cond>
-              </p:nextCondLst>
-            </p:seq>
-          </p:childTnLst>
-        </p:cTn>
-      </p:par>
-    </p:tnLst>
-    <p:bldLst>
-      <p:bldP spid="15" grpId="0" animBg="1"/>
-    </p:bldLst>
-  </p:timing>
 </p:sld>
 </file>
 

--- a/docs/09_machine_learning/003_confusion_matrix/assets/drawings.pptx
+++ b/docs/09_machine_learning/003_confusion_matrix/assets/drawings.pptx
@@ -124,7 +124,7 @@
 <file path=ppt/revisionInfo.xml><?xml version="1.0" encoding="utf-8"?>
 <p1510:revInfo xmlns:a="http://schemas.openxmlformats.org/drawingml/2006/main" xmlns:r="http://schemas.openxmlformats.org/officeDocument/2006/relationships" xmlns:p1510="http://schemas.microsoft.com/office/powerpoint/2015/10/main">
   <p1510:revLst>
-    <p1510:client id="{76A78AF1-43FB-43C9-91F9-9695004BC752}" v="81" dt="2025-12-17T17:43:41.848"/>
+    <p1510:client id="{76A78AF1-43FB-43C9-91F9-9695004BC752}" v="82" dt="2025-12-31T14:20:19"/>
   </p1510:revLst>
 </p1510:revInfo>
 </file>
@@ -134,7 +134,7 @@
   <pc:docChgLst>
     <pc:chgData name="Philippe Baucour" userId="5102170ae7533958" providerId="LiveId" clId="{C4634EC1-E8DC-4FAE-B843-C9AE3C4956A0}"/>
     <pc:docChg chg="undo custSel addSld delSld modSld sldOrd">
-      <pc:chgData name="Philippe Baucour" userId="5102170ae7533958" providerId="LiveId" clId="{C4634EC1-E8DC-4FAE-B843-C9AE3C4956A0}" dt="2025-12-17T17:44:53.410" v="7288" actId="478"/>
+      <pc:chgData name="Philippe Baucour" userId="5102170ae7533958" providerId="LiveId" clId="{C4634EC1-E8DC-4FAE-B843-C9AE3C4956A0}" dt="2025-12-31T14:20:48.512" v="7304" actId="14100"/>
       <pc:docMkLst>
         <pc:docMk/>
       </pc:docMkLst>
@@ -651,14 +651,6 @@
           <pc:docMk/>
           <pc:sldMk cId="3477989219" sldId="344"/>
         </pc:sldMkLst>
-        <pc:spChg chg="del">
-          <ac:chgData name="Philippe Baucour" userId="5102170ae7533958" providerId="LiveId" clId="{C4634EC1-E8DC-4FAE-B843-C9AE3C4956A0}" dt="2025-12-17T17:12:17.430" v="6328" actId="478"/>
-          <ac:spMkLst>
-            <pc:docMk/>
-            <pc:sldMk cId="3477989219" sldId="344"/>
-            <ac:spMk id="2" creationId="{4AC4288A-BE7E-0606-94AD-EC96E3EB9187}"/>
-          </ac:spMkLst>
-        </pc:spChg>
         <pc:spChg chg="add mod">
           <ac:chgData name="Philippe Baucour" userId="5102170ae7533958" providerId="LiveId" clId="{C4634EC1-E8DC-4FAE-B843-C9AE3C4956A0}" dt="2025-12-17T16:56:10.380" v="6024" actId="207"/>
           <ac:spMkLst>
@@ -729,14 +721,6 @@
             <pc:docMk/>
             <pc:sldMk cId="3477989219" sldId="344"/>
             <ac:spMk id="14" creationId="{8A76DEBE-ED1B-FD33-1D87-3CCA458F83CB}"/>
-          </ac:spMkLst>
-        </pc:spChg>
-        <pc:spChg chg="del mod">
-          <ac:chgData name="Philippe Baucour" userId="5102170ae7533958" providerId="LiveId" clId="{C4634EC1-E8DC-4FAE-B843-C9AE3C4956A0}" dt="2025-12-17T16:54:32.449" v="6011" actId="478"/>
-          <ac:spMkLst>
-            <pc:docMk/>
-            <pc:sldMk cId="3477989219" sldId="344"/>
-            <ac:spMk id="15" creationId="{F5A315D1-10A1-342B-2217-74E37BEEC070}"/>
           </ac:spMkLst>
         </pc:spChg>
         <pc:spChg chg="add mod">
@@ -811,22 +795,6 @@
             <ac:spMk id="27" creationId="{D36599D1-84E0-D99B-63AB-FCA786E367CB}"/>
           </ac:spMkLst>
         </pc:spChg>
-        <pc:spChg chg="add del mod">
-          <ac:chgData name="Philippe Baucour" userId="5102170ae7533958" providerId="LiveId" clId="{C4634EC1-E8DC-4FAE-B843-C9AE3C4956A0}" dt="2025-12-17T17:12:24.201" v="6329" actId="700"/>
-          <ac:spMkLst>
-            <pc:docMk/>
-            <pc:sldMk cId="3477989219" sldId="344"/>
-            <ac:spMk id="29" creationId="{65E63427-243B-71EB-D838-49BE22FB6D0C}"/>
-          </ac:spMkLst>
-        </pc:spChg>
-        <pc:spChg chg="add del mod">
-          <ac:chgData name="Philippe Baucour" userId="5102170ae7533958" providerId="LiveId" clId="{C4634EC1-E8DC-4FAE-B843-C9AE3C4956A0}" dt="2025-12-17T17:13:44.773" v="6335" actId="478"/>
-          <ac:spMkLst>
-            <pc:docMk/>
-            <pc:sldMk cId="3477989219" sldId="344"/>
-            <ac:spMk id="30" creationId="{34D4CEE9-5E3B-59C3-08C5-8FB3141D2DB9}"/>
-          </ac:spMkLst>
-        </pc:spChg>
         <pc:spChg chg="add mod ord">
           <ac:chgData name="Philippe Baucour" userId="5102170ae7533958" providerId="LiveId" clId="{C4634EC1-E8DC-4FAE-B843-C9AE3C4956A0}" dt="2025-12-17T17:37:17.618" v="6828" actId="166"/>
           <ac:spMkLst>
@@ -857,22 +825,6 @@
             <pc:docMk/>
             <pc:sldMk cId="3477989219" sldId="344"/>
             <ac:spMk id="34" creationId="{0F318217-7B59-12B6-5D54-ED2478712BE0}"/>
-          </ac:spMkLst>
-        </pc:spChg>
-        <pc:spChg chg="add del mod">
-          <ac:chgData name="Philippe Baucour" userId="5102170ae7533958" providerId="LiveId" clId="{C4634EC1-E8DC-4FAE-B843-C9AE3C4956A0}" dt="2025-12-17T17:37:56.780" v="6855" actId="478"/>
-          <ac:spMkLst>
-            <pc:docMk/>
-            <pc:sldMk cId="3477989219" sldId="344"/>
-            <ac:spMk id="35" creationId="{0AF30F5E-3FE7-2F4E-5C0D-3233845BB53E}"/>
-          </ac:spMkLst>
-        </pc:spChg>
-        <pc:spChg chg="add del mod">
-          <ac:chgData name="Philippe Baucour" userId="5102170ae7533958" providerId="LiveId" clId="{C4634EC1-E8DC-4FAE-B843-C9AE3C4956A0}" dt="2025-12-17T17:37:59.007" v="6856" actId="478"/>
-          <ac:spMkLst>
-            <pc:docMk/>
-            <pc:sldMk cId="3477989219" sldId="344"/>
-            <ac:spMk id="36" creationId="{957BAD5C-FD52-0150-F6D9-BB66B436345A}"/>
           </ac:spMkLst>
         </pc:spChg>
         <pc:spChg chg="add mod">
@@ -915,22 +867,6 @@
             <ac:spMk id="52" creationId="{DA57D484-2C47-EC14-7AE1-21080DD0F04D}"/>
           </ac:spMkLst>
         </pc:spChg>
-        <pc:cxnChg chg="add del mod">
-          <ac:chgData name="Philippe Baucour" userId="5102170ae7533958" providerId="LiveId" clId="{C4634EC1-E8DC-4FAE-B843-C9AE3C4956A0}" dt="2025-12-17T16:57:32.459" v="6096" actId="478"/>
-          <ac:cxnSpMkLst>
-            <pc:docMk/>
-            <pc:sldMk cId="3477989219" sldId="344"/>
-            <ac:cxnSpMk id="5" creationId="{A69DFF2F-FF24-3EC5-3C33-E16B5935E428}"/>
-          </ac:cxnSpMkLst>
-        </pc:cxnChg>
-        <pc:cxnChg chg="add del mod">
-          <ac:chgData name="Philippe Baucour" userId="5102170ae7533958" providerId="LiveId" clId="{C4634EC1-E8DC-4FAE-B843-C9AE3C4956A0}" dt="2025-12-17T16:57:43.762" v="6097" actId="478"/>
-          <ac:cxnSpMkLst>
-            <pc:docMk/>
-            <pc:sldMk cId="3477989219" sldId="344"/>
-            <ac:cxnSpMk id="16" creationId="{6F22CF5A-077D-574C-B140-A1D48DC75B7B}"/>
-          </ac:cxnSpMkLst>
-        </pc:cxnChg>
         <pc:cxnChg chg="add mod">
           <ac:chgData name="Philippe Baucour" userId="5102170ae7533958" providerId="LiveId" clId="{C4634EC1-E8DC-4FAE-B843-C9AE3C4956A0}" dt="2025-12-17T17:40:45.599" v="6926" actId="554"/>
           <ac:cxnSpMkLst>
@@ -947,17 +883,9 @@
             <ac:cxnSpMk id="44" creationId="{274AB326-DAA8-34F9-4B11-7943321F768E}"/>
           </ac:cxnSpMkLst>
         </pc:cxnChg>
-        <pc:cxnChg chg="add del mod">
-          <ac:chgData name="Philippe Baucour" userId="5102170ae7533958" providerId="LiveId" clId="{C4634EC1-E8DC-4FAE-B843-C9AE3C4956A0}" dt="2025-12-17T17:44:53.410" v="7288" actId="478"/>
-          <ac:cxnSpMkLst>
-            <pc:docMk/>
-            <pc:sldMk cId="3477989219" sldId="344"/>
-            <ac:cxnSpMk id="47" creationId="{B05619D5-CE9E-1F2E-8708-026D79252E39}"/>
-          </ac:cxnSpMkLst>
-        </pc:cxnChg>
       </pc:sldChg>
       <pc:sldChg chg="addSp delSp modSp new mod ord modClrScheme chgLayout">
-        <pc:chgData name="Philippe Baucour" userId="5102170ae7533958" providerId="LiveId" clId="{C4634EC1-E8DC-4FAE-B843-C9AE3C4956A0}" dt="2025-12-14T18:13:10.450" v="5998" actId="478"/>
+        <pc:chgData name="Philippe Baucour" userId="5102170ae7533958" providerId="LiveId" clId="{C4634EC1-E8DC-4FAE-B843-C9AE3C4956A0}" dt="2025-12-31T14:20:48.512" v="7304" actId="14100"/>
         <pc:sldMkLst>
           <pc:docMk/>
           <pc:sldMk cId="1801289739" sldId="345"/>
@@ -984,6 +912,22 @@
             <pc:docMk/>
             <pc:sldMk cId="1801289739" sldId="345"/>
             <ac:spMk id="8" creationId="{50FC805C-0F28-E05D-CD4C-63AB090D7FA3}"/>
+          </ac:spMkLst>
+        </pc:spChg>
+        <pc:spChg chg="add mod">
+          <ac:chgData name="Philippe Baucour" userId="5102170ae7533958" providerId="LiveId" clId="{C4634EC1-E8DC-4FAE-B843-C9AE3C4956A0}" dt="2025-12-31T14:20:48.512" v="7304" actId="14100"/>
+          <ac:spMkLst>
+            <pc:docMk/>
+            <pc:sldMk cId="1801289739" sldId="345"/>
+            <ac:spMk id="9" creationId="{FE2572E3-FDED-2DFB-9C1F-AD4F4F8148A9}"/>
+          </ac:spMkLst>
+        </pc:spChg>
+        <pc:spChg chg="add mod">
+          <ac:chgData name="Philippe Baucour" userId="5102170ae7533958" providerId="LiveId" clId="{C4634EC1-E8DC-4FAE-B843-C9AE3C4956A0}" dt="2025-12-31T14:20:41.325" v="7302" actId="14100"/>
+          <ac:spMkLst>
+            <pc:docMk/>
+            <pc:sldMk cId="1801289739" sldId="345"/>
+            <ac:spMk id="10" creationId="{C6728B26-FEAB-E6A8-A886-1B6DF30A813C}"/>
           </ac:spMkLst>
         </pc:spChg>
         <pc:spChg chg="add mod">
@@ -1083,7 +1027,7 @@
           </ac:spMkLst>
         </pc:spChg>
         <pc:spChg chg="add mod">
-          <ac:chgData name="Philippe Baucour" userId="5102170ae7533958" providerId="LiveId" clId="{C4634EC1-E8DC-4FAE-B843-C9AE3C4956A0}" dt="2025-12-14T18:12:56.635" v="5997" actId="1035"/>
+          <ac:chgData name="Philippe Baucour" userId="5102170ae7533958" providerId="LiveId" clId="{C4634EC1-E8DC-4FAE-B843-C9AE3C4956A0}" dt="2025-12-31T14:19:04.746" v="7292" actId="14100"/>
           <ac:spMkLst>
             <pc:docMk/>
             <pc:sldMk cId="1801289739" sldId="345"/>
@@ -1106,6 +1050,14 @@
             <ac:spMk id="61" creationId="{9362FC6D-6B38-4158-9797-B263EB3CAA33}"/>
           </ac:spMkLst>
         </pc:spChg>
+        <pc:cxnChg chg="add mod">
+          <ac:chgData name="Philippe Baucour" userId="5102170ae7533958" providerId="LiveId" clId="{C4634EC1-E8DC-4FAE-B843-C9AE3C4956A0}" dt="2025-12-31T14:19:58.860" v="7298" actId="14100"/>
+          <ac:cxnSpMkLst>
+            <pc:docMk/>
+            <pc:sldMk cId="1801289739" sldId="345"/>
+            <ac:cxnSpMk id="3" creationId="{7855552E-284A-C838-E1EA-D5799A9DFB0E}"/>
+          </ac:cxnSpMkLst>
+        </pc:cxnChg>
         <pc:cxnChg chg="add mod">
           <ac:chgData name="Philippe Baucour" userId="5102170ae7533958" providerId="LiveId" clId="{C4634EC1-E8DC-4FAE-B843-C9AE3C4956A0}" dt="2025-12-14T17:51:59.591" v="5318" actId="1037"/>
           <ac:cxnSpMkLst>
@@ -1242,7 +1194,7 @@
           <a:p>
             <a:fld id="{4471ECC3-BD70-4F1E-B981-43613CDB8BB8}" type="datetimeFigureOut">
               <a:rPr lang="fr-FR" smtClean="0"/>
-              <a:t>17/12/2025</a:t>
+              <a:t>31/12/2025</a:t>
             </a:fld>
             <a:endParaRPr lang="fr-FR"/>
           </a:p>
@@ -4355,7 +4307,7 @@
           <a:p>
             <a:fld id="{814EAAF8-3877-4B4B-B2A5-D637106D66A3}" type="datetimeFigureOut">
               <a:rPr lang="fr-FR" smtClean="0"/>
-              <a:t>17/12/2025</a:t>
+              <a:t>31/12/2025</a:t>
             </a:fld>
             <a:endParaRPr lang="fr-FR"/>
           </a:p>
@@ -4553,7 +4505,7 @@
           <a:p>
             <a:fld id="{814EAAF8-3877-4B4B-B2A5-D637106D66A3}" type="datetimeFigureOut">
               <a:rPr lang="fr-FR" smtClean="0"/>
-              <a:t>17/12/2025</a:t>
+              <a:t>31/12/2025</a:t>
             </a:fld>
             <a:endParaRPr lang="fr-FR"/>
           </a:p>
@@ -4761,7 +4713,7 @@
           <a:p>
             <a:fld id="{814EAAF8-3877-4B4B-B2A5-D637106D66A3}" type="datetimeFigureOut">
               <a:rPr lang="fr-FR" smtClean="0"/>
-              <a:t>17/12/2025</a:t>
+              <a:t>31/12/2025</a:t>
             </a:fld>
             <a:endParaRPr lang="fr-FR"/>
           </a:p>
@@ -4959,7 +4911,7 @@
           <a:p>
             <a:fld id="{814EAAF8-3877-4B4B-B2A5-D637106D66A3}" type="datetimeFigureOut">
               <a:rPr lang="fr-FR" smtClean="0"/>
-              <a:t>17/12/2025</a:t>
+              <a:t>31/12/2025</a:t>
             </a:fld>
             <a:endParaRPr lang="fr-FR"/>
           </a:p>
@@ -5234,7 +5186,7 @@
           <a:p>
             <a:fld id="{814EAAF8-3877-4B4B-B2A5-D637106D66A3}" type="datetimeFigureOut">
               <a:rPr lang="fr-FR" smtClean="0"/>
-              <a:t>17/12/2025</a:t>
+              <a:t>31/12/2025</a:t>
             </a:fld>
             <a:endParaRPr lang="fr-FR"/>
           </a:p>
@@ -5499,7 +5451,7 @@
           <a:p>
             <a:fld id="{814EAAF8-3877-4B4B-B2A5-D637106D66A3}" type="datetimeFigureOut">
               <a:rPr lang="fr-FR" smtClean="0"/>
-              <a:t>17/12/2025</a:t>
+              <a:t>31/12/2025</a:t>
             </a:fld>
             <a:endParaRPr lang="fr-FR"/>
           </a:p>
@@ -5911,7 +5863,7 @@
           <a:p>
             <a:fld id="{814EAAF8-3877-4B4B-B2A5-D637106D66A3}" type="datetimeFigureOut">
               <a:rPr lang="fr-FR" smtClean="0"/>
-              <a:t>17/12/2025</a:t>
+              <a:t>31/12/2025</a:t>
             </a:fld>
             <a:endParaRPr lang="fr-FR"/>
           </a:p>
@@ -6052,7 +6004,7 @@
           <a:p>
             <a:fld id="{814EAAF8-3877-4B4B-B2A5-D637106D66A3}" type="datetimeFigureOut">
               <a:rPr lang="fr-FR" smtClean="0"/>
-              <a:t>17/12/2025</a:t>
+              <a:t>31/12/2025</a:t>
             </a:fld>
             <a:endParaRPr lang="fr-FR"/>
           </a:p>
@@ -6165,7 +6117,7 @@
           <a:p>
             <a:fld id="{814EAAF8-3877-4B4B-B2A5-D637106D66A3}" type="datetimeFigureOut">
               <a:rPr lang="fr-FR" smtClean="0"/>
-              <a:t>17/12/2025</a:t>
+              <a:t>31/12/2025</a:t>
             </a:fld>
             <a:endParaRPr lang="fr-FR"/>
           </a:p>
@@ -6476,7 +6428,7 @@
           <a:p>
             <a:fld id="{814EAAF8-3877-4B4B-B2A5-D637106D66A3}" type="datetimeFigureOut">
               <a:rPr lang="fr-FR" smtClean="0"/>
-              <a:t>17/12/2025</a:t>
+              <a:t>31/12/2025</a:t>
             </a:fld>
             <a:endParaRPr lang="fr-FR"/>
           </a:p>
@@ -6764,7 +6716,7 @@
           <a:p>
             <a:fld id="{814EAAF8-3877-4B4B-B2A5-D637106D66A3}" type="datetimeFigureOut">
               <a:rPr lang="fr-FR" smtClean="0"/>
-              <a:t>17/12/2025</a:t>
+              <a:t>31/12/2025</a:t>
             </a:fld>
             <a:endParaRPr lang="fr-FR"/>
           </a:p>
@@ -7005,7 +6957,7 @@
           <a:p>
             <a:fld id="{814EAAF8-3877-4B4B-B2A5-D637106D66A3}" type="datetimeFigureOut">
               <a:rPr lang="fr-FR" smtClean="0"/>
-              <a:t>17/12/2025</a:t>
+              <a:t>31/12/2025</a:t>
             </a:fld>
             <a:endParaRPr lang="fr-FR"/>
           </a:p>
@@ -17388,9 +17340,9 @@
           <p:nvPr/>
         </p:nvSpPr>
         <p:spPr>
-          <a:xfrm>
-            <a:off x="3039094" y="5946814"/>
-            <a:ext cx="1800000" cy="369332"/>
+          <a:xfrm rot="16200000">
+            <a:off x="5600074" y="3177539"/>
+            <a:ext cx="4474503" cy="369332"/>
           </a:xfrm>
           <a:prstGeom prst="rect">
             <a:avLst/>
@@ -17493,6 +17445,138 @@
                 <a:cs typeface="Courier New" panose="02070309020205020404" pitchFamily="49" charset="0"/>
               </a:rPr>
               <a:t>Healthy</a:t>
+            </a:r>
+          </a:p>
+        </p:txBody>
+      </p:sp>
+      <p:cxnSp>
+        <p:nvCxnSpPr>
+          <p:cNvPr id="3" name="Connecteur droit 2">
+            <a:extLst>
+              <a:ext uri="{FF2B5EF4-FFF2-40B4-BE49-F238E27FC236}">
+                <a16:creationId xmlns:a16="http://schemas.microsoft.com/office/drawing/2014/main" id="{7855552E-284A-C838-E1EA-D5799A9DFB0E}"/>
+              </a:ext>
+            </a:extLst>
+          </p:cNvPr>
+          <p:cNvCxnSpPr>
+            <a:cxnSpLocks/>
+          </p:cNvCxnSpPr>
+          <p:nvPr/>
+        </p:nvCxnSpPr>
+        <p:spPr>
+          <a:xfrm flipH="1">
+            <a:off x="2550695" y="3310686"/>
+            <a:ext cx="4854742" cy="0"/>
+          </a:xfrm>
+          <a:prstGeom prst="line">
+            <a:avLst/>
+          </a:prstGeom>
+          <a:ln w="57150">
+            <a:solidFill>
+              <a:schemeClr val="tx1"/>
+            </a:solidFill>
+            <a:prstDash val="dashDot"/>
+          </a:ln>
+        </p:spPr>
+        <p:style>
+          <a:lnRef idx="1">
+            <a:schemeClr val="accent1"/>
+          </a:lnRef>
+          <a:fillRef idx="0">
+            <a:schemeClr val="accent1"/>
+          </a:fillRef>
+          <a:effectRef idx="0">
+            <a:schemeClr val="accent1"/>
+          </a:effectRef>
+          <a:fontRef idx="minor">
+            <a:schemeClr val="tx1"/>
+          </a:fontRef>
+        </p:style>
+      </p:cxnSp>
+      <p:sp>
+        <p:nvSpPr>
+          <p:cNvPr id="9" name="ZoneTexte 8">
+            <a:extLst>
+              <a:ext uri="{FF2B5EF4-FFF2-40B4-BE49-F238E27FC236}">
+                <a16:creationId xmlns:a16="http://schemas.microsoft.com/office/drawing/2014/main" id="{FE2572E3-FDED-2DFB-9C1F-AD4F4F8148A9}"/>
+              </a:ext>
+            </a:extLst>
+          </p:cNvPr>
+          <p:cNvSpPr txBox="1"/>
+          <p:nvPr/>
+        </p:nvSpPr>
+        <p:spPr>
+          <a:xfrm rot="16200000">
+            <a:off x="7212301" y="4254230"/>
+            <a:ext cx="2321120" cy="369332"/>
+          </a:xfrm>
+          <a:prstGeom prst="rect">
+            <a:avLst/>
+          </a:prstGeom>
+          <a:solidFill>
+            <a:srgbClr val="C00000"/>
+          </a:solidFill>
+        </p:spPr>
+        <p:txBody>
+          <a:bodyPr wrap="square" rtlCol="0">
+            <a:spAutoFit/>
+          </a:bodyPr>
+          <a:lstStyle/>
+          <a:p>
+            <a:pPr algn="ctr"/>
+            <a:r>
+              <a:rPr lang="en-US" b="1" noProof="0" dirty="0">
+                <a:solidFill>
+                  <a:schemeClr val="bg1">
+                    <a:lumMod val="95000"/>
+                  </a:schemeClr>
+                </a:solidFill>
+              </a:rPr>
+              <a:t>Negative</a:t>
+            </a:r>
+          </a:p>
+        </p:txBody>
+      </p:sp>
+      <p:sp>
+        <p:nvSpPr>
+          <p:cNvPr id="10" name="ZoneTexte 9">
+            <a:extLst>
+              <a:ext uri="{FF2B5EF4-FFF2-40B4-BE49-F238E27FC236}">
+                <a16:creationId xmlns:a16="http://schemas.microsoft.com/office/drawing/2014/main" id="{C6728B26-FEAB-E6A8-A886-1B6DF30A813C}"/>
+              </a:ext>
+            </a:extLst>
+          </p:cNvPr>
+          <p:cNvSpPr txBox="1"/>
+          <p:nvPr/>
+        </p:nvSpPr>
+        <p:spPr>
+          <a:xfrm rot="16200000">
+            <a:off x="7282048" y="2033153"/>
+            <a:ext cx="2185733" cy="369332"/>
+          </a:xfrm>
+          <a:prstGeom prst="rect">
+            <a:avLst/>
+          </a:prstGeom>
+          <a:solidFill>
+            <a:srgbClr val="70AD47"/>
+          </a:solidFill>
+        </p:spPr>
+        <p:txBody>
+          <a:bodyPr wrap="square" rtlCol="0">
+            <a:spAutoFit/>
+          </a:bodyPr>
+          <a:lstStyle/>
+          <a:p>
+            <a:pPr algn="ctr"/>
+            <a:r>
+              <a:rPr lang="en-US" b="1" noProof="0" dirty="0">
+                <a:solidFill>
+                  <a:schemeClr val="bg1">
+                    <a:lumMod val="95000"/>
+                  </a:schemeClr>
+                </a:solidFill>
+              </a:rPr>
+              <a:t>Positive</a:t>
             </a:r>
           </a:p>
         </p:txBody>
